--- a/example.pptx
+++ b/example.pptx
@@ -532,7 +532,7 @@
           <a:p>
             <a:fld id="{F73F0BFC-2C88-4AAF-B42F-33B416312C7A}" type="datetimeFigureOut">
               <a:rPr lang="en-US" smtClean="0"/>
-              <a:t>1/4/2024</a:t>
+              <a:t>1/6/2024</a:t>
             </a:fld>
             <a:endParaRPr lang="en-US"/>
           </a:p>
@@ -716,7 +716,7 @@
           <a:p>
             <a:fld id="{F73F0BFC-2C88-4AAF-B42F-33B416312C7A}" type="datetimeFigureOut">
               <a:rPr lang="en-US" smtClean="0"/>
-              <a:t>1/4/2024</a:t>
+              <a:t>1/6/2024</a:t>
             </a:fld>
             <a:endParaRPr lang="en-US"/>
           </a:p>
@@ -900,7 +900,7 @@
           <a:p>
             <a:fld id="{F73F0BFC-2C88-4AAF-B42F-33B416312C7A}" type="datetimeFigureOut">
               <a:rPr lang="en-US" smtClean="0"/>
-              <a:t>1/4/2024</a:t>
+              <a:t>1/6/2024</a:t>
             </a:fld>
             <a:endParaRPr lang="en-US"/>
           </a:p>
@@ -1070,7 +1070,7 @@
           <a:p>
             <a:fld id="{F73F0BFC-2C88-4AAF-B42F-33B416312C7A}" type="datetimeFigureOut">
               <a:rPr lang="en-US" smtClean="0"/>
-              <a:t>1/4/2024</a:t>
+              <a:t>1/6/2024</a:t>
             </a:fld>
             <a:endParaRPr lang="en-US"/>
           </a:p>
@@ -1395,7 +1395,7 @@
           <a:p>
             <a:fld id="{F73F0BFC-2C88-4AAF-B42F-33B416312C7A}" type="datetimeFigureOut">
               <a:rPr lang="en-US" smtClean="0"/>
-              <a:t>1/4/2024</a:t>
+              <a:t>1/6/2024</a:t>
             </a:fld>
             <a:endParaRPr lang="en-US"/>
           </a:p>
@@ -1793,7 +1793,7 @@
           <a:p>
             <a:fld id="{F73F0BFC-2C88-4AAF-B42F-33B416312C7A}" type="datetimeFigureOut">
               <a:rPr lang="en-US" smtClean="0"/>
-              <a:t>1/4/2024</a:t>
+              <a:t>1/6/2024</a:t>
             </a:fld>
             <a:endParaRPr lang="en-US"/>
           </a:p>
@@ -2227,7 +2227,7 @@
           <a:p>
             <a:fld id="{F73F0BFC-2C88-4AAF-B42F-33B416312C7A}" type="datetimeFigureOut">
               <a:rPr lang="en-US" smtClean="0"/>
-              <a:t>1/4/2024</a:t>
+              <a:t>1/6/2024</a:t>
             </a:fld>
             <a:endParaRPr lang="en-US"/>
           </a:p>
@@ -2355,7 +2355,7 @@
           <a:p>
             <a:fld id="{F73F0BFC-2C88-4AAF-B42F-33B416312C7A}" type="datetimeFigureOut">
               <a:rPr lang="en-US" smtClean="0"/>
-              <a:t>1/4/2024</a:t>
+              <a:t>1/6/2024</a:t>
             </a:fld>
             <a:endParaRPr lang="en-US"/>
           </a:p>
@@ -2460,7 +2460,7 @@
           <a:p>
             <a:fld id="{F73F0BFC-2C88-4AAF-B42F-33B416312C7A}" type="datetimeFigureOut">
               <a:rPr lang="en-US" smtClean="0"/>
-              <a:t>1/4/2024</a:t>
+              <a:t>1/6/2024</a:t>
             </a:fld>
             <a:endParaRPr lang="en-US"/>
           </a:p>
@@ -2901,7 +2901,7 @@
           <a:p>
             <a:fld id="{F73F0BFC-2C88-4AAF-B42F-33B416312C7A}" type="datetimeFigureOut">
               <a:rPr lang="en-US" smtClean="0"/>
-              <a:t>1/4/2024</a:t>
+              <a:t>1/6/2024</a:t>
             </a:fld>
             <a:endParaRPr lang="en-US"/>
           </a:p>
@@ -3328,7 +3328,7 @@
           <a:p>
             <a:fld id="{F73F0BFC-2C88-4AAF-B42F-33B416312C7A}" type="datetimeFigureOut">
               <a:rPr lang="en-US" smtClean="0"/>
-              <a:t>1/4/2024</a:t>
+              <a:t>1/6/2024</a:t>
             </a:fld>
             <a:endParaRPr lang="en-US"/>
           </a:p>
@@ -3613,7 +3613,7 @@
           <a:p>
             <a:fld id="{F73F0BFC-2C88-4AAF-B42F-33B416312C7A}" type="datetimeFigureOut">
               <a:rPr lang="en-US" smtClean="0"/>
-              <a:t>1/4/2024</a:t>
+              <a:t>1/6/2024</a:t>
             </a:fld>
             <a:endParaRPr lang="en-US"/>
           </a:p>
@@ -4210,7 +4210,7 @@
         </p:nvSpPr>
         <p:spPr bwMode="auto">
           <a:xfrm>
-            <a:off x="685800" y="2280424"/>
+            <a:off x="609600" y="2286000"/>
             <a:ext cx="7924800" cy="3510776"/>
           </a:xfrm>
           <a:prstGeom prst="rect">

--- a/example.pptx
+++ b/example.pptx
@@ -7,11 +7,12 @@
   <p:sldIdLst>
     <p:sldId id="256" r:id="rId2"/>
     <p:sldId id="257" r:id="rId3"/>
+    <p:sldId id="258" r:id="rId4"/>
   </p:sldIdLst>
   <p:sldSz cx="9144000" cy="6858000" type="screen4x3"/>
   <p:notesSz cx="6858000" cy="9144000"/>
   <p:custDataLst>
-    <p:tags r:id="rId4"/>
+    <p:tags r:id="rId5"/>
   </p:custDataLst>
   <p:defaultTextStyle>
     <a:defPPr>
@@ -4488,6 +4489,136 @@
 </p:sld>
 </file>
 
+<file path=ppt/slides/slide3.xml><?xml version="1.0" encoding="utf-8"?>
+<p:sld xmlns:a="http://schemas.openxmlformats.org/drawingml/2006/main" xmlns:r="http://schemas.openxmlformats.org/officeDocument/2006/relationships" xmlns:p="http://schemas.openxmlformats.org/presentationml/2006/main">
+  <p:cSld>
+    <p:spTree>
+      <p:nvGrpSpPr>
+        <p:cNvPr id="1" name=""/>
+        <p:cNvGrpSpPr/>
+        <p:nvPr/>
+      </p:nvGrpSpPr>
+      <p:grpSpPr>
+        <a:xfrm>
+          <a:off x="0" y="0"/>
+          <a:ext cx="0" cy="0"/>
+          <a:chOff x="0" y="0"/>
+          <a:chExt cx="0" cy="0"/>
+        </a:xfrm>
+      </p:grpSpPr>
+      <p:sp>
+        <p:nvSpPr>
+          <p:cNvPr id="2" name="Заголовок 1">
+            <a:extLst>
+              <a:ext uri="{FF2B5EF4-FFF2-40B4-BE49-F238E27FC236}">
+                <a16:creationId xmlns:a16="http://schemas.microsoft.com/office/drawing/2014/main" id="{4B50F9CB-B67D-4548-A231-01D25D785CEF}"/>
+              </a:ext>
+            </a:extLst>
+          </p:cNvPr>
+          <p:cNvSpPr>
+            <a:spLocks noGrp="1"/>
+          </p:cNvSpPr>
+          <p:nvPr>
+            <p:ph type="title"/>
+          </p:nvPr>
+        </p:nvSpPr>
+        <p:spPr/>
+        <p:txBody>
+          <a:bodyPr/>
+          <a:lstStyle/>
+          <a:p>
+            <a:r>
+              <a:rPr lang="en-US" dirty="0"/>
+              <a:t>My IMAGE with code</a:t>
+            </a:r>
+          </a:p>
+        </p:txBody>
+      </p:sp>
+      <p:pic>
+        <p:nvPicPr>
+          <p:cNvPr id="4" name="Рисунок 3">
+            <a:extLst>
+              <a:ext uri="{FF2B5EF4-FFF2-40B4-BE49-F238E27FC236}">
+                <a16:creationId xmlns:a16="http://schemas.microsoft.com/office/drawing/2014/main" id="{BDACBAC2-C1B5-48A6-921C-E4ACD55B9D04}"/>
+              </a:ext>
+            </a:extLst>
+          </p:cNvPr>
+          <p:cNvPicPr>
+            <a:picLocks noChangeAspect="1"/>
+          </p:cNvPicPr>
+          <p:nvPr/>
+        </p:nvPicPr>
+        <p:blipFill>
+          <a:blip r:embed="rId2" cstate="print">
+            <a:extLst>
+              <a:ext uri="{28A0092B-C50C-407E-A947-70E740481C1C}">
+                <a14:useLocalDpi xmlns:a14="http://schemas.microsoft.com/office/drawing/2010/main" val="0"/>
+              </a:ext>
+            </a:extLst>
+          </a:blip>
+          <a:stretch>
+            <a:fillRect/>
+          </a:stretch>
+        </p:blipFill>
+        <p:spPr>
+          <a:xfrm>
+            <a:off x="5037798" y="1884407"/>
+            <a:ext cx="3072857" cy="4277600"/>
+          </a:xfrm>
+          <a:prstGeom prst="rect">
+            <a:avLst/>
+          </a:prstGeom>
+        </p:spPr>
+      </p:pic>
+      <p:pic>
+        <p:nvPicPr>
+          <p:cNvPr id="5" name="Рисунок 4">
+            <a:extLst>
+              <a:ext uri="{FF2B5EF4-FFF2-40B4-BE49-F238E27FC236}">
+                <a16:creationId xmlns:a16="http://schemas.microsoft.com/office/drawing/2014/main" id="{CB4DBD9C-DBEA-4218-9379-9629D1DF82A2}"/>
+              </a:ext>
+            </a:extLst>
+          </p:cNvPr>
+          <p:cNvPicPr>
+            <a:picLocks noChangeAspect="1"/>
+          </p:cNvPicPr>
+          <p:nvPr/>
+        </p:nvPicPr>
+        <p:blipFill>
+          <a:blip r:embed="rId2" cstate="print">
+            <a:extLst>
+              <a:ext uri="{28A0092B-C50C-407E-A947-70E740481C1C}">
+                <a14:useLocalDpi xmlns:a14="http://schemas.microsoft.com/office/drawing/2010/main" val="0"/>
+              </a:ext>
+            </a:extLst>
+          </a:blip>
+          <a:stretch>
+            <a:fillRect/>
+          </a:stretch>
+        </p:blipFill>
+        <p:spPr>
+          <a:xfrm>
+            <a:off x="1033345" y="1884407"/>
+            <a:ext cx="3072857" cy="4277600"/>
+          </a:xfrm>
+          <a:prstGeom prst="rect">
+            <a:avLst/>
+          </a:prstGeom>
+        </p:spPr>
+      </p:pic>
+    </p:spTree>
+    <p:extLst>
+      <p:ext uri="{BB962C8B-B14F-4D97-AF65-F5344CB8AC3E}">
+        <p14:creationId xmlns:p14="http://schemas.microsoft.com/office/powerpoint/2010/main" val="4117410959"/>
+      </p:ext>
+    </p:extLst>
+  </p:cSld>
+  <p:clrMapOvr>
+    <a:masterClrMapping/>
+  </p:clrMapOvr>
+</p:sld>
+</file>
+
 <file path=ppt/tags/tag1.xml><?xml version="1.0" encoding="utf-8"?>
 <p:tagLst xmlns:a="http://schemas.openxmlformats.org/drawingml/2006/main" xmlns:r="http://schemas.openxmlformats.org/officeDocument/2006/relationships" xmlns:p="http://schemas.openxmlformats.org/presentationml/2006/main">
   <p:tag name="MMPROD_NEXTUNIQUEID" val="10009"/>

--- a/example.pptx
+++ b/example.pptx
@@ -2,23 +2,22 @@
 <file path=ppt/presentation.xml><?xml version="1.0" encoding="utf-8"?>
 <p:presentation xmlns:a="http://schemas.openxmlformats.org/drawingml/2006/main" xmlns:r="http://schemas.openxmlformats.org/officeDocument/2006/relationships" xmlns:p="http://schemas.openxmlformats.org/presentationml/2006/main" saveSubsetFonts="1">
   <p:sldMasterIdLst>
-    <p:sldMasterId id="2147483720" r:id="rId1"/>
+    <p:sldMasterId id="2147483732" r:id="rId1"/>
   </p:sldMasterIdLst>
   <p:sldIdLst>
-    <p:sldId id="256" r:id="rId2"/>
-    <p:sldId id="257" r:id="rId3"/>
-    <p:sldId id="258" r:id="rId4"/>
+    <p:sldId id="257" r:id="rId2"/>
+    <p:sldId id="258" r:id="rId3"/>
   </p:sldIdLst>
   <p:sldSz cx="9144000" cy="6858000" type="screen4x3"/>
   <p:notesSz cx="6858000" cy="9144000"/>
   <p:custDataLst>
-    <p:tags r:id="rId5"/>
+    <p:tags r:id="rId4"/>
   </p:custDataLst>
   <p:defaultTextStyle>
     <a:defPPr>
       <a:defRPr lang="en-US"/>
     </a:defPPr>
-    <a:lvl1pPr marL="0" algn="l" defTabSz="457200" rtl="0" eaLnBrk="1" latinLnBrk="0" hangingPunct="1">
+    <a:lvl1pPr marL="0" algn="l" defTabSz="914400" rtl="0" eaLnBrk="1" latinLnBrk="0" hangingPunct="1">
       <a:defRPr sz="1800" kern="1200">
         <a:solidFill>
           <a:schemeClr val="tx1"/>
@@ -28,7 +27,7 @@
         <a:cs typeface="+mn-cs"/>
       </a:defRPr>
     </a:lvl1pPr>
-    <a:lvl2pPr marL="457200" algn="l" defTabSz="457200" rtl="0" eaLnBrk="1" latinLnBrk="0" hangingPunct="1">
+    <a:lvl2pPr marL="457200" algn="l" defTabSz="914400" rtl="0" eaLnBrk="1" latinLnBrk="0" hangingPunct="1">
       <a:defRPr sz="1800" kern="1200">
         <a:solidFill>
           <a:schemeClr val="tx1"/>
@@ -38,7 +37,7 @@
         <a:cs typeface="+mn-cs"/>
       </a:defRPr>
     </a:lvl2pPr>
-    <a:lvl3pPr marL="914400" algn="l" defTabSz="457200" rtl="0" eaLnBrk="1" latinLnBrk="0" hangingPunct="1">
+    <a:lvl3pPr marL="914400" algn="l" defTabSz="914400" rtl="0" eaLnBrk="1" latinLnBrk="0" hangingPunct="1">
       <a:defRPr sz="1800" kern="1200">
         <a:solidFill>
           <a:schemeClr val="tx1"/>
@@ -48,7 +47,7 @@
         <a:cs typeface="+mn-cs"/>
       </a:defRPr>
     </a:lvl3pPr>
-    <a:lvl4pPr marL="1371600" algn="l" defTabSz="457200" rtl="0" eaLnBrk="1" latinLnBrk="0" hangingPunct="1">
+    <a:lvl4pPr marL="1371600" algn="l" defTabSz="914400" rtl="0" eaLnBrk="1" latinLnBrk="0" hangingPunct="1">
       <a:defRPr sz="1800" kern="1200">
         <a:solidFill>
           <a:schemeClr val="tx1"/>
@@ -58,7 +57,7 @@
         <a:cs typeface="+mn-cs"/>
       </a:defRPr>
     </a:lvl4pPr>
-    <a:lvl5pPr marL="1828800" algn="l" defTabSz="457200" rtl="0" eaLnBrk="1" latinLnBrk="0" hangingPunct="1">
+    <a:lvl5pPr marL="1828800" algn="l" defTabSz="914400" rtl="0" eaLnBrk="1" latinLnBrk="0" hangingPunct="1">
       <a:defRPr sz="1800" kern="1200">
         <a:solidFill>
           <a:schemeClr val="tx1"/>
@@ -68,7 +67,7 @@
         <a:cs typeface="+mn-cs"/>
       </a:defRPr>
     </a:lvl5pPr>
-    <a:lvl6pPr marL="2286000" algn="l" defTabSz="457200" rtl="0" eaLnBrk="1" latinLnBrk="0" hangingPunct="1">
+    <a:lvl6pPr marL="2286000" algn="l" defTabSz="914400" rtl="0" eaLnBrk="1" latinLnBrk="0" hangingPunct="1">
       <a:defRPr sz="1800" kern="1200">
         <a:solidFill>
           <a:schemeClr val="tx1"/>
@@ -78,7 +77,7 @@
         <a:cs typeface="+mn-cs"/>
       </a:defRPr>
     </a:lvl6pPr>
-    <a:lvl7pPr marL="2743200" algn="l" defTabSz="457200" rtl="0" eaLnBrk="1" latinLnBrk="0" hangingPunct="1">
+    <a:lvl7pPr marL="2743200" algn="l" defTabSz="914400" rtl="0" eaLnBrk="1" latinLnBrk="0" hangingPunct="1">
       <a:defRPr sz="1800" kern="1200">
         <a:solidFill>
           <a:schemeClr val="tx1"/>
@@ -88,7 +87,7 @@
         <a:cs typeface="+mn-cs"/>
       </a:defRPr>
     </a:lvl7pPr>
-    <a:lvl8pPr marL="3200400" algn="l" defTabSz="457200" rtl="0" eaLnBrk="1" latinLnBrk="0" hangingPunct="1">
+    <a:lvl8pPr marL="3200400" algn="l" defTabSz="914400" rtl="0" eaLnBrk="1" latinLnBrk="0" hangingPunct="1">
       <a:defRPr sz="1800" kern="1200">
         <a:solidFill>
           <a:schemeClr val="tx1"/>
@@ -98,7 +97,7 @@
         <a:cs typeface="+mn-cs"/>
       </a:defRPr>
     </a:lvl8pPr>
-    <a:lvl9pPr marL="3657600" algn="l" defTabSz="457200" rtl="0" eaLnBrk="1" latinLnBrk="0" hangingPunct="1">
+    <a:lvl9pPr marL="3657600" algn="l" defTabSz="914400" rtl="0" eaLnBrk="1" latinLnBrk="0" hangingPunct="1">
       <a:defRPr sz="1800" kern="1200">
         <a:solidFill>
           <a:schemeClr val="tx1"/>
@@ -129,7 +128,7 @@
 </file>
 
 <file path=ppt/slideLayouts/slideLayout1.xml><?xml version="1.0" encoding="utf-8"?>
-<p:sldLayout xmlns:a="http://schemas.openxmlformats.org/drawingml/2006/main" xmlns:r="http://schemas.openxmlformats.org/officeDocument/2006/relationships" xmlns:p="http://schemas.openxmlformats.org/presentationml/2006/main" showMasterSp="0" type="title" preserve="1">
+<p:sldLayout xmlns:a="http://schemas.openxmlformats.org/drawingml/2006/main" xmlns:r="http://schemas.openxmlformats.org/officeDocument/2006/relationships" xmlns:p="http://schemas.openxmlformats.org/presentationml/2006/main" type="title" preserve="1">
   <p:cSld name="Титульный слайд">
     <p:spTree>
       <p:nvGrpSpPr>
@@ -147,364 +146,102 @@
       </p:grpSpPr>
       <p:sp>
         <p:nvSpPr>
-          <p:cNvPr id="7" name="Rectangle 6"/>
-          <p:cNvSpPr/>
-          <p:nvPr/>
+          <p:cNvPr id="2" name="Заголовок 1">
+            <a:extLst>
+              <a:ext uri="{FF2B5EF4-FFF2-40B4-BE49-F238E27FC236}">
+                <a16:creationId xmlns:a16="http://schemas.microsoft.com/office/drawing/2014/main" id="{1E5A4BDE-D593-45CA-9D1F-57C050AB2DD8}"/>
+              </a:ext>
+            </a:extLst>
+          </p:cNvPr>
+          <p:cNvSpPr>
+            <a:spLocks noGrp="1"/>
+          </p:cNvSpPr>
+          <p:nvPr>
+            <p:ph type="ctrTitle"/>
+          </p:nvPr>
         </p:nvSpPr>
         <p:spPr>
           <a:xfrm>
-            <a:off x="685800" y="1346947"/>
-            <a:ext cx="7772400" cy="80683"/>
+            <a:off x="1143000" y="1122363"/>
+            <a:ext cx="6858000" cy="2387600"/>
           </a:xfrm>
-          <a:prstGeom prst="rect">
-            <a:avLst/>
-          </a:prstGeom>
-          <a:blipFill dpi="0" rotWithShape="1">
-            <a:blip r:embed="rId2">
-              <a:alphaModFix amt="80000"/>
-              <a:lum bright="70000" contrast="-70000"/>
-              <a:extLst>
-                <a:ext uri="{BEBA8EAE-BF5A-486C-A8C5-ECC9F3942E4B}">
-                  <a14:imgProps xmlns:a14="http://schemas.microsoft.com/office/drawing/2010/main">
-                    <a14:imgLayer r:embed="rId3">
-                      <a14:imgEffect>
-                        <a14:sharpenSoften amount="61000"/>
-                      </a14:imgEffect>
-                    </a14:imgLayer>
-                  </a14:imgProps>
-                </a:ext>
-                <a:ext uri="{28A0092B-C50C-407E-A947-70E740481C1C}">
-                  <a14:useLocalDpi xmlns:a14="http://schemas.microsoft.com/office/drawing/2010/main" val="0"/>
-                </a:ext>
-              </a:extLst>
-            </a:blip>
-            <a:srcRect/>
-            <a:tile tx="0" ty="-762000" sx="92000" sy="89000" flip="xy" algn="ctr"/>
-          </a:blipFill>
-          <a:ln>
-            <a:noFill/>
-          </a:ln>
         </p:spPr>
-        <p:style>
-          <a:lnRef idx="2">
-            <a:schemeClr val="accent1">
-              <a:shade val="50000"/>
-            </a:schemeClr>
-          </a:lnRef>
-          <a:fillRef idx="1">
-            <a:schemeClr val="accent1"/>
-          </a:fillRef>
-          <a:effectRef idx="0">
-            <a:schemeClr val="accent1"/>
-          </a:effectRef>
-          <a:fontRef idx="minor">
-            <a:schemeClr val="lt1"/>
-          </a:fontRef>
-        </p:style>
-      </p:sp>
-      <p:sp>
-        <p:nvSpPr>
-          <p:cNvPr id="8" name="Rectangle 7"/>
-          <p:cNvSpPr/>
-          <p:nvPr/>
+        <p:txBody>
+          <a:bodyPr anchor="b"/>
+          <a:lstStyle>
+            <a:lvl1pPr algn="ctr">
+              <a:defRPr sz="4500"/>
+            </a:lvl1pPr>
+          </a:lstStyle>
+          <a:p>
+            <a:r>
+              <a:rPr lang="ru-RU"/>
+              <a:t>Образец заголовка</a:t>
+            </a:r>
+            <a:endParaRPr lang="en-US"/>
+          </a:p>
+        </p:txBody>
+      </p:sp>
+      <p:sp>
+        <p:nvSpPr>
+          <p:cNvPr id="3" name="Подзаголовок 2">
+            <a:extLst>
+              <a:ext uri="{FF2B5EF4-FFF2-40B4-BE49-F238E27FC236}">
+                <a16:creationId xmlns:a16="http://schemas.microsoft.com/office/drawing/2014/main" id="{A929F271-5F14-44DB-AFE9-D3D1E6614514}"/>
+              </a:ext>
+            </a:extLst>
+          </p:cNvPr>
+          <p:cNvSpPr>
+            <a:spLocks noGrp="1"/>
+          </p:cNvSpPr>
+          <p:nvPr>
+            <p:ph type="subTitle" idx="1"/>
+          </p:nvPr>
         </p:nvSpPr>
         <p:spPr>
           <a:xfrm>
-            <a:off x="685800" y="4282763"/>
-            <a:ext cx="7772400" cy="80683"/>
-          </a:xfrm>
-          <a:prstGeom prst="rect">
-            <a:avLst/>
-          </a:prstGeom>
-          <a:blipFill dpi="0" rotWithShape="1">
-            <a:blip r:embed="rId2">
-              <a:alphaModFix amt="80000"/>
-              <a:lum bright="70000" contrast="-70000"/>
-              <a:extLst>
-                <a:ext uri="{BEBA8EAE-BF5A-486C-A8C5-ECC9F3942E4B}">
-                  <a14:imgProps xmlns:a14="http://schemas.microsoft.com/office/drawing/2010/main">
-                    <a14:imgLayer r:embed="rId3">
-                      <a14:imgEffect>
-                        <a14:sharpenSoften amount="61000"/>
-                      </a14:imgEffect>
-                    </a14:imgLayer>
-                  </a14:imgProps>
-                </a:ext>
-                <a:ext uri="{28A0092B-C50C-407E-A947-70E740481C1C}">
-                  <a14:useLocalDpi xmlns:a14="http://schemas.microsoft.com/office/drawing/2010/main" val="0"/>
-                </a:ext>
-              </a:extLst>
-            </a:blip>
-            <a:srcRect/>
-            <a:tile tx="0" ty="-717550" sx="92000" sy="89000" flip="xy" algn="ctr"/>
-          </a:blipFill>
-          <a:ln>
-            <a:noFill/>
-          </a:ln>
-        </p:spPr>
-        <p:style>
-          <a:lnRef idx="2">
-            <a:schemeClr val="accent1">
-              <a:shade val="50000"/>
-            </a:schemeClr>
-          </a:lnRef>
-          <a:fillRef idx="1">
-            <a:schemeClr val="accent1"/>
-          </a:fillRef>
-          <a:effectRef idx="0">
-            <a:schemeClr val="accent1"/>
-          </a:effectRef>
-          <a:fontRef idx="minor">
-            <a:schemeClr val="lt1"/>
-          </a:fontRef>
-        </p:style>
-      </p:sp>
-      <p:sp>
-        <p:nvSpPr>
-          <p:cNvPr id="9" name="Rectangle 8"/>
-          <p:cNvSpPr/>
-          <p:nvPr/>
-        </p:nvSpPr>
-        <p:spPr>
-          <a:xfrm>
-            <a:off x="685800" y="1484779"/>
-            <a:ext cx="7772400" cy="2743200"/>
-          </a:xfrm>
-          <a:prstGeom prst="rect">
-            <a:avLst/>
-          </a:prstGeom>
-          <a:blipFill dpi="0" rotWithShape="1">
-            <a:blip r:embed="rId2">
-              <a:alphaModFix amt="80000"/>
-              <a:lum bright="70000" contrast="-70000"/>
-              <a:extLst>
-                <a:ext uri="{BEBA8EAE-BF5A-486C-A8C5-ECC9F3942E4B}">
-                  <a14:imgProps xmlns:a14="http://schemas.microsoft.com/office/drawing/2010/main">
-                    <a14:imgLayer r:embed="rId3">
-                      <a14:imgEffect>
-                        <a14:sharpenSoften amount="61000"/>
-                      </a14:imgEffect>
-                    </a14:imgLayer>
-                  </a14:imgProps>
-                </a:ext>
-                <a:ext uri="{28A0092B-C50C-407E-A947-70E740481C1C}">
-                  <a14:useLocalDpi xmlns:a14="http://schemas.microsoft.com/office/drawing/2010/main" val="0"/>
-                </a:ext>
-              </a:extLst>
-            </a:blip>
-            <a:srcRect/>
-            <a:tile tx="0" ty="-704850" sx="92000" sy="89000" flip="xy" algn="ctr"/>
-          </a:blipFill>
-          <a:ln>
-            <a:noFill/>
-          </a:ln>
-        </p:spPr>
-        <p:style>
-          <a:lnRef idx="2">
-            <a:schemeClr val="accent1">
-              <a:shade val="50000"/>
-            </a:schemeClr>
-          </a:lnRef>
-          <a:fillRef idx="1">
-            <a:schemeClr val="accent1"/>
-          </a:fillRef>
-          <a:effectRef idx="0">
-            <a:schemeClr val="accent1"/>
-          </a:effectRef>
-          <a:fontRef idx="minor">
-            <a:schemeClr val="lt1"/>
-          </a:fontRef>
-        </p:style>
-      </p:sp>
-      <p:grpSp>
-        <p:nvGrpSpPr>
-          <p:cNvPr id="10" name="Group 9"/>
-          <p:cNvGrpSpPr>
-            <a:grpSpLocks noChangeAspect="1"/>
-          </p:cNvGrpSpPr>
-          <p:nvPr/>
-        </p:nvGrpSpPr>
-        <p:grpSpPr>
-          <a:xfrm>
-            <a:off x="7234780" y="4107023"/>
-            <a:ext cx="914400" cy="914400"/>
-            <a:chOff x="9685338" y="4460675"/>
-            <a:chExt cx="1080904" cy="1080902"/>
-          </a:xfrm>
-        </p:grpSpPr>
-        <p:sp>
-          <p:nvSpPr>
-            <p:cNvPr id="11" name="Oval 10"/>
-            <p:cNvSpPr/>
-            <p:nvPr/>
-          </p:nvSpPr>
-          <p:spPr>
-            <a:xfrm>
-              <a:off x="9685338" y="4460675"/>
-              <a:ext cx="1080904" cy="1080902"/>
-            </a:xfrm>
-            <a:prstGeom prst="ellipse">
-              <a:avLst/>
-            </a:prstGeom>
-            <a:blipFill dpi="0" rotWithShape="1">
-              <a:blip r:embed="rId4">
-                <a:duotone>
-                  <a:schemeClr val="accent1">
-                    <a:shade val="45000"/>
-                    <a:satMod val="135000"/>
-                  </a:schemeClr>
-                  <a:prstClr val="white"/>
-                </a:duotone>
-                <a:extLst>
-                  <a:ext uri="{BEBA8EAE-BF5A-486C-A8C5-ECC9F3942E4B}">
-                    <a14:imgProps xmlns:a14="http://schemas.microsoft.com/office/drawing/2010/main">
-                      <a14:imgLayer r:embed="rId5">
-                        <a14:imgEffect>
-                          <a14:saturation sat="95000"/>
-                        </a14:imgEffect>
-                      </a14:imgLayer>
-                    </a14:imgProps>
-                  </a:ext>
-                </a:extLst>
-              </a:blip>
-              <a:srcRect/>
-              <a:tile tx="0" ty="0" sx="85000" sy="85000" flip="none" algn="tl"/>
-            </a:blipFill>
-            <a:ln w="25400" cap="flat" cmpd="sng" algn="ctr">
-              <a:noFill/>
-              <a:prstDash val="solid"/>
-            </a:ln>
-            <a:effectLst/>
-          </p:spPr>
-        </p:sp>
-        <p:sp>
-          <p:nvSpPr>
-            <p:cNvPr id="12" name="Oval 11"/>
-            <p:cNvSpPr/>
-            <p:nvPr/>
-          </p:nvSpPr>
-          <p:spPr>
-            <a:xfrm>
-              <a:off x="9793429" y="4568765"/>
-              <a:ext cx="864723" cy="864722"/>
-            </a:xfrm>
-            <a:prstGeom prst="ellipse">
-              <a:avLst/>
-            </a:prstGeom>
-            <a:noFill/>
-            <a:ln w="25400" cap="flat" cmpd="sng" algn="ctr">
-              <a:solidFill>
-                <a:sysClr val="window" lastClr="FFFFFF"/>
-              </a:solidFill>
-              <a:prstDash val="solid"/>
-            </a:ln>
-            <a:effectLst/>
-          </p:spPr>
-        </p:sp>
-      </p:grpSp>
-      <p:sp>
-        <p:nvSpPr>
-          <p:cNvPr id="2" name="Title 1"/>
-          <p:cNvSpPr>
-            <a:spLocks noGrp="1"/>
-          </p:cNvSpPr>
-          <p:nvPr>
-            <p:ph type="ctrTitle"/>
-          </p:nvPr>
-        </p:nvSpPr>
-        <p:spPr>
-          <a:xfrm>
-            <a:off x="788670" y="1432223"/>
-            <a:ext cx="7593330" cy="3035808"/>
+            <a:off x="1143000" y="3602038"/>
+            <a:ext cx="6858000" cy="1655762"/>
           </a:xfrm>
         </p:spPr>
         <p:txBody>
-          <a:bodyPr anchor="ctr">
-            <a:noAutofit/>
-          </a:bodyPr>
+          <a:bodyPr/>
           <a:lstStyle>
-            <a:lvl1pPr algn="l">
-              <a:lnSpc>
-                <a:spcPct val="80000"/>
-              </a:lnSpc>
-              <a:defRPr sz="6400" b="0" cap="all" baseline="0">
-                <a:blipFill dpi="0" rotWithShape="1">
-                  <a:blip r:embed="rId4"/>
-                  <a:srcRect/>
-                  <a:tile tx="6350" ty="-127000" sx="65000" sy="64000" flip="none" algn="tl"/>
-                </a:blipFill>
-              </a:defRPr>
+            <a:lvl1pPr marL="0" indent="0" algn="ctr">
+              <a:buNone/>
+              <a:defRPr sz="1800"/>
             </a:lvl1pPr>
-          </a:lstStyle>
-          <a:p>
-            <a:r>
-              <a:rPr lang="ru-RU"/>
-              <a:t>Образец заголовка</a:t>
-            </a:r>
-            <a:endParaRPr lang="en-US" dirty="0"/>
-          </a:p>
-        </p:txBody>
-      </p:sp>
-      <p:sp>
-        <p:nvSpPr>
-          <p:cNvPr id="3" name="Subtitle 2"/>
-          <p:cNvSpPr>
-            <a:spLocks noGrp="1"/>
-          </p:cNvSpPr>
-          <p:nvPr>
-            <p:ph type="subTitle" idx="1"/>
-          </p:nvPr>
-        </p:nvSpPr>
-        <p:spPr>
-          <a:xfrm>
-            <a:off x="802386" y="4389120"/>
-            <a:ext cx="5918454" cy="1069848"/>
-          </a:xfrm>
-        </p:spPr>
-        <p:txBody>
-          <a:bodyPr>
-            <a:normAutofit/>
-          </a:bodyPr>
-          <a:lstStyle>
-            <a:lvl1pPr marL="0" indent="0" algn="l">
-              <a:buNone/>
-              <a:defRPr sz="1800" b="0">
-                <a:solidFill>
-                  <a:schemeClr val="tx1"/>
-                </a:solidFill>
-              </a:defRPr>
-            </a:lvl1pPr>
-            <a:lvl2pPr marL="457200" indent="0" algn="ctr">
-              <a:buNone/>
-              <a:defRPr sz="1800"/>
+            <a:lvl2pPr marL="342900" indent="0" algn="ctr">
+              <a:buNone/>
+              <a:defRPr sz="1500"/>
             </a:lvl2pPr>
-            <a:lvl3pPr marL="914400" indent="0" algn="ctr">
-              <a:buNone/>
-              <a:defRPr sz="1800"/>
+            <a:lvl3pPr marL="685800" indent="0" algn="ctr">
+              <a:buNone/>
+              <a:defRPr sz="1350"/>
             </a:lvl3pPr>
-            <a:lvl4pPr marL="1371600" indent="0" algn="ctr">
-              <a:buNone/>
-              <a:defRPr sz="1800"/>
+            <a:lvl4pPr marL="1028700" indent="0" algn="ctr">
+              <a:buNone/>
+              <a:defRPr sz="1200"/>
             </a:lvl4pPr>
-            <a:lvl5pPr marL="1828800" indent="0" algn="ctr">
-              <a:buNone/>
-              <a:defRPr sz="1800"/>
+            <a:lvl5pPr marL="1371600" indent="0" algn="ctr">
+              <a:buNone/>
+              <a:defRPr sz="1200"/>
             </a:lvl5pPr>
-            <a:lvl6pPr marL="2286000" indent="0" algn="ctr">
-              <a:buNone/>
-              <a:defRPr sz="1800"/>
+            <a:lvl6pPr marL="1714500" indent="0" algn="ctr">
+              <a:buNone/>
+              <a:defRPr sz="1200"/>
             </a:lvl6pPr>
-            <a:lvl7pPr marL="2743200" indent="0" algn="ctr">
-              <a:buNone/>
-              <a:defRPr sz="1800"/>
+            <a:lvl7pPr marL="2057400" indent="0" algn="ctr">
+              <a:buNone/>
+              <a:defRPr sz="1200"/>
             </a:lvl7pPr>
-            <a:lvl8pPr marL="3200400" indent="0" algn="ctr">
-              <a:buNone/>
-              <a:defRPr sz="1800"/>
+            <a:lvl8pPr marL="2400300" indent="0" algn="ctr">
+              <a:buNone/>
+              <a:defRPr sz="1200"/>
             </a:lvl8pPr>
-            <a:lvl9pPr marL="3657600" indent="0" algn="ctr">
-              <a:buNone/>
-              <a:defRPr sz="1800"/>
+            <a:lvl9pPr marL="2743200" indent="0" algn="ctr">
+              <a:buNone/>
+              <a:defRPr sz="1200"/>
             </a:lvl9pPr>
           </a:lstStyle>
           <a:p>
@@ -512,13 +249,19 @@
               <a:rPr lang="ru-RU"/>
               <a:t>Образец подзаголовка</a:t>
             </a:r>
-            <a:endParaRPr lang="en-US" dirty="0"/>
-          </a:p>
-        </p:txBody>
-      </p:sp>
-      <p:sp>
-        <p:nvSpPr>
-          <p:cNvPr id="4" name="Date Placeholder 3"/>
+            <a:endParaRPr lang="en-US"/>
+          </a:p>
+        </p:txBody>
+      </p:sp>
+      <p:sp>
+        <p:nvSpPr>
+          <p:cNvPr id="4" name="Дата 3">
+            <a:extLst>
+              <a:ext uri="{FF2B5EF4-FFF2-40B4-BE49-F238E27FC236}">
+                <a16:creationId xmlns:a16="http://schemas.microsoft.com/office/drawing/2014/main" id="{07110CB9-E5F1-431B-ABE0-DA10EFC0F296}"/>
+              </a:ext>
+            </a:extLst>
+          </p:cNvPr>
           <p:cNvSpPr>
             <a:spLocks noGrp="1"/>
           </p:cNvSpPr>
@@ -533,7 +276,7 @@
           <a:p>
             <a:fld id="{F73F0BFC-2C88-4AAF-B42F-33B416312C7A}" type="datetimeFigureOut">
               <a:rPr lang="en-US" smtClean="0"/>
-              <a:t>1/6/2024</a:t>
+              <a:t>1/7/2024</a:t>
             </a:fld>
             <a:endParaRPr lang="en-US"/>
           </a:p>
@@ -541,7 +284,13 @@
       </p:sp>
       <p:sp>
         <p:nvSpPr>
-          <p:cNvPr id="5" name="Footer Placeholder 4"/>
+          <p:cNvPr id="5" name="Нижний колонтитул 4">
+            <a:extLst>
+              <a:ext uri="{FF2B5EF4-FFF2-40B4-BE49-F238E27FC236}">
+                <a16:creationId xmlns:a16="http://schemas.microsoft.com/office/drawing/2014/main" id="{6711AB99-71CB-4C01-A4BC-5EB22DE4759A}"/>
+              </a:ext>
+            </a:extLst>
+          </p:cNvPr>
           <p:cNvSpPr>
             <a:spLocks noGrp="1"/>
           </p:cNvSpPr>
@@ -549,23 +298,24 @@
             <p:ph type="ftr" sz="quarter" idx="11"/>
           </p:nvPr>
         </p:nvSpPr>
-        <p:spPr>
-          <a:xfrm>
-            <a:off x="812805" y="6272785"/>
-            <a:ext cx="4745736" cy="365125"/>
-          </a:xfrm>
-        </p:spPr>
-        <p:txBody>
-          <a:bodyPr/>
-          <a:lstStyle/>
-          <a:p>
-            <a:endParaRPr lang="en-US"/>
-          </a:p>
-        </p:txBody>
-      </p:sp>
-      <p:sp>
-        <p:nvSpPr>
-          <p:cNvPr id="6" name="Slide Number Placeholder 5"/>
+        <p:spPr/>
+        <p:txBody>
+          <a:bodyPr/>
+          <a:lstStyle/>
+          <a:p>
+            <a:endParaRPr lang="en-US"/>
+          </a:p>
+        </p:txBody>
+      </p:sp>
+      <p:sp>
+        <p:nvSpPr>
+          <p:cNvPr id="6" name="Номер слайда 5">
+            <a:extLst>
+              <a:ext uri="{FF2B5EF4-FFF2-40B4-BE49-F238E27FC236}">
+                <a16:creationId xmlns:a16="http://schemas.microsoft.com/office/drawing/2014/main" id="{5FB003AA-98CA-480C-9D98-1C1D52E297FB}"/>
+              </a:ext>
+            </a:extLst>
+          </p:cNvPr>
           <p:cNvSpPr>
             <a:spLocks noGrp="1"/>
           </p:cNvSpPr>
@@ -573,19 +323,10 @@
             <p:ph type="sldNum" sz="quarter" idx="12"/>
           </p:nvPr>
         </p:nvSpPr>
-        <p:spPr>
-          <a:xfrm>
-            <a:off x="7244280" y="4227195"/>
-            <a:ext cx="895401" cy="640080"/>
-          </a:xfrm>
-        </p:spPr>
-        <p:txBody>
-          <a:bodyPr/>
-          <a:lstStyle>
-            <a:lvl1pPr>
-              <a:defRPr sz="2800" b="1"/>
-            </a:lvl1pPr>
-          </a:lstStyle>
+        <p:spPr/>
+        <p:txBody>
+          <a:bodyPr/>
+          <a:lstStyle/>
           <a:p>
             <a:fld id="{E6FB1B62-A5F7-43C1-BF55-5D6EB0E052F4}" type="slidenum">
               <a:rPr lang="en-US" smtClean="0"/>
@@ -598,7 +339,7 @@
     </p:spTree>
     <p:extLst>
       <p:ext uri="{BB962C8B-B14F-4D97-AF65-F5344CB8AC3E}">
-        <p14:creationId xmlns:p14="http://schemas.microsoft.com/office/powerpoint/2010/main" val="273749084"/>
+        <p14:creationId xmlns:p14="http://schemas.microsoft.com/office/powerpoint/2010/main" val="3423238471"/>
       </p:ext>
     </p:extLst>
   </p:cSld>
@@ -627,7 +368,13 @@
       </p:grpSpPr>
       <p:sp>
         <p:nvSpPr>
-          <p:cNvPr id="2" name="Title 1"/>
+          <p:cNvPr id="2" name="Заголовок 1">
+            <a:extLst>
+              <a:ext uri="{FF2B5EF4-FFF2-40B4-BE49-F238E27FC236}">
+                <a16:creationId xmlns:a16="http://schemas.microsoft.com/office/drawing/2014/main" id="{33979A46-D852-4001-92E3-6249BDA60618}"/>
+              </a:ext>
+            </a:extLst>
+          </p:cNvPr>
           <p:cNvSpPr>
             <a:spLocks noGrp="1"/>
           </p:cNvSpPr>
@@ -644,13 +391,19 @@
               <a:rPr lang="ru-RU"/>
               <a:t>Образец заголовка</a:t>
             </a:r>
-            <a:endParaRPr lang="en-US" dirty="0"/>
-          </a:p>
-        </p:txBody>
-      </p:sp>
-      <p:sp>
-        <p:nvSpPr>
-          <p:cNvPr id="3" name="Vertical Text Placeholder 2"/>
+            <a:endParaRPr lang="en-US"/>
+          </a:p>
+        </p:txBody>
+      </p:sp>
+      <p:sp>
+        <p:nvSpPr>
+          <p:cNvPr id="3" name="Вертикальный текст 2">
+            <a:extLst>
+              <a:ext uri="{FF2B5EF4-FFF2-40B4-BE49-F238E27FC236}">
+                <a16:creationId xmlns:a16="http://schemas.microsoft.com/office/drawing/2014/main" id="{28177753-2500-47EE-8541-9EF9D3BDFDA6}"/>
+              </a:ext>
+            </a:extLst>
+          </p:cNvPr>
           <p:cNvSpPr>
             <a:spLocks noGrp="1"/>
           </p:cNvSpPr>
@@ -696,13 +449,19 @@
               <a:rPr lang="ru-RU"/>
               <a:t>Пятый уровень</a:t>
             </a:r>
-            <a:endParaRPr lang="en-US" dirty="0"/>
-          </a:p>
-        </p:txBody>
-      </p:sp>
-      <p:sp>
-        <p:nvSpPr>
-          <p:cNvPr id="7" name="Date Placeholder 6"/>
+            <a:endParaRPr lang="en-US"/>
+          </a:p>
+        </p:txBody>
+      </p:sp>
+      <p:sp>
+        <p:nvSpPr>
+          <p:cNvPr id="4" name="Дата 3">
+            <a:extLst>
+              <a:ext uri="{FF2B5EF4-FFF2-40B4-BE49-F238E27FC236}">
+                <a16:creationId xmlns:a16="http://schemas.microsoft.com/office/drawing/2014/main" id="{183ABB9C-FCD1-438A-9BAC-38BB7874D12D}"/>
+              </a:ext>
+            </a:extLst>
+          </p:cNvPr>
           <p:cNvSpPr>
             <a:spLocks noGrp="1"/>
           </p:cNvSpPr>
@@ -717,7 +476,7 @@
           <a:p>
             <a:fld id="{F73F0BFC-2C88-4AAF-B42F-33B416312C7A}" type="datetimeFigureOut">
               <a:rPr lang="en-US" smtClean="0"/>
-              <a:t>1/6/2024</a:t>
+              <a:t>1/7/2024</a:t>
             </a:fld>
             <a:endParaRPr lang="en-US"/>
           </a:p>
@@ -725,7 +484,13 @@
       </p:sp>
       <p:sp>
         <p:nvSpPr>
-          <p:cNvPr id="8" name="Footer Placeholder 7"/>
+          <p:cNvPr id="5" name="Нижний колонтитул 4">
+            <a:extLst>
+              <a:ext uri="{FF2B5EF4-FFF2-40B4-BE49-F238E27FC236}">
+                <a16:creationId xmlns:a16="http://schemas.microsoft.com/office/drawing/2014/main" id="{0D18A8F8-B183-44CE-B275-6D860288D57C}"/>
+              </a:ext>
+            </a:extLst>
+          </p:cNvPr>
           <p:cNvSpPr>
             <a:spLocks noGrp="1"/>
           </p:cNvSpPr>
@@ -744,7 +509,13 @@
       </p:sp>
       <p:sp>
         <p:nvSpPr>
-          <p:cNvPr id="9" name="Slide Number Placeholder 8"/>
+          <p:cNvPr id="6" name="Номер слайда 5">
+            <a:extLst>
+              <a:ext uri="{FF2B5EF4-FFF2-40B4-BE49-F238E27FC236}">
+                <a16:creationId xmlns:a16="http://schemas.microsoft.com/office/drawing/2014/main" id="{00751140-7E01-4800-86E4-A0533EC37B42}"/>
+              </a:ext>
+            </a:extLst>
+          </p:cNvPr>
           <p:cNvSpPr>
             <a:spLocks noGrp="1"/>
           </p:cNvSpPr>
@@ -768,7 +539,7 @@
     </p:spTree>
     <p:extLst>
       <p:ext uri="{BB962C8B-B14F-4D97-AF65-F5344CB8AC3E}">
-        <p14:creationId xmlns:p14="http://schemas.microsoft.com/office/powerpoint/2010/main" val="1272731030"/>
+        <p14:creationId xmlns:p14="http://schemas.microsoft.com/office/powerpoint/2010/main" val="2657993697"/>
       </p:ext>
     </p:extLst>
   </p:cSld>
@@ -797,7 +568,13 @@
       </p:grpSpPr>
       <p:sp>
         <p:nvSpPr>
-          <p:cNvPr id="2" name="Vertical Title 1"/>
+          <p:cNvPr id="2" name="Вертикальный заголовок 1">
+            <a:extLst>
+              <a:ext uri="{FF2B5EF4-FFF2-40B4-BE49-F238E27FC236}">
+                <a16:creationId xmlns:a16="http://schemas.microsoft.com/office/drawing/2014/main" id="{4E56C437-080A-4864-9BD1-59148F3A118C}"/>
+              </a:ext>
+            </a:extLst>
+          </p:cNvPr>
           <p:cNvSpPr>
             <a:spLocks noGrp="1"/>
           </p:cNvSpPr>
@@ -807,29 +584,31 @@
         </p:nvSpPr>
         <p:spPr>
           <a:xfrm>
-            <a:off x="6543675" y="533400"/>
-            <a:ext cx="1914525" cy="5638800"/>
+            <a:off x="6543675" y="365125"/>
+            <a:ext cx="1971675" cy="5811838"/>
           </a:xfrm>
         </p:spPr>
         <p:txBody>
           <a:bodyPr vert="eaVert"/>
-          <a:lstStyle>
-            <a:lvl1pPr>
-              <a:defRPr b="0"/>
-            </a:lvl1pPr>
-          </a:lstStyle>
+          <a:lstStyle/>
           <a:p>
             <a:r>
               <a:rPr lang="ru-RU"/>
               <a:t>Образец заголовка</a:t>
             </a:r>
-            <a:endParaRPr lang="en-US" dirty="0"/>
-          </a:p>
-        </p:txBody>
-      </p:sp>
-      <p:sp>
-        <p:nvSpPr>
-          <p:cNvPr id="3" name="Vertical Text Placeholder 2"/>
+            <a:endParaRPr lang="en-US"/>
+          </a:p>
+        </p:txBody>
+      </p:sp>
+      <p:sp>
+        <p:nvSpPr>
+          <p:cNvPr id="3" name="Вертикальный текст 2">
+            <a:extLst>
+              <a:ext uri="{FF2B5EF4-FFF2-40B4-BE49-F238E27FC236}">
+                <a16:creationId xmlns:a16="http://schemas.microsoft.com/office/drawing/2014/main" id="{E59C591F-6990-4DA9-A3C5-9955D7CC557C}"/>
+              </a:ext>
+            </a:extLst>
+          </p:cNvPr>
           <p:cNvSpPr>
             <a:spLocks noGrp="1"/>
           </p:cNvSpPr>
@@ -839,8 +618,8 @@
         </p:nvSpPr>
         <p:spPr>
           <a:xfrm>
-            <a:off x="800100" y="533400"/>
-            <a:ext cx="5629275" cy="5638800"/>
+            <a:off x="628650" y="365125"/>
+            <a:ext cx="5800725" cy="5811838"/>
           </a:xfrm>
         </p:spPr>
         <p:txBody>
@@ -880,13 +659,19 @@
               <a:rPr lang="ru-RU"/>
               <a:t>Пятый уровень</a:t>
             </a:r>
-            <a:endParaRPr lang="en-US" dirty="0"/>
-          </a:p>
-        </p:txBody>
-      </p:sp>
-      <p:sp>
-        <p:nvSpPr>
-          <p:cNvPr id="7" name="Date Placeholder 6"/>
+            <a:endParaRPr lang="en-US"/>
+          </a:p>
+        </p:txBody>
+      </p:sp>
+      <p:sp>
+        <p:nvSpPr>
+          <p:cNvPr id="4" name="Дата 3">
+            <a:extLst>
+              <a:ext uri="{FF2B5EF4-FFF2-40B4-BE49-F238E27FC236}">
+                <a16:creationId xmlns:a16="http://schemas.microsoft.com/office/drawing/2014/main" id="{D18EB2EF-600B-420E-86D3-591551E33DFF}"/>
+              </a:ext>
+            </a:extLst>
+          </p:cNvPr>
           <p:cNvSpPr>
             <a:spLocks noGrp="1"/>
           </p:cNvSpPr>
@@ -901,7 +686,7 @@
           <a:p>
             <a:fld id="{F73F0BFC-2C88-4AAF-B42F-33B416312C7A}" type="datetimeFigureOut">
               <a:rPr lang="en-US" smtClean="0"/>
-              <a:t>1/6/2024</a:t>
+              <a:t>1/7/2024</a:t>
             </a:fld>
             <a:endParaRPr lang="en-US"/>
           </a:p>
@@ -909,7 +694,13 @@
       </p:sp>
       <p:sp>
         <p:nvSpPr>
-          <p:cNvPr id="8" name="Footer Placeholder 7"/>
+          <p:cNvPr id="5" name="Нижний колонтитул 4">
+            <a:extLst>
+              <a:ext uri="{FF2B5EF4-FFF2-40B4-BE49-F238E27FC236}">
+                <a16:creationId xmlns:a16="http://schemas.microsoft.com/office/drawing/2014/main" id="{F48CC6A7-CA88-4D04-9C17-E5478BFED807}"/>
+              </a:ext>
+            </a:extLst>
+          </p:cNvPr>
           <p:cNvSpPr>
             <a:spLocks noGrp="1"/>
           </p:cNvSpPr>
@@ -928,7 +719,13 @@
       </p:sp>
       <p:sp>
         <p:nvSpPr>
-          <p:cNvPr id="9" name="Slide Number Placeholder 8"/>
+          <p:cNvPr id="6" name="Номер слайда 5">
+            <a:extLst>
+              <a:ext uri="{FF2B5EF4-FFF2-40B4-BE49-F238E27FC236}">
+                <a16:creationId xmlns:a16="http://schemas.microsoft.com/office/drawing/2014/main" id="{38FD17D3-C9C9-410F-BED4-ECF44A1128D1}"/>
+              </a:ext>
+            </a:extLst>
+          </p:cNvPr>
           <p:cNvSpPr>
             <a:spLocks noGrp="1"/>
           </p:cNvSpPr>
@@ -952,7 +749,7 @@
     </p:spTree>
     <p:extLst>
       <p:ext uri="{BB962C8B-B14F-4D97-AF65-F5344CB8AC3E}">
-        <p14:creationId xmlns:p14="http://schemas.microsoft.com/office/powerpoint/2010/main" val="2123596579"/>
+        <p14:creationId xmlns:p14="http://schemas.microsoft.com/office/powerpoint/2010/main" val="3548548201"/>
       </p:ext>
     </p:extLst>
   </p:cSld>
@@ -981,7 +778,13 @@
       </p:grpSpPr>
       <p:sp>
         <p:nvSpPr>
-          <p:cNvPr id="2" name="Title 1"/>
+          <p:cNvPr id="2" name="Заголовок 1">
+            <a:extLst>
+              <a:ext uri="{FF2B5EF4-FFF2-40B4-BE49-F238E27FC236}">
+                <a16:creationId xmlns:a16="http://schemas.microsoft.com/office/drawing/2014/main" id="{8582CA74-1A6E-4471-ADC8-EC5B53ACC739}"/>
+              </a:ext>
+            </a:extLst>
+          </p:cNvPr>
           <p:cNvSpPr>
             <a:spLocks noGrp="1"/>
           </p:cNvSpPr>
@@ -998,13 +801,19 @@
               <a:rPr lang="ru-RU"/>
               <a:t>Образец заголовка</a:t>
             </a:r>
-            <a:endParaRPr lang="en-US" dirty="0"/>
-          </a:p>
-        </p:txBody>
-      </p:sp>
-      <p:sp>
-        <p:nvSpPr>
-          <p:cNvPr id="3" name="Content Placeholder 2"/>
+            <a:endParaRPr lang="en-US"/>
+          </a:p>
+        </p:txBody>
+      </p:sp>
+      <p:sp>
+        <p:nvSpPr>
+          <p:cNvPr id="3" name="Объект 2">
+            <a:extLst>
+              <a:ext uri="{FF2B5EF4-FFF2-40B4-BE49-F238E27FC236}">
+                <a16:creationId xmlns:a16="http://schemas.microsoft.com/office/drawing/2014/main" id="{F818DB43-FFBA-4990-89DB-8BA2FC9BD27C}"/>
+              </a:ext>
+            </a:extLst>
+          </p:cNvPr>
           <p:cNvSpPr>
             <a:spLocks noGrp="1"/>
           </p:cNvSpPr>
@@ -1050,13 +859,19 @@
               <a:rPr lang="ru-RU"/>
               <a:t>Пятый уровень</a:t>
             </a:r>
-            <a:endParaRPr lang="en-US" dirty="0"/>
-          </a:p>
-        </p:txBody>
-      </p:sp>
-      <p:sp>
-        <p:nvSpPr>
-          <p:cNvPr id="7" name="Date Placeholder 6"/>
+            <a:endParaRPr lang="en-US"/>
+          </a:p>
+        </p:txBody>
+      </p:sp>
+      <p:sp>
+        <p:nvSpPr>
+          <p:cNvPr id="4" name="Дата 3">
+            <a:extLst>
+              <a:ext uri="{FF2B5EF4-FFF2-40B4-BE49-F238E27FC236}">
+                <a16:creationId xmlns:a16="http://schemas.microsoft.com/office/drawing/2014/main" id="{5FF437DB-44B4-4402-9FBC-9CF1C1D0EE8D}"/>
+              </a:ext>
+            </a:extLst>
+          </p:cNvPr>
           <p:cNvSpPr>
             <a:spLocks noGrp="1"/>
           </p:cNvSpPr>
@@ -1071,7 +886,7 @@
           <a:p>
             <a:fld id="{F73F0BFC-2C88-4AAF-B42F-33B416312C7A}" type="datetimeFigureOut">
               <a:rPr lang="en-US" smtClean="0"/>
-              <a:t>1/6/2024</a:t>
+              <a:t>1/7/2024</a:t>
             </a:fld>
             <a:endParaRPr lang="en-US"/>
           </a:p>
@@ -1079,7 +894,13 @@
       </p:sp>
       <p:sp>
         <p:nvSpPr>
-          <p:cNvPr id="8" name="Footer Placeholder 7"/>
+          <p:cNvPr id="5" name="Нижний колонтитул 4">
+            <a:extLst>
+              <a:ext uri="{FF2B5EF4-FFF2-40B4-BE49-F238E27FC236}">
+                <a16:creationId xmlns:a16="http://schemas.microsoft.com/office/drawing/2014/main" id="{CB72840B-D510-44E9-835C-E4660E85E5CE}"/>
+              </a:ext>
+            </a:extLst>
+          </p:cNvPr>
           <p:cNvSpPr>
             <a:spLocks noGrp="1"/>
           </p:cNvSpPr>
@@ -1098,7 +919,13 @@
       </p:sp>
       <p:sp>
         <p:nvSpPr>
-          <p:cNvPr id="9" name="Slide Number Placeholder 8"/>
+          <p:cNvPr id="6" name="Номер слайда 5">
+            <a:extLst>
+              <a:ext uri="{FF2B5EF4-FFF2-40B4-BE49-F238E27FC236}">
+                <a16:creationId xmlns:a16="http://schemas.microsoft.com/office/drawing/2014/main" id="{E771D4E2-2D3E-4212-9E5A-56F71175C12C}"/>
+              </a:ext>
+            </a:extLst>
+          </p:cNvPr>
           <p:cNvSpPr>
             <a:spLocks noGrp="1"/>
           </p:cNvSpPr>
@@ -1122,7 +949,7 @@
     </p:spTree>
     <p:extLst>
       <p:ext uri="{BB962C8B-B14F-4D97-AF65-F5344CB8AC3E}">
-        <p14:creationId xmlns:p14="http://schemas.microsoft.com/office/powerpoint/2010/main" val="1234272643"/>
+        <p14:creationId xmlns:p14="http://schemas.microsoft.com/office/powerpoint/2010/main" val="1512866247"/>
       </p:ext>
     </p:extLst>
   </p:cSld>
@@ -1133,7 +960,7 @@
 </file>
 
 <file path=ppt/slideLayouts/slideLayout3.xml><?xml version="1.0" encoding="utf-8"?>
-<p:sldLayout xmlns:a="http://schemas.openxmlformats.org/drawingml/2006/main" xmlns:r="http://schemas.openxmlformats.org/officeDocument/2006/relationships" xmlns:p="http://schemas.openxmlformats.org/presentationml/2006/main" showMasterSp="0" type="secHead" preserve="1">
+<p:sldLayout xmlns:a="http://schemas.openxmlformats.org/drawingml/2006/main" xmlns:r="http://schemas.openxmlformats.org/officeDocument/2006/relationships" xmlns:p="http://schemas.openxmlformats.org/presentationml/2006/main" type="secHead" preserve="1">
   <p:cSld name="Заголовок раздела">
     <p:spTree>
       <p:nvGrpSpPr>
@@ -1151,130 +978,68 @@
       </p:grpSpPr>
       <p:sp>
         <p:nvSpPr>
-          <p:cNvPr id="7" name="Rectangle 6"/>
-          <p:cNvSpPr/>
-          <p:nvPr/>
+          <p:cNvPr id="2" name="Заголовок 1">
+            <a:extLst>
+              <a:ext uri="{FF2B5EF4-FFF2-40B4-BE49-F238E27FC236}">
+                <a16:creationId xmlns:a16="http://schemas.microsoft.com/office/drawing/2014/main" id="{034B3652-0995-462A-83AC-223C2A84C56A}"/>
+              </a:ext>
+            </a:extLst>
+          </p:cNvPr>
+          <p:cNvSpPr>
+            <a:spLocks noGrp="1"/>
+          </p:cNvSpPr>
+          <p:nvPr>
+            <p:ph type="title"/>
+          </p:nvPr>
         </p:nvSpPr>
         <p:spPr>
           <a:xfrm>
-            <a:off x="0" y="4917989"/>
-            <a:ext cx="9144000" cy="1940010"/>
+            <a:off x="623888" y="1709739"/>
+            <a:ext cx="7886700" cy="2852737"/>
           </a:xfrm>
-          <a:prstGeom prst="rect">
-            <a:avLst/>
-          </a:prstGeom>
-          <a:blipFill dpi="0" rotWithShape="1">
-            <a:blip r:embed="rId2">
-              <a:alphaModFix amt="80000"/>
-              <a:lum bright="70000" contrast="-70000"/>
-              <a:extLst>
-                <a:ext uri="{BEBA8EAE-BF5A-486C-A8C5-ECC9F3942E4B}">
-                  <a14:imgProps xmlns:a14="http://schemas.microsoft.com/office/drawing/2010/main">
-                    <a14:imgLayer r:embed="rId3">
-                      <a14:imgEffect>
-                        <a14:sharpenSoften amount="61000"/>
-                      </a14:imgEffect>
-                    </a14:imgLayer>
-                  </a14:imgProps>
-                </a:ext>
-                <a:ext uri="{28A0092B-C50C-407E-A947-70E740481C1C}">
-                  <a14:useLocalDpi xmlns:a14="http://schemas.microsoft.com/office/drawing/2010/main" val="0"/>
-                </a:ext>
-              </a:extLst>
-            </a:blip>
-            <a:srcRect/>
-            <a:tile tx="0" ty="-704850" sx="92000" sy="89000" flip="xy" algn="ctr"/>
-          </a:blipFill>
-          <a:ln>
-            <a:noFill/>
-          </a:ln>
         </p:spPr>
-        <p:style>
-          <a:lnRef idx="2">
-            <a:schemeClr val="accent1">
-              <a:shade val="50000"/>
-            </a:schemeClr>
-          </a:lnRef>
-          <a:fillRef idx="1">
-            <a:schemeClr val="accent1"/>
-          </a:fillRef>
-          <a:effectRef idx="0">
-            <a:schemeClr val="accent1"/>
-          </a:effectRef>
-          <a:fontRef idx="minor">
-            <a:schemeClr val="lt1"/>
-          </a:fontRef>
-        </p:style>
-      </p:sp>
-      <p:sp>
-        <p:nvSpPr>
-          <p:cNvPr id="2" name="Title 1"/>
-          <p:cNvSpPr>
-            <a:spLocks noGrp="1"/>
-          </p:cNvSpPr>
-          <p:nvPr>
-            <p:ph type="title"/>
+        <p:txBody>
+          <a:bodyPr anchor="b"/>
+          <a:lstStyle>
+            <a:lvl1pPr>
+              <a:defRPr sz="4500"/>
+            </a:lvl1pPr>
+          </a:lstStyle>
+          <a:p>
+            <a:r>
+              <a:rPr lang="ru-RU"/>
+              <a:t>Образец заголовка</a:t>
+            </a:r>
+            <a:endParaRPr lang="en-US"/>
+          </a:p>
+        </p:txBody>
+      </p:sp>
+      <p:sp>
+        <p:nvSpPr>
+          <p:cNvPr id="3" name="Текст 2">
+            <a:extLst>
+              <a:ext uri="{FF2B5EF4-FFF2-40B4-BE49-F238E27FC236}">
+                <a16:creationId xmlns:a16="http://schemas.microsoft.com/office/drawing/2014/main" id="{70127672-93BC-4F0A-980B-0431CD57907E}"/>
+              </a:ext>
+            </a:extLst>
+          </p:cNvPr>
+          <p:cNvSpPr>
+            <a:spLocks noGrp="1"/>
+          </p:cNvSpPr>
+          <p:nvPr>
+            <p:ph type="body" idx="1"/>
           </p:nvPr>
         </p:nvSpPr>
         <p:spPr>
           <a:xfrm>
-            <a:off x="1625346" y="1225296"/>
-            <a:ext cx="6960870" cy="3520440"/>
+            <a:off x="623888" y="4589464"/>
+            <a:ext cx="7886700" cy="1500187"/>
           </a:xfrm>
         </p:spPr>
         <p:txBody>
-          <a:bodyPr anchor="ctr">
-            <a:normAutofit/>
-          </a:bodyPr>
-          <a:lstStyle>
-            <a:lvl1pPr>
-              <a:lnSpc>
-                <a:spcPct val="80000"/>
-              </a:lnSpc>
-              <a:defRPr sz="6400" b="0"/>
-            </a:lvl1pPr>
-          </a:lstStyle>
-          <a:p>
-            <a:r>
-              <a:rPr lang="ru-RU"/>
-              <a:t>Образец заголовка</a:t>
-            </a:r>
-            <a:endParaRPr lang="en-US" dirty="0"/>
-          </a:p>
-        </p:txBody>
-      </p:sp>
-      <p:sp>
-        <p:nvSpPr>
-          <p:cNvPr id="3" name="Text Placeholder 2"/>
-          <p:cNvSpPr>
-            <a:spLocks noGrp="1"/>
-          </p:cNvSpPr>
-          <p:nvPr>
-            <p:ph type="body" idx="1"/>
-          </p:nvPr>
-        </p:nvSpPr>
-        <p:spPr>
-          <a:xfrm>
-            <a:off x="1624330" y="5020056"/>
-            <a:ext cx="6789420" cy="1066800"/>
-          </a:xfrm>
-        </p:spPr>
-        <p:txBody>
-          <a:bodyPr anchor="t">
-            <a:normAutofit/>
-          </a:bodyPr>
+          <a:bodyPr/>
           <a:lstStyle>
             <a:lvl1pPr marL="0" indent="0">
-              <a:buNone/>
-              <a:defRPr sz="1800" b="0">
-                <a:solidFill>
-                  <a:schemeClr val="accent1">
-                    <a:lumMod val="50000"/>
-                  </a:schemeClr>
-                </a:solidFill>
-              </a:defRPr>
-            </a:lvl1pPr>
-            <a:lvl2pPr marL="457200" indent="0">
               <a:buNone/>
               <a:defRPr sz="1800">
                 <a:solidFill>
@@ -1283,10 +1048,20 @@
                   </a:schemeClr>
                 </a:solidFill>
               </a:defRPr>
+            </a:lvl1pPr>
+            <a:lvl2pPr marL="342900" indent="0">
+              <a:buNone/>
+              <a:defRPr sz="1500">
+                <a:solidFill>
+                  <a:schemeClr val="tx1">
+                    <a:tint val="75000"/>
+                  </a:schemeClr>
+                </a:solidFill>
+              </a:defRPr>
             </a:lvl2pPr>
-            <a:lvl3pPr marL="914400" indent="0">
-              <a:buNone/>
-              <a:defRPr sz="1600">
+            <a:lvl3pPr marL="685800" indent="0">
+              <a:buNone/>
+              <a:defRPr sz="1350">
                 <a:solidFill>
                   <a:schemeClr val="tx1">
                     <a:tint val="75000"/>
@@ -1294,9 +1069,9 @@
                 </a:solidFill>
               </a:defRPr>
             </a:lvl3pPr>
-            <a:lvl4pPr marL="1371600" indent="0">
-              <a:buNone/>
-              <a:defRPr sz="1400">
+            <a:lvl4pPr marL="1028700" indent="0">
+              <a:buNone/>
+              <a:defRPr sz="1200">
                 <a:solidFill>
                   <a:schemeClr val="tx1">
                     <a:tint val="75000"/>
@@ -1304,9 +1079,9 @@
                 </a:solidFill>
               </a:defRPr>
             </a:lvl4pPr>
-            <a:lvl5pPr marL="1828800" indent="0">
-              <a:buNone/>
-              <a:defRPr sz="1400">
+            <a:lvl5pPr marL="1371600" indent="0">
+              <a:buNone/>
+              <a:defRPr sz="1200">
                 <a:solidFill>
                   <a:schemeClr val="tx1">
                     <a:tint val="75000"/>
@@ -1314,9 +1089,9 @@
                 </a:solidFill>
               </a:defRPr>
             </a:lvl5pPr>
-            <a:lvl6pPr marL="2286000" indent="0">
-              <a:buNone/>
-              <a:defRPr sz="1400">
+            <a:lvl6pPr marL="1714500" indent="0">
+              <a:buNone/>
+              <a:defRPr sz="1200">
                 <a:solidFill>
                   <a:schemeClr val="tx1">
                     <a:tint val="75000"/>
@@ -1324,9 +1099,9 @@
                 </a:solidFill>
               </a:defRPr>
             </a:lvl6pPr>
-            <a:lvl7pPr marL="2743200" indent="0">
-              <a:buNone/>
-              <a:defRPr sz="1400">
+            <a:lvl7pPr marL="2057400" indent="0">
+              <a:buNone/>
+              <a:defRPr sz="1200">
                 <a:solidFill>
                   <a:schemeClr val="tx1">
                     <a:tint val="75000"/>
@@ -1334,9 +1109,9 @@
                 </a:solidFill>
               </a:defRPr>
             </a:lvl7pPr>
-            <a:lvl8pPr marL="3200400" indent="0">
-              <a:buNone/>
-              <a:defRPr sz="1400">
+            <a:lvl8pPr marL="2400300" indent="0">
+              <a:buNone/>
+              <a:defRPr sz="1200">
                 <a:solidFill>
                   <a:schemeClr val="tx1">
                     <a:tint val="75000"/>
@@ -1344,9 +1119,9 @@
                 </a:solidFill>
               </a:defRPr>
             </a:lvl8pPr>
-            <a:lvl9pPr marL="3657600" indent="0">
-              <a:buNone/>
-              <a:defRPr sz="1400">
+            <a:lvl9pPr marL="2743200" indent="0">
+              <a:buNone/>
+              <a:defRPr sz="1200">
                 <a:solidFill>
                   <a:schemeClr val="tx1">
                     <a:tint val="75000"/>
@@ -1366,7 +1141,13 @@
       </p:sp>
       <p:sp>
         <p:nvSpPr>
-          <p:cNvPr id="4" name="Date Placeholder 3"/>
+          <p:cNvPr id="4" name="Дата 3">
+            <a:extLst>
+              <a:ext uri="{FF2B5EF4-FFF2-40B4-BE49-F238E27FC236}">
+                <a16:creationId xmlns:a16="http://schemas.microsoft.com/office/drawing/2014/main" id="{38BF08CB-0909-4D6A-B48C-746CECEE288C}"/>
+              </a:ext>
+            </a:extLst>
+          </p:cNvPr>
           <p:cNvSpPr>
             <a:spLocks noGrp="1"/>
           </p:cNvSpPr>
@@ -1374,29 +1155,14 @@
             <p:ph type="dt" sz="half" idx="10"/>
           </p:nvPr>
         </p:nvSpPr>
-        <p:spPr>
-          <a:xfrm>
-            <a:off x="6445251" y="6272785"/>
-            <a:ext cx="1983232" cy="365125"/>
-          </a:xfrm>
-        </p:spPr>
-        <p:txBody>
-          <a:bodyPr/>
-          <a:lstStyle>
-            <a:lvl1pPr>
-              <a:defRPr>
-                <a:solidFill>
-                  <a:schemeClr val="accent1">
-                    <a:lumMod val="50000"/>
-                  </a:schemeClr>
-                </a:solidFill>
-              </a:defRPr>
-            </a:lvl1pPr>
-          </a:lstStyle>
+        <p:spPr/>
+        <p:txBody>
+          <a:bodyPr/>
+          <a:lstStyle/>
           <a:p>
             <a:fld id="{F73F0BFC-2C88-4AAF-B42F-33B416312C7A}" type="datetimeFigureOut">
               <a:rPr lang="en-US" smtClean="0"/>
-              <a:t>1/6/2024</a:t>
+              <a:t>1/7/2024</a:t>
             </a:fld>
             <a:endParaRPr lang="en-US"/>
           </a:p>
@@ -1404,7 +1170,13 @@
       </p:sp>
       <p:sp>
         <p:nvSpPr>
-          <p:cNvPr id="5" name="Footer Placeholder 4"/>
+          <p:cNvPr id="5" name="Нижний колонтитул 4">
+            <a:extLst>
+              <a:ext uri="{FF2B5EF4-FFF2-40B4-BE49-F238E27FC236}">
+                <a16:creationId xmlns:a16="http://schemas.microsoft.com/office/drawing/2014/main" id="{C7842B21-E507-43EB-8B20-EE97E41B99CA}"/>
+              </a:ext>
+            </a:extLst>
+          </p:cNvPr>
           <p:cNvSpPr>
             <a:spLocks noGrp="1"/>
           </p:cNvSpPr>
@@ -1412,119 +1184,24 @@
             <p:ph type="ftr" sz="quarter" idx="11"/>
           </p:nvPr>
         </p:nvSpPr>
-        <p:spPr>
-          <a:xfrm>
-            <a:off x="1636099" y="6272784"/>
-            <a:ext cx="4745736" cy="365125"/>
-          </a:xfrm>
-        </p:spPr>
-        <p:txBody>
-          <a:bodyPr/>
-          <a:lstStyle>
-            <a:lvl1pPr>
-              <a:defRPr>
-                <a:solidFill>
-                  <a:schemeClr val="accent1">
-                    <a:lumMod val="50000"/>
-                  </a:schemeClr>
-                </a:solidFill>
-              </a:defRPr>
-            </a:lvl1pPr>
-          </a:lstStyle>
-          <a:p>
-            <a:endParaRPr lang="en-US"/>
-          </a:p>
-        </p:txBody>
-      </p:sp>
-      <p:grpSp>
-        <p:nvGrpSpPr>
-          <p:cNvPr id="8" name="Group 7"/>
-          <p:cNvGrpSpPr>
-            <a:grpSpLocks noChangeAspect="1"/>
-          </p:cNvGrpSpPr>
-          <p:nvPr/>
-        </p:nvGrpSpPr>
-        <p:grpSpPr>
-          <a:xfrm>
-            <a:off x="633862" y="2430623"/>
-            <a:ext cx="914400" cy="914400"/>
-            <a:chOff x="9685338" y="4460675"/>
-            <a:chExt cx="1080904" cy="1080902"/>
-          </a:xfrm>
-        </p:grpSpPr>
-        <p:sp>
-          <p:nvSpPr>
-            <p:cNvPr id="9" name="Oval 8"/>
-            <p:cNvSpPr/>
-            <p:nvPr/>
-          </p:nvSpPr>
-          <p:spPr>
-            <a:xfrm>
-              <a:off x="9685338" y="4460675"/>
-              <a:ext cx="1080904" cy="1080902"/>
-            </a:xfrm>
-            <a:prstGeom prst="ellipse">
-              <a:avLst/>
-            </a:prstGeom>
-            <a:blipFill dpi="0" rotWithShape="1">
-              <a:blip r:embed="rId4">
-                <a:duotone>
-                  <a:schemeClr val="accent1">
-                    <a:shade val="45000"/>
-                    <a:satMod val="135000"/>
-                  </a:schemeClr>
-                  <a:prstClr val="white"/>
-                </a:duotone>
-                <a:extLst>
-                  <a:ext uri="{BEBA8EAE-BF5A-486C-A8C5-ECC9F3942E4B}">
-                    <a14:imgProps xmlns:a14="http://schemas.microsoft.com/office/drawing/2010/main">
-                      <a14:imgLayer r:embed="rId5">
-                        <a14:imgEffect>
-                          <a14:saturation sat="95000"/>
-                        </a14:imgEffect>
-                      </a14:imgLayer>
-                    </a14:imgProps>
-                  </a:ext>
-                </a:extLst>
-              </a:blip>
-              <a:srcRect/>
-              <a:tile tx="0" ty="0" sx="85000" sy="85000" flip="none" algn="tl"/>
-            </a:blipFill>
-            <a:ln w="25400" cap="flat" cmpd="sng" algn="ctr">
-              <a:noFill/>
-              <a:prstDash val="solid"/>
-            </a:ln>
-            <a:effectLst/>
-          </p:spPr>
-        </p:sp>
-        <p:sp>
-          <p:nvSpPr>
-            <p:cNvPr id="10" name="Oval 9"/>
-            <p:cNvSpPr/>
-            <p:nvPr/>
-          </p:nvSpPr>
-          <p:spPr>
-            <a:xfrm>
-              <a:off x="9793429" y="4568765"/>
-              <a:ext cx="864723" cy="864722"/>
-            </a:xfrm>
-            <a:prstGeom prst="ellipse">
-              <a:avLst/>
-            </a:prstGeom>
-            <a:noFill/>
-            <a:ln w="25400" cap="flat" cmpd="sng" algn="ctr">
-              <a:solidFill>
-                <a:sysClr val="window" lastClr="FFFFFF"/>
-              </a:solidFill>
-              <a:prstDash val="solid"/>
-            </a:ln>
-            <a:effectLst/>
-          </p:spPr>
-        </p:sp>
-      </p:grpSp>
-      <p:sp>
-        <p:nvSpPr>
-          <p:cNvPr id="6" name="Slide Number Placeholder 5"/>
+        <p:spPr/>
+        <p:txBody>
+          <a:bodyPr/>
+          <a:lstStyle/>
+          <a:p>
+            <a:endParaRPr lang="en-US"/>
+          </a:p>
+        </p:txBody>
+      </p:sp>
+      <p:sp>
+        <p:nvSpPr>
+          <p:cNvPr id="6" name="Номер слайда 5">
+            <a:extLst>
+              <a:ext uri="{FF2B5EF4-FFF2-40B4-BE49-F238E27FC236}">
+                <a16:creationId xmlns:a16="http://schemas.microsoft.com/office/drawing/2014/main" id="{461C118E-97AC-4975-9228-A0FADDD97DBC}"/>
+              </a:ext>
+            </a:extLst>
+          </p:cNvPr>
           <p:cNvSpPr>
             <a:spLocks noGrp="1"/>
           </p:cNvSpPr>
@@ -1532,19 +1209,10 @@
             <p:ph type="sldNum" sz="quarter" idx="12"/>
           </p:nvPr>
         </p:nvSpPr>
-        <p:spPr>
-          <a:xfrm>
-            <a:off x="645450" y="2508607"/>
-            <a:ext cx="891224" cy="720332"/>
-          </a:xfrm>
-        </p:spPr>
-        <p:txBody>
-          <a:bodyPr/>
-          <a:lstStyle>
-            <a:lvl1pPr>
-              <a:defRPr sz="2800"/>
-            </a:lvl1pPr>
-          </a:lstStyle>
+        <p:spPr/>
+        <p:txBody>
+          <a:bodyPr/>
+          <a:lstStyle/>
           <a:p>
             <a:fld id="{E6FB1B62-A5F7-43C1-BF55-5D6EB0E052F4}" type="slidenum">
               <a:rPr lang="en-US" smtClean="0"/>
@@ -1557,7 +1225,7 @@
     </p:spTree>
     <p:extLst>
       <p:ext uri="{BB962C8B-B14F-4D97-AF65-F5344CB8AC3E}">
-        <p14:creationId xmlns:p14="http://schemas.microsoft.com/office/powerpoint/2010/main" val="2015784887"/>
+        <p14:creationId xmlns:p14="http://schemas.microsoft.com/office/powerpoint/2010/main" val="3531974234"/>
       </p:ext>
     </p:extLst>
   </p:cSld>
@@ -1586,7 +1254,13 @@
       </p:grpSpPr>
       <p:sp>
         <p:nvSpPr>
-          <p:cNvPr id="2" name="Title 1"/>
+          <p:cNvPr id="2" name="Заголовок 1">
+            <a:extLst>
+              <a:ext uri="{FF2B5EF4-FFF2-40B4-BE49-F238E27FC236}">
+                <a16:creationId xmlns:a16="http://schemas.microsoft.com/office/drawing/2014/main" id="{B86FEF82-1B19-4728-BCC7-0BBEABFF5207}"/>
+              </a:ext>
+            </a:extLst>
+          </p:cNvPr>
           <p:cNvSpPr>
             <a:spLocks noGrp="1"/>
           </p:cNvSpPr>
@@ -1603,13 +1277,19 @@
               <a:rPr lang="ru-RU"/>
               <a:t>Образец заголовка</a:t>
             </a:r>
-            <a:endParaRPr lang="en-US" dirty="0"/>
-          </a:p>
-        </p:txBody>
-      </p:sp>
-      <p:sp>
-        <p:nvSpPr>
-          <p:cNvPr id="3" name="Content Placeholder 2"/>
+            <a:endParaRPr lang="en-US"/>
+          </a:p>
+        </p:txBody>
+      </p:sp>
+      <p:sp>
+        <p:nvSpPr>
+          <p:cNvPr id="3" name="Объект 2">
+            <a:extLst>
+              <a:ext uri="{FF2B5EF4-FFF2-40B4-BE49-F238E27FC236}">
+                <a16:creationId xmlns:a16="http://schemas.microsoft.com/office/drawing/2014/main" id="{AEAF6EDC-2C6B-44BC-A773-8A2DD74F73DF}"/>
+              </a:ext>
+            </a:extLst>
+          </p:cNvPr>
           <p:cNvSpPr>
             <a:spLocks noGrp="1"/>
           </p:cNvSpPr>
@@ -1619,41 +1299,13 @@
         </p:nvSpPr>
         <p:spPr>
           <a:xfrm>
-            <a:off x="685800" y="2194560"/>
-            <a:ext cx="3657600" cy="3977640"/>
+            <a:off x="628650" y="1825625"/>
+            <a:ext cx="3886200" cy="4351338"/>
           </a:xfrm>
         </p:spPr>
         <p:txBody>
           <a:bodyPr/>
-          <a:lstStyle>
-            <a:lvl1pPr>
-              <a:defRPr sz="2000"/>
-            </a:lvl1pPr>
-            <a:lvl2pPr>
-              <a:defRPr sz="1800"/>
-            </a:lvl2pPr>
-            <a:lvl3pPr>
-              <a:defRPr sz="1600"/>
-            </a:lvl3pPr>
-            <a:lvl4pPr>
-              <a:defRPr sz="1600"/>
-            </a:lvl4pPr>
-            <a:lvl5pPr>
-              <a:defRPr sz="1600"/>
-            </a:lvl5pPr>
-            <a:lvl6pPr>
-              <a:defRPr sz="1600"/>
-            </a:lvl6pPr>
-            <a:lvl7pPr>
-              <a:defRPr sz="1600"/>
-            </a:lvl7pPr>
-            <a:lvl8pPr>
-              <a:defRPr sz="1600"/>
-            </a:lvl8pPr>
-            <a:lvl9pPr>
-              <a:defRPr sz="1600"/>
-            </a:lvl9pPr>
-          </a:lstStyle>
+          <a:lstStyle/>
           <a:p>
             <a:pPr lvl="0"/>
             <a:r>
@@ -1688,13 +1340,19 @@
               <a:rPr lang="ru-RU"/>
               <a:t>Пятый уровень</a:t>
             </a:r>
-            <a:endParaRPr lang="en-US" dirty="0"/>
-          </a:p>
-        </p:txBody>
-      </p:sp>
-      <p:sp>
-        <p:nvSpPr>
-          <p:cNvPr id="4" name="Content Placeholder 3"/>
+            <a:endParaRPr lang="en-US"/>
+          </a:p>
+        </p:txBody>
+      </p:sp>
+      <p:sp>
+        <p:nvSpPr>
+          <p:cNvPr id="4" name="Объект 3">
+            <a:extLst>
+              <a:ext uri="{FF2B5EF4-FFF2-40B4-BE49-F238E27FC236}">
+                <a16:creationId xmlns:a16="http://schemas.microsoft.com/office/drawing/2014/main" id="{ECBF44CB-325D-4594-B0CA-F44050E6BC75}"/>
+              </a:ext>
+            </a:extLst>
+          </p:cNvPr>
           <p:cNvSpPr>
             <a:spLocks noGrp="1"/>
           </p:cNvSpPr>
@@ -1704,41 +1362,13 @@
         </p:nvSpPr>
         <p:spPr>
           <a:xfrm>
-            <a:off x="4792218" y="2194560"/>
-            <a:ext cx="3657600" cy="3977640"/>
+            <a:off x="4629150" y="1825625"/>
+            <a:ext cx="3886200" cy="4351338"/>
           </a:xfrm>
         </p:spPr>
         <p:txBody>
           <a:bodyPr/>
-          <a:lstStyle>
-            <a:lvl1pPr>
-              <a:defRPr sz="2000"/>
-            </a:lvl1pPr>
-            <a:lvl2pPr>
-              <a:defRPr sz="1800"/>
-            </a:lvl2pPr>
-            <a:lvl3pPr>
-              <a:defRPr sz="1600"/>
-            </a:lvl3pPr>
-            <a:lvl4pPr>
-              <a:defRPr sz="1600"/>
-            </a:lvl4pPr>
-            <a:lvl5pPr>
-              <a:defRPr sz="1600"/>
-            </a:lvl5pPr>
-            <a:lvl6pPr>
-              <a:defRPr sz="1600"/>
-            </a:lvl6pPr>
-            <a:lvl7pPr>
-              <a:defRPr sz="1600"/>
-            </a:lvl7pPr>
-            <a:lvl8pPr>
-              <a:defRPr sz="1600"/>
-            </a:lvl8pPr>
-            <a:lvl9pPr>
-              <a:defRPr sz="1600"/>
-            </a:lvl9pPr>
-          </a:lstStyle>
+          <a:lstStyle/>
           <a:p>
             <a:pPr lvl="0"/>
             <a:r>
@@ -1773,13 +1403,19 @@
               <a:rPr lang="ru-RU"/>
               <a:t>Пятый уровень</a:t>
             </a:r>
-            <a:endParaRPr lang="en-US" dirty="0"/>
-          </a:p>
-        </p:txBody>
-      </p:sp>
-      <p:sp>
-        <p:nvSpPr>
-          <p:cNvPr id="5" name="Date Placeholder 4"/>
+            <a:endParaRPr lang="en-US"/>
+          </a:p>
+        </p:txBody>
+      </p:sp>
+      <p:sp>
+        <p:nvSpPr>
+          <p:cNvPr id="5" name="Дата 4">
+            <a:extLst>
+              <a:ext uri="{FF2B5EF4-FFF2-40B4-BE49-F238E27FC236}">
+                <a16:creationId xmlns:a16="http://schemas.microsoft.com/office/drawing/2014/main" id="{0CB60D88-585C-4B1B-91FE-C137B8214C2B}"/>
+              </a:ext>
+            </a:extLst>
+          </p:cNvPr>
           <p:cNvSpPr>
             <a:spLocks noGrp="1"/>
           </p:cNvSpPr>
@@ -1794,7 +1430,7 @@
           <a:p>
             <a:fld id="{F73F0BFC-2C88-4AAF-B42F-33B416312C7A}" type="datetimeFigureOut">
               <a:rPr lang="en-US" smtClean="0"/>
-              <a:t>1/6/2024</a:t>
+              <a:t>1/7/2024</a:t>
             </a:fld>
             <a:endParaRPr lang="en-US"/>
           </a:p>
@@ -1802,7 +1438,13 @@
       </p:sp>
       <p:sp>
         <p:nvSpPr>
-          <p:cNvPr id="6" name="Footer Placeholder 5"/>
+          <p:cNvPr id="6" name="Нижний колонтитул 5">
+            <a:extLst>
+              <a:ext uri="{FF2B5EF4-FFF2-40B4-BE49-F238E27FC236}">
+                <a16:creationId xmlns:a16="http://schemas.microsoft.com/office/drawing/2014/main" id="{B40E4DF4-9263-4D5E-9277-F862BB51F3BF}"/>
+              </a:ext>
+            </a:extLst>
+          </p:cNvPr>
           <p:cNvSpPr>
             <a:spLocks noGrp="1"/>
           </p:cNvSpPr>
@@ -1821,7 +1463,13 @@
       </p:sp>
       <p:sp>
         <p:nvSpPr>
-          <p:cNvPr id="7" name="Slide Number Placeholder 6"/>
+          <p:cNvPr id="7" name="Номер слайда 6">
+            <a:extLst>
+              <a:ext uri="{FF2B5EF4-FFF2-40B4-BE49-F238E27FC236}">
+                <a16:creationId xmlns:a16="http://schemas.microsoft.com/office/drawing/2014/main" id="{50EB4862-995B-49BF-800C-9D6BD767931C}"/>
+              </a:ext>
+            </a:extLst>
+          </p:cNvPr>
           <p:cNvSpPr>
             <a:spLocks noGrp="1"/>
           </p:cNvSpPr>
@@ -1845,7 +1493,7 @@
     </p:spTree>
     <p:extLst>
       <p:ext uri="{BB962C8B-B14F-4D97-AF65-F5344CB8AC3E}">
-        <p14:creationId xmlns:p14="http://schemas.microsoft.com/office/powerpoint/2010/main" val="2287444786"/>
+        <p14:creationId xmlns:p14="http://schemas.microsoft.com/office/powerpoint/2010/main" val="329509373"/>
       </p:ext>
     </p:extLst>
   </p:cSld>
@@ -1874,89 +1522,98 @@
       </p:grpSpPr>
       <p:sp>
         <p:nvSpPr>
-          <p:cNvPr id="10" name="Title 9"/>
+          <p:cNvPr id="2" name="Заголовок 1">
+            <a:extLst>
+              <a:ext uri="{FF2B5EF4-FFF2-40B4-BE49-F238E27FC236}">
+                <a16:creationId xmlns:a16="http://schemas.microsoft.com/office/drawing/2014/main" id="{6917BF85-AF63-4DBD-8705-F2074953177B}"/>
+              </a:ext>
+            </a:extLst>
+          </p:cNvPr>
           <p:cNvSpPr>
             <a:spLocks noGrp="1"/>
           </p:cNvSpPr>
           <p:nvPr>
             <p:ph type="title"/>
-          </p:nvPr>
-        </p:nvSpPr>
-        <p:spPr/>
-        <p:txBody>
-          <a:bodyPr/>
-          <a:lstStyle/>
-          <a:p>
-            <a:r>
-              <a:rPr lang="ru-RU"/>
-              <a:t>Образец заголовка</a:t>
-            </a:r>
-            <a:endParaRPr lang="en-US" dirty="0"/>
-          </a:p>
-        </p:txBody>
-      </p:sp>
-      <p:sp>
-        <p:nvSpPr>
-          <p:cNvPr id="3" name="Text Placeholder 2"/>
-          <p:cNvSpPr>
-            <a:spLocks noGrp="1"/>
-          </p:cNvSpPr>
-          <p:nvPr>
-            <p:ph type="body" idx="1"/>
           </p:nvPr>
         </p:nvSpPr>
         <p:spPr>
           <a:xfrm>
-            <a:off x="685800" y="2048256"/>
-            <a:ext cx="3657600" cy="640080"/>
+            <a:off x="629841" y="365126"/>
+            <a:ext cx="7886700" cy="1325563"/>
           </a:xfrm>
         </p:spPr>
         <p:txBody>
-          <a:bodyPr anchor="ctr">
-            <a:normAutofit/>
-          </a:bodyPr>
+          <a:bodyPr/>
+          <a:lstStyle/>
+          <a:p>
+            <a:r>
+              <a:rPr lang="ru-RU"/>
+              <a:t>Образец заголовка</a:t>
+            </a:r>
+            <a:endParaRPr lang="en-US"/>
+          </a:p>
+        </p:txBody>
+      </p:sp>
+      <p:sp>
+        <p:nvSpPr>
+          <p:cNvPr id="3" name="Текст 2">
+            <a:extLst>
+              <a:ext uri="{FF2B5EF4-FFF2-40B4-BE49-F238E27FC236}">
+                <a16:creationId xmlns:a16="http://schemas.microsoft.com/office/drawing/2014/main" id="{B7EA2DA8-EABA-424B-A9FB-34D42CFFE224}"/>
+              </a:ext>
+            </a:extLst>
+          </p:cNvPr>
+          <p:cNvSpPr>
+            <a:spLocks noGrp="1"/>
+          </p:cNvSpPr>
+          <p:nvPr>
+            <p:ph type="body" idx="1"/>
+          </p:nvPr>
+        </p:nvSpPr>
+        <p:spPr>
+          <a:xfrm>
+            <a:off x="629842" y="1681163"/>
+            <a:ext cx="3868340" cy="823912"/>
+          </a:xfrm>
+        </p:spPr>
+        <p:txBody>
+          <a:bodyPr anchor="b"/>
           <a:lstStyle>
             <a:lvl1pPr marL="0" indent="0">
               <a:buNone/>
-              <a:defRPr sz="2000" b="1">
-                <a:solidFill>
-                  <a:schemeClr val="accent1">
-                    <a:lumMod val="75000"/>
-                  </a:schemeClr>
-                </a:solidFill>
-              </a:defRPr>
+              <a:defRPr sz="1800" b="1"/>
             </a:lvl1pPr>
-            <a:lvl2pPr marL="457200" indent="0">
-              <a:buNone/>
-              <a:defRPr sz="2000" b="1"/>
+            <a:lvl2pPr marL="342900" indent="0">
+              <a:buNone/>
+              <a:defRPr sz="1500" b="1"/>
             </a:lvl2pPr>
-            <a:lvl3pPr marL="914400" indent="0">
-              <a:buNone/>
-              <a:defRPr sz="1800" b="1"/>
+            <a:lvl3pPr marL="685800" indent="0">
+              <a:buNone/>
+              <a:defRPr sz="1350" b="1"/>
             </a:lvl3pPr>
-            <a:lvl4pPr marL="1371600" indent="0">
-              <a:buNone/>
-              <a:defRPr sz="1600" b="1"/>
+            <a:lvl4pPr marL="1028700" indent="0">
+              <a:buNone/>
+              <a:defRPr sz="1200" b="1"/>
             </a:lvl4pPr>
-            <a:lvl5pPr marL="1828800" indent="0">
-              <a:buNone/>
-              <a:defRPr sz="1600" b="1"/>
+            <a:lvl5pPr marL="1371600" indent="0">
+              <a:buNone/>
+              <a:defRPr sz="1200" b="1"/>
             </a:lvl5pPr>
-            <a:lvl6pPr marL="2286000" indent="0">
-              <a:buNone/>
-              <a:defRPr sz="1600" b="1"/>
+            <a:lvl6pPr marL="1714500" indent="0">
+              <a:buNone/>
+              <a:defRPr sz="1200" b="1"/>
             </a:lvl6pPr>
-            <a:lvl7pPr marL="2743200" indent="0">
-              <a:buNone/>
-              <a:defRPr sz="1600" b="1"/>
+            <a:lvl7pPr marL="2057400" indent="0">
+              <a:buNone/>
+              <a:defRPr sz="1200" b="1"/>
             </a:lvl7pPr>
-            <a:lvl8pPr marL="3200400" indent="0">
-              <a:buNone/>
-              <a:defRPr sz="1600" b="1"/>
+            <a:lvl8pPr marL="2400300" indent="0">
+              <a:buNone/>
+              <a:defRPr sz="1200" b="1"/>
             </a:lvl8pPr>
-            <a:lvl9pPr marL="3657600" indent="0">
-              <a:buNone/>
-              <a:defRPr sz="1600" b="1"/>
+            <a:lvl9pPr marL="2743200" indent="0">
+              <a:buNone/>
+              <a:defRPr sz="1200" b="1"/>
             </a:lvl9pPr>
           </a:lstStyle>
           <a:p>
@@ -1970,7 +1627,13 @@
       </p:sp>
       <p:sp>
         <p:nvSpPr>
-          <p:cNvPr id="4" name="Content Placeholder 3"/>
+          <p:cNvPr id="4" name="Объект 3">
+            <a:extLst>
+              <a:ext uri="{FF2B5EF4-FFF2-40B4-BE49-F238E27FC236}">
+                <a16:creationId xmlns:a16="http://schemas.microsoft.com/office/drawing/2014/main" id="{440525B2-45F4-44D0-9A9E-56E223EB2105}"/>
+              </a:ext>
+            </a:extLst>
+          </p:cNvPr>
           <p:cNvSpPr>
             <a:spLocks noGrp="1"/>
           </p:cNvSpPr>
@@ -1980,39 +1643,111 @@
         </p:nvSpPr>
         <p:spPr>
           <a:xfrm>
-            <a:off x="685800" y="2743200"/>
-            <a:ext cx="3657600" cy="3291840"/>
+            <a:off x="629842" y="2505075"/>
+            <a:ext cx="3868340" cy="3684588"/>
           </a:xfrm>
         </p:spPr>
         <p:txBody>
           <a:bodyPr/>
+          <a:lstStyle/>
+          <a:p>
+            <a:pPr lvl="0"/>
+            <a:r>
+              <a:rPr lang="ru-RU"/>
+              <a:t>Образец текста</a:t>
+            </a:r>
+          </a:p>
+          <a:p>
+            <a:pPr lvl="1"/>
+            <a:r>
+              <a:rPr lang="ru-RU"/>
+              <a:t>Второй уровень</a:t>
+            </a:r>
+          </a:p>
+          <a:p>
+            <a:pPr lvl="2"/>
+            <a:r>
+              <a:rPr lang="ru-RU"/>
+              <a:t>Третий уровень</a:t>
+            </a:r>
+          </a:p>
+          <a:p>
+            <a:pPr lvl="3"/>
+            <a:r>
+              <a:rPr lang="ru-RU"/>
+              <a:t>Четвертый уровень</a:t>
+            </a:r>
+          </a:p>
+          <a:p>
+            <a:pPr lvl="4"/>
+            <a:r>
+              <a:rPr lang="ru-RU"/>
+              <a:t>Пятый уровень</a:t>
+            </a:r>
+            <a:endParaRPr lang="en-US"/>
+          </a:p>
+        </p:txBody>
+      </p:sp>
+      <p:sp>
+        <p:nvSpPr>
+          <p:cNvPr id="5" name="Текст 4">
+            <a:extLst>
+              <a:ext uri="{FF2B5EF4-FFF2-40B4-BE49-F238E27FC236}">
+                <a16:creationId xmlns:a16="http://schemas.microsoft.com/office/drawing/2014/main" id="{AECD0EAC-C3C0-414A-99E8-1FC01E7B8E61}"/>
+              </a:ext>
+            </a:extLst>
+          </p:cNvPr>
+          <p:cNvSpPr>
+            <a:spLocks noGrp="1"/>
+          </p:cNvSpPr>
+          <p:nvPr>
+            <p:ph type="body" sz="quarter" idx="3"/>
+          </p:nvPr>
+        </p:nvSpPr>
+        <p:spPr>
+          <a:xfrm>
+            <a:off x="4629150" y="1681163"/>
+            <a:ext cx="3887391" cy="823912"/>
+          </a:xfrm>
+        </p:spPr>
+        <p:txBody>
+          <a:bodyPr anchor="b"/>
           <a:lstStyle>
-            <a:lvl1pPr>
-              <a:defRPr sz="2000"/>
+            <a:lvl1pPr marL="0" indent="0">
+              <a:buNone/>
+              <a:defRPr sz="1800" b="1"/>
             </a:lvl1pPr>
-            <a:lvl2pPr>
-              <a:defRPr sz="1800"/>
+            <a:lvl2pPr marL="342900" indent="0">
+              <a:buNone/>
+              <a:defRPr sz="1500" b="1"/>
             </a:lvl2pPr>
-            <a:lvl3pPr>
-              <a:defRPr sz="1600"/>
+            <a:lvl3pPr marL="685800" indent="0">
+              <a:buNone/>
+              <a:defRPr sz="1350" b="1"/>
             </a:lvl3pPr>
-            <a:lvl4pPr>
-              <a:defRPr sz="1600"/>
+            <a:lvl4pPr marL="1028700" indent="0">
+              <a:buNone/>
+              <a:defRPr sz="1200" b="1"/>
             </a:lvl4pPr>
-            <a:lvl5pPr>
-              <a:defRPr sz="1600"/>
+            <a:lvl5pPr marL="1371600" indent="0">
+              <a:buNone/>
+              <a:defRPr sz="1200" b="1"/>
             </a:lvl5pPr>
-            <a:lvl6pPr>
-              <a:defRPr sz="1600"/>
+            <a:lvl6pPr marL="1714500" indent="0">
+              <a:buNone/>
+              <a:defRPr sz="1200" b="1"/>
             </a:lvl6pPr>
-            <a:lvl7pPr>
-              <a:defRPr sz="1600"/>
+            <a:lvl7pPr marL="2057400" indent="0">
+              <a:buNone/>
+              <a:defRPr sz="1200" b="1"/>
             </a:lvl7pPr>
-            <a:lvl8pPr>
-              <a:defRPr sz="1600"/>
+            <a:lvl8pPr marL="2400300" indent="0">
+              <a:buNone/>
+              <a:defRPr sz="1200" b="1"/>
             </a:lvl8pPr>
-            <a:lvl9pPr>
-              <a:defRPr sz="1600"/>
+            <a:lvl9pPr marL="2743200" indent="0">
+              <a:buNone/>
+              <a:defRPr sz="1200" b="1"/>
             </a:lvl9pPr>
           </a:lstStyle>
           <a:p>
@@ -2022,101 +1757,33 @@
               <a:t>Образец текста</a:t>
             </a:r>
           </a:p>
-          <a:p>
-            <a:pPr lvl="1"/>
-            <a:r>
-              <a:rPr lang="ru-RU"/>
-              <a:t>Второй уровень</a:t>
-            </a:r>
-          </a:p>
-          <a:p>
-            <a:pPr lvl="2"/>
-            <a:r>
-              <a:rPr lang="ru-RU"/>
-              <a:t>Третий уровень</a:t>
-            </a:r>
-          </a:p>
-          <a:p>
-            <a:pPr lvl="3"/>
-            <a:r>
-              <a:rPr lang="ru-RU"/>
-              <a:t>Четвертый уровень</a:t>
-            </a:r>
-          </a:p>
-          <a:p>
-            <a:pPr lvl="4"/>
-            <a:r>
-              <a:rPr lang="ru-RU"/>
-              <a:t>Пятый уровень</a:t>
-            </a:r>
-            <a:endParaRPr lang="en-US" dirty="0"/>
-          </a:p>
-        </p:txBody>
-      </p:sp>
-      <p:sp>
-        <p:nvSpPr>
-          <p:cNvPr id="5" name="Text Placeholder 4"/>
-          <p:cNvSpPr>
-            <a:spLocks noGrp="1"/>
-          </p:cNvSpPr>
-          <p:nvPr>
-            <p:ph type="body" sz="quarter" idx="3"/>
+        </p:txBody>
+      </p:sp>
+      <p:sp>
+        <p:nvSpPr>
+          <p:cNvPr id="6" name="Объект 5">
+            <a:extLst>
+              <a:ext uri="{FF2B5EF4-FFF2-40B4-BE49-F238E27FC236}">
+                <a16:creationId xmlns:a16="http://schemas.microsoft.com/office/drawing/2014/main" id="{C8234B84-BD73-455F-BDA4-AE15E72DEFF2}"/>
+              </a:ext>
+            </a:extLst>
+          </p:cNvPr>
+          <p:cNvSpPr>
+            <a:spLocks noGrp="1"/>
+          </p:cNvSpPr>
+          <p:nvPr>
+            <p:ph sz="quarter" idx="4"/>
           </p:nvPr>
         </p:nvSpPr>
         <p:spPr>
           <a:xfrm>
-            <a:off x="4820793" y="2048256"/>
-            <a:ext cx="3657600" cy="640080"/>
+            <a:off x="4629150" y="2505075"/>
+            <a:ext cx="3887391" cy="3684588"/>
           </a:xfrm>
         </p:spPr>
         <p:txBody>
-          <a:bodyPr anchor="ctr">
-            <a:normAutofit/>
-          </a:bodyPr>
-          <a:lstStyle>
-            <a:lvl1pPr marL="0" indent="0">
-              <a:buNone/>
-              <a:defRPr sz="2000" b="1">
-                <a:solidFill>
-                  <a:schemeClr val="accent1">
-                    <a:lumMod val="75000"/>
-                  </a:schemeClr>
-                </a:solidFill>
-              </a:defRPr>
-            </a:lvl1pPr>
-            <a:lvl2pPr marL="457200" indent="0">
-              <a:buNone/>
-              <a:defRPr sz="2000" b="1"/>
-            </a:lvl2pPr>
-            <a:lvl3pPr marL="914400" indent="0">
-              <a:buNone/>
-              <a:defRPr sz="1800" b="1"/>
-            </a:lvl3pPr>
-            <a:lvl4pPr marL="1371600" indent="0">
-              <a:buNone/>
-              <a:defRPr sz="1600" b="1"/>
-            </a:lvl4pPr>
-            <a:lvl5pPr marL="1828800" indent="0">
-              <a:buNone/>
-              <a:defRPr sz="1600" b="1"/>
-            </a:lvl5pPr>
-            <a:lvl6pPr marL="2286000" indent="0">
-              <a:buNone/>
-              <a:defRPr sz="1600" b="1"/>
-            </a:lvl6pPr>
-            <a:lvl7pPr marL="2743200" indent="0">
-              <a:buNone/>
-              <a:defRPr sz="1600" b="1"/>
-            </a:lvl7pPr>
-            <a:lvl8pPr marL="3200400" indent="0">
-              <a:buNone/>
-              <a:defRPr sz="1600" b="1"/>
-            </a:lvl8pPr>
-            <a:lvl9pPr marL="3657600" indent="0">
-              <a:buNone/>
-              <a:defRPr sz="1600" b="1"/>
-            </a:lvl9pPr>
-          </a:lstStyle>
+          <a:bodyPr/>
+          <a:lstStyle/>
           <a:p>
             <a:pPr lvl="0"/>
             <a:r>
@@ -2124,62 +1791,6 @@
               <a:t>Образец текста</a:t>
             </a:r>
           </a:p>
-        </p:txBody>
-      </p:sp>
-      <p:sp>
-        <p:nvSpPr>
-          <p:cNvPr id="6" name="Content Placeholder 5"/>
-          <p:cNvSpPr>
-            <a:spLocks noGrp="1"/>
-          </p:cNvSpPr>
-          <p:nvPr>
-            <p:ph sz="quarter" idx="4"/>
-          </p:nvPr>
-        </p:nvSpPr>
-        <p:spPr>
-          <a:xfrm>
-            <a:off x="4820793" y="2743200"/>
-            <a:ext cx="3657600" cy="3291840"/>
-          </a:xfrm>
-        </p:spPr>
-        <p:txBody>
-          <a:bodyPr/>
-          <a:lstStyle>
-            <a:lvl1pPr>
-              <a:defRPr sz="2000"/>
-            </a:lvl1pPr>
-            <a:lvl2pPr>
-              <a:defRPr sz="1800"/>
-            </a:lvl2pPr>
-            <a:lvl3pPr>
-              <a:defRPr sz="1600"/>
-            </a:lvl3pPr>
-            <a:lvl4pPr>
-              <a:defRPr sz="1600"/>
-            </a:lvl4pPr>
-            <a:lvl5pPr>
-              <a:defRPr sz="1600"/>
-            </a:lvl5pPr>
-            <a:lvl6pPr>
-              <a:defRPr sz="1600"/>
-            </a:lvl6pPr>
-            <a:lvl7pPr>
-              <a:defRPr sz="1600"/>
-            </a:lvl7pPr>
-            <a:lvl8pPr>
-              <a:defRPr sz="1600"/>
-            </a:lvl8pPr>
-            <a:lvl9pPr>
-              <a:defRPr sz="1600"/>
-            </a:lvl9pPr>
-          </a:lstStyle>
-          <a:p>
-            <a:pPr lvl="0"/>
-            <a:r>
-              <a:rPr lang="ru-RU"/>
-              <a:t>Образец текста</a:t>
-            </a:r>
-          </a:p>
           <a:p>
             <a:pPr lvl="1"/>
             <a:r>
@@ -2207,13 +1818,19 @@
               <a:rPr lang="ru-RU"/>
               <a:t>Пятый уровень</a:t>
             </a:r>
-            <a:endParaRPr lang="en-US" dirty="0"/>
-          </a:p>
-        </p:txBody>
-      </p:sp>
-      <p:sp>
-        <p:nvSpPr>
-          <p:cNvPr id="7" name="Date Placeholder 6"/>
+            <a:endParaRPr lang="en-US"/>
+          </a:p>
+        </p:txBody>
+      </p:sp>
+      <p:sp>
+        <p:nvSpPr>
+          <p:cNvPr id="7" name="Дата 6">
+            <a:extLst>
+              <a:ext uri="{FF2B5EF4-FFF2-40B4-BE49-F238E27FC236}">
+                <a16:creationId xmlns:a16="http://schemas.microsoft.com/office/drawing/2014/main" id="{E55E845F-E7EA-4A3B-9E4B-9EF838C6C03F}"/>
+              </a:ext>
+            </a:extLst>
+          </p:cNvPr>
           <p:cNvSpPr>
             <a:spLocks noGrp="1"/>
           </p:cNvSpPr>
@@ -2228,7 +1845,7 @@
           <a:p>
             <a:fld id="{F73F0BFC-2C88-4AAF-B42F-33B416312C7A}" type="datetimeFigureOut">
               <a:rPr lang="en-US" smtClean="0"/>
-              <a:t>1/6/2024</a:t>
+              <a:t>1/7/2024</a:t>
             </a:fld>
             <a:endParaRPr lang="en-US"/>
           </a:p>
@@ -2236,7 +1853,13 @@
       </p:sp>
       <p:sp>
         <p:nvSpPr>
-          <p:cNvPr id="8" name="Footer Placeholder 7"/>
+          <p:cNvPr id="8" name="Нижний колонтитул 7">
+            <a:extLst>
+              <a:ext uri="{FF2B5EF4-FFF2-40B4-BE49-F238E27FC236}">
+                <a16:creationId xmlns:a16="http://schemas.microsoft.com/office/drawing/2014/main" id="{3058B38A-4446-4B64-85DC-E191EF8915CD}"/>
+              </a:ext>
+            </a:extLst>
+          </p:cNvPr>
           <p:cNvSpPr>
             <a:spLocks noGrp="1"/>
           </p:cNvSpPr>
@@ -2255,7 +1878,13 @@
       </p:sp>
       <p:sp>
         <p:nvSpPr>
-          <p:cNvPr id="9" name="Slide Number Placeholder 8"/>
+          <p:cNvPr id="9" name="Номер слайда 8">
+            <a:extLst>
+              <a:ext uri="{FF2B5EF4-FFF2-40B4-BE49-F238E27FC236}">
+                <a16:creationId xmlns:a16="http://schemas.microsoft.com/office/drawing/2014/main" id="{99B23A1F-290F-4C2E-A8F4-8ABF03478B6F}"/>
+              </a:ext>
+            </a:extLst>
+          </p:cNvPr>
           <p:cNvSpPr>
             <a:spLocks noGrp="1"/>
           </p:cNvSpPr>
@@ -2279,7 +1908,7 @@
     </p:spTree>
     <p:extLst>
       <p:ext uri="{BB962C8B-B14F-4D97-AF65-F5344CB8AC3E}">
-        <p14:creationId xmlns:p14="http://schemas.microsoft.com/office/powerpoint/2010/main" val="2059034932"/>
+        <p14:creationId xmlns:p14="http://schemas.microsoft.com/office/powerpoint/2010/main" val="2093544010"/>
       </p:ext>
     </p:extLst>
   </p:cSld>
@@ -2308,7 +1937,13 @@
       </p:grpSpPr>
       <p:sp>
         <p:nvSpPr>
-          <p:cNvPr id="6" name="Title 5"/>
+          <p:cNvPr id="2" name="Заголовок 1">
+            <a:extLst>
+              <a:ext uri="{FF2B5EF4-FFF2-40B4-BE49-F238E27FC236}">
+                <a16:creationId xmlns:a16="http://schemas.microsoft.com/office/drawing/2014/main" id="{90DF15BF-CE7C-4C5A-A271-9E4E88CDCFF1}"/>
+              </a:ext>
+            </a:extLst>
+          </p:cNvPr>
           <p:cNvSpPr>
             <a:spLocks noGrp="1"/>
           </p:cNvSpPr>
@@ -2325,13 +1960,19 @@
               <a:rPr lang="ru-RU"/>
               <a:t>Образец заголовка</a:t>
             </a:r>
-            <a:endParaRPr lang="en-US" dirty="0"/>
-          </a:p>
-        </p:txBody>
-      </p:sp>
-      <p:sp>
-        <p:nvSpPr>
-          <p:cNvPr id="3" name="Date Placeholder 2"/>
+            <a:endParaRPr lang="en-US"/>
+          </a:p>
+        </p:txBody>
+      </p:sp>
+      <p:sp>
+        <p:nvSpPr>
+          <p:cNvPr id="3" name="Дата 2">
+            <a:extLst>
+              <a:ext uri="{FF2B5EF4-FFF2-40B4-BE49-F238E27FC236}">
+                <a16:creationId xmlns:a16="http://schemas.microsoft.com/office/drawing/2014/main" id="{B3F84B1E-9EE0-405A-A54E-70A2E7602FD2}"/>
+              </a:ext>
+            </a:extLst>
+          </p:cNvPr>
           <p:cNvSpPr>
             <a:spLocks noGrp="1"/>
           </p:cNvSpPr>
@@ -2342,21 +1983,11 @@
         <p:spPr/>
         <p:txBody>
           <a:bodyPr/>
-          <a:lstStyle>
-            <a:lvl1pPr>
-              <a:defRPr>
-                <a:solidFill>
-                  <a:schemeClr val="accent1">
-                    <a:lumMod val="50000"/>
-                  </a:schemeClr>
-                </a:solidFill>
-              </a:defRPr>
-            </a:lvl1pPr>
-          </a:lstStyle>
+          <a:lstStyle/>
           <a:p>
             <a:fld id="{F73F0BFC-2C88-4AAF-B42F-33B416312C7A}" type="datetimeFigureOut">
               <a:rPr lang="en-US" smtClean="0"/>
-              <a:t>1/6/2024</a:t>
+              <a:t>1/7/2024</a:t>
             </a:fld>
             <a:endParaRPr lang="en-US"/>
           </a:p>
@@ -2364,7 +1995,13 @@
       </p:sp>
       <p:sp>
         <p:nvSpPr>
-          <p:cNvPr id="4" name="Footer Placeholder 3"/>
+          <p:cNvPr id="4" name="Нижний колонтитул 3">
+            <a:extLst>
+              <a:ext uri="{FF2B5EF4-FFF2-40B4-BE49-F238E27FC236}">
+                <a16:creationId xmlns:a16="http://schemas.microsoft.com/office/drawing/2014/main" id="{E970DF67-F02A-4215-BDFD-F04C31C75105}"/>
+              </a:ext>
+            </a:extLst>
+          </p:cNvPr>
           <p:cNvSpPr>
             <a:spLocks noGrp="1"/>
           </p:cNvSpPr>
@@ -2375,25 +2012,21 @@
         <p:spPr/>
         <p:txBody>
           <a:bodyPr/>
-          <a:lstStyle>
-            <a:lvl1pPr>
-              <a:defRPr>
-                <a:solidFill>
-                  <a:schemeClr val="accent1">
-                    <a:lumMod val="50000"/>
-                  </a:schemeClr>
-                </a:solidFill>
-              </a:defRPr>
-            </a:lvl1pPr>
-          </a:lstStyle>
-          <a:p>
-            <a:endParaRPr lang="en-US"/>
-          </a:p>
-        </p:txBody>
-      </p:sp>
-      <p:sp>
-        <p:nvSpPr>
-          <p:cNvPr id="5" name="Slide Number Placeholder 4"/>
+          <a:lstStyle/>
+          <a:p>
+            <a:endParaRPr lang="en-US"/>
+          </a:p>
+        </p:txBody>
+      </p:sp>
+      <p:sp>
+        <p:nvSpPr>
+          <p:cNvPr id="5" name="Номер слайда 4">
+            <a:extLst>
+              <a:ext uri="{FF2B5EF4-FFF2-40B4-BE49-F238E27FC236}">
+                <a16:creationId xmlns:a16="http://schemas.microsoft.com/office/drawing/2014/main" id="{9D252B2F-A4E2-4555-8BCA-5AF981216472}"/>
+              </a:ext>
+            </a:extLst>
+          </p:cNvPr>
           <p:cNvSpPr>
             <a:spLocks noGrp="1"/>
           </p:cNvSpPr>
@@ -2417,7 +2050,7 @@
     </p:spTree>
     <p:extLst>
       <p:ext uri="{BB962C8B-B14F-4D97-AF65-F5344CB8AC3E}">
-        <p14:creationId xmlns:p14="http://schemas.microsoft.com/office/powerpoint/2010/main" val="764782769"/>
+        <p14:creationId xmlns:p14="http://schemas.microsoft.com/office/powerpoint/2010/main" val="2554917773"/>
       </p:ext>
     </p:extLst>
   </p:cSld>
@@ -2446,7 +2079,13 @@
       </p:grpSpPr>
       <p:sp>
         <p:nvSpPr>
-          <p:cNvPr id="2" name="Date Placeholder 1"/>
+          <p:cNvPr id="2" name="Дата 1">
+            <a:extLst>
+              <a:ext uri="{FF2B5EF4-FFF2-40B4-BE49-F238E27FC236}">
+                <a16:creationId xmlns:a16="http://schemas.microsoft.com/office/drawing/2014/main" id="{0A6C6044-0F2A-4506-9273-A2E84E767345}"/>
+              </a:ext>
+            </a:extLst>
+          </p:cNvPr>
           <p:cNvSpPr>
             <a:spLocks noGrp="1"/>
           </p:cNvSpPr>
@@ -2461,7 +2100,7 @@
           <a:p>
             <a:fld id="{F73F0BFC-2C88-4AAF-B42F-33B416312C7A}" type="datetimeFigureOut">
               <a:rPr lang="en-US" smtClean="0"/>
-              <a:t>1/6/2024</a:t>
+              <a:t>1/7/2024</a:t>
             </a:fld>
             <a:endParaRPr lang="en-US"/>
           </a:p>
@@ -2469,7 +2108,13 @@
       </p:sp>
       <p:sp>
         <p:nvSpPr>
-          <p:cNvPr id="3" name="Footer Placeholder 2"/>
+          <p:cNvPr id="3" name="Нижний колонтитул 2">
+            <a:extLst>
+              <a:ext uri="{FF2B5EF4-FFF2-40B4-BE49-F238E27FC236}">
+                <a16:creationId xmlns:a16="http://schemas.microsoft.com/office/drawing/2014/main" id="{05D38E94-779E-4E39-80F4-E3C258CC85A8}"/>
+              </a:ext>
+            </a:extLst>
+          </p:cNvPr>
           <p:cNvSpPr>
             <a:spLocks noGrp="1"/>
           </p:cNvSpPr>
@@ -2488,7 +2133,13 @@
       </p:sp>
       <p:sp>
         <p:nvSpPr>
-          <p:cNvPr id="4" name="Slide Number Placeholder 3"/>
+          <p:cNvPr id="4" name="Номер слайда 3">
+            <a:extLst>
+              <a:ext uri="{FF2B5EF4-FFF2-40B4-BE49-F238E27FC236}">
+                <a16:creationId xmlns:a16="http://schemas.microsoft.com/office/drawing/2014/main" id="{03DB6ACF-627B-473E-869D-28D4452DAB5E}"/>
+              </a:ext>
+            </a:extLst>
+          </p:cNvPr>
           <p:cNvSpPr>
             <a:spLocks noGrp="1"/>
           </p:cNvSpPr>
@@ -2512,7 +2163,7 @@
     </p:spTree>
     <p:extLst>
       <p:ext uri="{BB962C8B-B14F-4D97-AF65-F5344CB8AC3E}">
-        <p14:creationId xmlns:p14="http://schemas.microsoft.com/office/powerpoint/2010/main" val="57255746"/>
+        <p14:creationId xmlns:p14="http://schemas.microsoft.com/office/powerpoint/2010/main" val="1382966464"/>
       </p:ext>
     </p:extLst>
   </p:cSld>
@@ -2523,7 +2174,7 @@
 </file>
 
 <file path=ppt/slideLayouts/slideLayout8.xml><?xml version="1.0" encoding="utf-8"?>
-<p:sldLayout xmlns:a="http://schemas.openxmlformats.org/drawingml/2006/main" xmlns:r="http://schemas.openxmlformats.org/officeDocument/2006/relationships" xmlns:p="http://schemas.openxmlformats.org/presentationml/2006/main" showMasterSp="0" type="objTx" preserve="1">
+<p:sldLayout xmlns:a="http://schemas.openxmlformats.org/drawingml/2006/main" xmlns:r="http://schemas.openxmlformats.org/officeDocument/2006/relationships" xmlns:p="http://schemas.openxmlformats.org/presentationml/2006/main" type="objTx" preserve="1">
   <p:cSld name="Объект с подписью">
     <p:spTree>
       <p:nvGrpSpPr>
@@ -2541,140 +2192,193 @@
       </p:grpSpPr>
       <p:sp>
         <p:nvSpPr>
-          <p:cNvPr id="8" name="Rectangle 7"/>
-          <p:cNvSpPr/>
-          <p:nvPr/>
+          <p:cNvPr id="2" name="Заголовок 1">
+            <a:extLst>
+              <a:ext uri="{FF2B5EF4-FFF2-40B4-BE49-F238E27FC236}">
+                <a16:creationId xmlns:a16="http://schemas.microsoft.com/office/drawing/2014/main" id="{269C996B-7ACE-48E0-810E-F12B58399DE3}"/>
+              </a:ext>
+            </a:extLst>
+          </p:cNvPr>
+          <p:cNvSpPr>
+            <a:spLocks noGrp="1"/>
+          </p:cNvSpPr>
+          <p:nvPr>
+            <p:ph type="title"/>
+          </p:nvPr>
         </p:nvSpPr>
         <p:spPr>
           <a:xfrm>
-            <a:off x="6227806" y="1"/>
-            <a:ext cx="2916194" cy="6857999"/>
+            <a:off x="629841" y="457200"/>
+            <a:ext cx="2949178" cy="1600200"/>
           </a:xfrm>
-          <a:prstGeom prst="rect">
-            <a:avLst/>
-          </a:prstGeom>
-          <a:blipFill dpi="0" rotWithShape="1">
-            <a:blip r:embed="rId2">
-              <a:alphaModFix amt="60000"/>
-              <a:lum bright="70000" contrast="-70000"/>
-              <a:extLst>
-                <a:ext uri="{BEBA8EAE-BF5A-486C-A8C5-ECC9F3942E4B}">
-                  <a14:imgProps xmlns:a14="http://schemas.microsoft.com/office/drawing/2010/main">
-                    <a14:imgLayer r:embed="rId3">
-                      <a14:imgEffect>
-                        <a14:sharpenSoften amount="61000"/>
-                      </a14:imgEffect>
-                    </a14:imgLayer>
-                  </a14:imgProps>
-                </a:ext>
-                <a:ext uri="{28A0092B-C50C-407E-A947-70E740481C1C}">
-                  <a14:useLocalDpi xmlns:a14="http://schemas.microsoft.com/office/drawing/2010/main" val="0"/>
-                </a:ext>
-              </a:extLst>
-            </a:blip>
-            <a:srcRect/>
-            <a:tile tx="0" ty="-704850" sx="92000" sy="89000" flip="xy" algn="ctr"/>
-          </a:blipFill>
-          <a:ln>
-            <a:noFill/>
-          </a:ln>
         </p:spPr>
-        <p:style>
-          <a:lnRef idx="2">
-            <a:schemeClr val="accent1">
-              <a:shade val="50000"/>
-            </a:schemeClr>
-          </a:lnRef>
-          <a:fillRef idx="1">
-            <a:schemeClr val="accent1"/>
-          </a:fillRef>
-          <a:effectRef idx="0">
-            <a:schemeClr val="accent1"/>
-          </a:effectRef>
-          <a:fontRef idx="minor">
-            <a:schemeClr val="lt1"/>
-          </a:fontRef>
-        </p:style>
-      </p:sp>
-      <p:sp>
-        <p:nvSpPr>
-          <p:cNvPr id="2" name="Title 1"/>
-          <p:cNvSpPr>
-            <a:spLocks noGrp="1"/>
-          </p:cNvSpPr>
-          <p:nvPr>
-            <p:ph type="title"/>
+        <p:txBody>
+          <a:bodyPr anchor="b"/>
+          <a:lstStyle>
+            <a:lvl1pPr>
+              <a:defRPr sz="2400"/>
+            </a:lvl1pPr>
+          </a:lstStyle>
+          <a:p>
+            <a:r>
+              <a:rPr lang="ru-RU"/>
+              <a:t>Образец заголовка</a:t>
+            </a:r>
+            <a:endParaRPr lang="en-US"/>
+          </a:p>
+        </p:txBody>
+      </p:sp>
+      <p:sp>
+        <p:nvSpPr>
+          <p:cNvPr id="3" name="Объект 2">
+            <a:extLst>
+              <a:ext uri="{FF2B5EF4-FFF2-40B4-BE49-F238E27FC236}">
+                <a16:creationId xmlns:a16="http://schemas.microsoft.com/office/drawing/2014/main" id="{B2AD8AE1-6873-4323-B25B-B163664D7D58}"/>
+              </a:ext>
+            </a:extLst>
+          </p:cNvPr>
+          <p:cNvSpPr>
+            <a:spLocks noGrp="1"/>
+          </p:cNvSpPr>
+          <p:nvPr>
+            <p:ph idx="1"/>
           </p:nvPr>
         </p:nvSpPr>
         <p:spPr>
           <a:xfrm>
-            <a:off x="6412230" y="685800"/>
-            <a:ext cx="2400300" cy="1737360"/>
+            <a:off x="3887391" y="987426"/>
+            <a:ext cx="4629150" cy="4873625"/>
           </a:xfrm>
         </p:spPr>
         <p:txBody>
-          <a:bodyPr anchor="b">
-            <a:normAutofit/>
-          </a:bodyPr>
+          <a:bodyPr/>
           <a:lstStyle>
             <a:lvl1pPr>
-              <a:defRPr sz="2800" b="0"/>
+              <a:defRPr sz="2400"/>
             </a:lvl1pPr>
+            <a:lvl2pPr>
+              <a:defRPr sz="2100"/>
+            </a:lvl2pPr>
+            <a:lvl3pPr>
+              <a:defRPr sz="1800"/>
+            </a:lvl3pPr>
+            <a:lvl4pPr>
+              <a:defRPr sz="1500"/>
+            </a:lvl4pPr>
+            <a:lvl5pPr>
+              <a:defRPr sz="1500"/>
+            </a:lvl5pPr>
+            <a:lvl6pPr>
+              <a:defRPr sz="1500"/>
+            </a:lvl6pPr>
+            <a:lvl7pPr>
+              <a:defRPr sz="1500"/>
+            </a:lvl7pPr>
+            <a:lvl8pPr>
+              <a:defRPr sz="1500"/>
+            </a:lvl8pPr>
+            <a:lvl9pPr>
+              <a:defRPr sz="1500"/>
+            </a:lvl9pPr>
           </a:lstStyle>
           <a:p>
-            <a:r>
-              <a:rPr lang="ru-RU"/>
-              <a:t>Образец заголовка</a:t>
-            </a:r>
-            <a:endParaRPr lang="en-US" dirty="0"/>
-          </a:p>
-        </p:txBody>
-      </p:sp>
-      <p:sp>
-        <p:nvSpPr>
-          <p:cNvPr id="3" name="Content Placeholder 2"/>
-          <p:cNvSpPr>
-            <a:spLocks noGrp="1"/>
-          </p:cNvSpPr>
-          <p:nvPr>
-            <p:ph idx="1"/>
+            <a:pPr lvl="0"/>
+            <a:r>
+              <a:rPr lang="ru-RU"/>
+              <a:t>Образец текста</a:t>
+            </a:r>
+          </a:p>
+          <a:p>
+            <a:pPr lvl="1"/>
+            <a:r>
+              <a:rPr lang="ru-RU"/>
+              <a:t>Второй уровень</a:t>
+            </a:r>
+          </a:p>
+          <a:p>
+            <a:pPr lvl="2"/>
+            <a:r>
+              <a:rPr lang="ru-RU"/>
+              <a:t>Третий уровень</a:t>
+            </a:r>
+          </a:p>
+          <a:p>
+            <a:pPr lvl="3"/>
+            <a:r>
+              <a:rPr lang="ru-RU"/>
+              <a:t>Четвертый уровень</a:t>
+            </a:r>
+          </a:p>
+          <a:p>
+            <a:pPr lvl="4"/>
+            <a:r>
+              <a:rPr lang="ru-RU"/>
+              <a:t>Пятый уровень</a:t>
+            </a:r>
+            <a:endParaRPr lang="en-US"/>
+          </a:p>
+        </p:txBody>
+      </p:sp>
+      <p:sp>
+        <p:nvSpPr>
+          <p:cNvPr id="4" name="Текст 3">
+            <a:extLst>
+              <a:ext uri="{FF2B5EF4-FFF2-40B4-BE49-F238E27FC236}">
+                <a16:creationId xmlns:a16="http://schemas.microsoft.com/office/drawing/2014/main" id="{E8E9D579-824C-4BC1-A986-A63CD22CF450}"/>
+              </a:ext>
+            </a:extLst>
+          </p:cNvPr>
+          <p:cNvSpPr>
+            <a:spLocks noGrp="1"/>
+          </p:cNvSpPr>
+          <p:nvPr>
+            <p:ph type="body" sz="half" idx="2"/>
           </p:nvPr>
         </p:nvSpPr>
         <p:spPr>
           <a:xfrm>
-            <a:off x="628650" y="685800"/>
-            <a:ext cx="5033772" cy="5020056"/>
+            <a:off x="629841" y="2057400"/>
+            <a:ext cx="2949178" cy="3811588"/>
           </a:xfrm>
         </p:spPr>
         <p:txBody>
           <a:bodyPr/>
           <a:lstStyle>
-            <a:lvl1pPr>
-              <a:defRPr sz="2000"/>
+            <a:lvl1pPr marL="0" indent="0">
+              <a:buNone/>
+              <a:defRPr sz="1200"/>
             </a:lvl1pPr>
-            <a:lvl2pPr>
-              <a:defRPr sz="1800"/>
+            <a:lvl2pPr marL="342900" indent="0">
+              <a:buNone/>
+              <a:defRPr sz="1050"/>
             </a:lvl2pPr>
-            <a:lvl3pPr>
-              <a:defRPr sz="1600"/>
+            <a:lvl3pPr marL="685800" indent="0">
+              <a:buNone/>
+              <a:defRPr sz="900"/>
             </a:lvl3pPr>
-            <a:lvl4pPr>
-              <a:defRPr sz="1600"/>
+            <a:lvl4pPr marL="1028700" indent="0">
+              <a:buNone/>
+              <a:defRPr sz="750"/>
             </a:lvl4pPr>
-            <a:lvl5pPr>
-              <a:defRPr sz="1600"/>
+            <a:lvl5pPr marL="1371600" indent="0">
+              <a:buNone/>
+              <a:defRPr sz="750"/>
             </a:lvl5pPr>
-            <a:lvl6pPr>
-              <a:defRPr sz="1600"/>
+            <a:lvl6pPr marL="1714500" indent="0">
+              <a:buNone/>
+              <a:defRPr sz="750"/>
             </a:lvl6pPr>
-            <a:lvl7pPr>
-              <a:defRPr sz="1600"/>
+            <a:lvl7pPr marL="2057400" indent="0">
+              <a:buNone/>
+              <a:defRPr sz="750"/>
             </a:lvl7pPr>
-            <a:lvl8pPr>
-              <a:defRPr sz="1600"/>
+            <a:lvl8pPr marL="2400300" indent="0">
+              <a:buNone/>
+              <a:defRPr sz="750"/>
             </a:lvl8pPr>
-            <a:lvl9pPr>
-              <a:defRPr sz="1600"/>
+            <a:lvl9pPr marL="2743200" indent="0">
+              <a:buNone/>
+              <a:defRPr sz="750"/>
             </a:lvl9pPr>
           </a:lstStyle>
           <a:p>
@@ -2684,210 +2388,17 @@
               <a:t>Образец текста</a:t>
             </a:r>
           </a:p>
-          <a:p>
-            <a:pPr lvl="1"/>
-            <a:r>
-              <a:rPr lang="ru-RU"/>
-              <a:t>Второй уровень</a:t>
-            </a:r>
-          </a:p>
-          <a:p>
-            <a:pPr lvl="2"/>
-            <a:r>
-              <a:rPr lang="ru-RU"/>
-              <a:t>Третий уровень</a:t>
-            </a:r>
-          </a:p>
-          <a:p>
-            <a:pPr lvl="3"/>
-            <a:r>
-              <a:rPr lang="ru-RU"/>
-              <a:t>Четвертый уровень</a:t>
-            </a:r>
-          </a:p>
-          <a:p>
-            <a:pPr lvl="4"/>
-            <a:r>
-              <a:rPr lang="ru-RU"/>
-              <a:t>Пятый уровень</a:t>
-            </a:r>
-            <a:endParaRPr lang="en-US" dirty="0"/>
-          </a:p>
-        </p:txBody>
-      </p:sp>
-      <p:sp>
-        <p:nvSpPr>
-          <p:cNvPr id="4" name="Text Placeholder 3"/>
-          <p:cNvSpPr>
-            <a:spLocks noGrp="1"/>
-          </p:cNvSpPr>
-          <p:nvPr>
-            <p:ph type="body" sz="half" idx="2"/>
-          </p:nvPr>
-        </p:nvSpPr>
-        <p:spPr>
-          <a:xfrm>
-            <a:off x="6412230" y="2423160"/>
-            <a:ext cx="2400300" cy="3291840"/>
-          </a:xfrm>
-        </p:spPr>
-        <p:txBody>
-          <a:bodyPr>
-            <a:normAutofit/>
-          </a:bodyPr>
-          <a:lstStyle>
-            <a:lvl1pPr marL="0" indent="0">
-              <a:lnSpc>
-                <a:spcPct val="100000"/>
-              </a:lnSpc>
-              <a:spcBef>
-                <a:spcPts val="1000"/>
-              </a:spcBef>
-              <a:buNone/>
-              <a:defRPr sz="1350">
-                <a:solidFill>
-                  <a:schemeClr val="accent1">
-                    <a:lumMod val="50000"/>
-                  </a:schemeClr>
-                </a:solidFill>
-              </a:defRPr>
-            </a:lvl1pPr>
-            <a:lvl2pPr marL="457200" indent="0">
-              <a:buNone/>
-              <a:defRPr sz="1200"/>
-            </a:lvl2pPr>
-            <a:lvl3pPr marL="914400" indent="0">
-              <a:buNone/>
-              <a:defRPr sz="1000"/>
-            </a:lvl3pPr>
-            <a:lvl4pPr marL="1371600" indent="0">
-              <a:buNone/>
-              <a:defRPr sz="900"/>
-            </a:lvl4pPr>
-            <a:lvl5pPr marL="1828800" indent="0">
-              <a:buNone/>
-              <a:defRPr sz="900"/>
-            </a:lvl5pPr>
-            <a:lvl6pPr marL="2286000" indent="0">
-              <a:buNone/>
-              <a:defRPr sz="900"/>
-            </a:lvl6pPr>
-            <a:lvl7pPr marL="2743200" indent="0">
-              <a:buNone/>
-              <a:defRPr sz="900"/>
-            </a:lvl7pPr>
-            <a:lvl8pPr marL="3200400" indent="0">
-              <a:buNone/>
-              <a:defRPr sz="900"/>
-            </a:lvl8pPr>
-            <a:lvl9pPr marL="3657600" indent="0">
-              <a:buNone/>
-              <a:defRPr sz="900"/>
-            </a:lvl9pPr>
-          </a:lstStyle>
-          <a:p>
-            <a:pPr lvl="0"/>
-            <a:r>
-              <a:rPr lang="ru-RU"/>
-              <a:t>Образец текста</a:t>
-            </a:r>
-          </a:p>
-        </p:txBody>
-      </p:sp>
-      <p:grpSp>
-        <p:nvGrpSpPr>
-          <p:cNvPr id="12" name="Group 11"/>
-          <p:cNvGrpSpPr/>
-          <p:nvPr/>
-        </p:nvGrpSpPr>
-        <p:grpSpPr>
-          <a:xfrm>
-            <a:off x="8522664" y="6255258"/>
-            <a:ext cx="393192" cy="393192"/>
-            <a:chOff x="8532189" y="5068824"/>
-            <a:chExt cx="393192" cy="393192"/>
-          </a:xfrm>
-        </p:grpSpPr>
-        <p:sp>
-          <p:nvSpPr>
-            <p:cNvPr id="13" name="Oval 12"/>
-            <p:cNvSpPr>
-              <a:spLocks noChangeAspect="1"/>
-            </p:cNvSpPr>
-            <p:nvPr/>
-          </p:nvSpPr>
-          <p:spPr>
-            <a:xfrm>
-              <a:off x="8532189" y="5068824"/>
-              <a:ext cx="393192" cy="393192"/>
-            </a:xfrm>
-            <a:prstGeom prst="ellipse">
-              <a:avLst/>
-            </a:prstGeom>
-            <a:blipFill dpi="0" rotWithShape="1">
-              <a:blip r:embed="rId4">
-                <a:duotone>
-                  <a:schemeClr val="accent1">
-                    <a:shade val="45000"/>
-                    <a:satMod val="135000"/>
-                  </a:schemeClr>
-                  <a:prstClr val="white"/>
-                </a:duotone>
-                <a:extLst>
-                  <a:ext uri="{BEBA8EAE-BF5A-486C-A8C5-ECC9F3942E4B}">
-                    <a14:imgProps xmlns:a14="http://schemas.microsoft.com/office/drawing/2010/main">
-                      <a14:imgLayer r:embed="rId5">
-                        <a14:imgEffect>
-                          <a14:saturation sat="95000"/>
-                        </a14:imgEffect>
-                        <a14:imgEffect>
-                          <a14:brightnessContrast bright="-40000" contrast="20000"/>
-                        </a14:imgEffect>
-                      </a14:imgLayer>
-                    </a14:imgProps>
-                  </a:ext>
-                </a:extLst>
-              </a:blip>
-              <a:srcRect/>
-              <a:tile tx="50800" ty="0" sx="85000" sy="85000" flip="none" algn="tl"/>
-            </a:blipFill>
-            <a:ln w="25400" cap="flat" cmpd="sng" algn="ctr">
-              <a:noFill/>
-              <a:prstDash val="solid"/>
-            </a:ln>
-            <a:effectLst/>
-          </p:spPr>
-        </p:sp>
-        <p:sp>
-          <p:nvSpPr>
-            <p:cNvPr id="14" name="Oval 13"/>
-            <p:cNvSpPr>
-              <a:spLocks noChangeAspect="1"/>
-            </p:cNvSpPr>
-            <p:nvPr/>
-          </p:nvSpPr>
-          <p:spPr>
-            <a:xfrm>
-              <a:off x="8568766" y="5105400"/>
-              <a:ext cx="320039" cy="320040"/>
-            </a:xfrm>
-            <a:prstGeom prst="ellipse">
-              <a:avLst/>
-            </a:prstGeom>
-            <a:noFill/>
-            <a:ln w="12700" cap="flat" cmpd="sng" algn="ctr">
-              <a:solidFill>
-                <a:srgbClr val="FFFFFF"/>
-              </a:solidFill>
-              <a:prstDash val="solid"/>
-            </a:ln>
-            <a:effectLst/>
-          </p:spPr>
-        </p:sp>
-      </p:grpSp>
-      <p:sp>
-        <p:nvSpPr>
-          <p:cNvPr id="9" name="Date Placeholder 8"/>
+        </p:txBody>
+      </p:sp>
+      <p:sp>
+        <p:nvSpPr>
+          <p:cNvPr id="5" name="Дата 4">
+            <a:extLst>
+              <a:ext uri="{FF2B5EF4-FFF2-40B4-BE49-F238E27FC236}">
+                <a16:creationId xmlns:a16="http://schemas.microsoft.com/office/drawing/2014/main" id="{A9A6A0B5-B32C-42C5-B50A-B97E292FABA1}"/>
+              </a:ext>
+            </a:extLst>
+          </p:cNvPr>
           <p:cNvSpPr>
             <a:spLocks noGrp="1"/>
           </p:cNvSpPr>
@@ -2902,7 +2413,7 @@
           <a:p>
             <a:fld id="{F73F0BFC-2C88-4AAF-B42F-33B416312C7A}" type="datetimeFigureOut">
               <a:rPr lang="en-US" smtClean="0"/>
-              <a:t>1/6/2024</a:t>
+              <a:t>1/7/2024</a:t>
             </a:fld>
             <a:endParaRPr lang="en-US"/>
           </a:p>
@@ -2910,7 +2421,13 @@
       </p:sp>
       <p:sp>
         <p:nvSpPr>
-          <p:cNvPr id="10" name="Footer Placeholder 9"/>
+          <p:cNvPr id="6" name="Нижний колонтитул 5">
+            <a:extLst>
+              <a:ext uri="{FF2B5EF4-FFF2-40B4-BE49-F238E27FC236}">
+                <a16:creationId xmlns:a16="http://schemas.microsoft.com/office/drawing/2014/main" id="{CFDF0997-32E1-43FC-84F7-C7308DDC24BB}"/>
+              </a:ext>
+            </a:extLst>
+          </p:cNvPr>
           <p:cNvSpPr>
             <a:spLocks noGrp="1"/>
           </p:cNvSpPr>
@@ -2929,7 +2446,13 @@
       </p:sp>
       <p:sp>
         <p:nvSpPr>
-          <p:cNvPr id="11" name="Slide Number Placeholder 10"/>
+          <p:cNvPr id="7" name="Номер слайда 6">
+            <a:extLst>
+              <a:ext uri="{FF2B5EF4-FFF2-40B4-BE49-F238E27FC236}">
+                <a16:creationId xmlns:a16="http://schemas.microsoft.com/office/drawing/2014/main" id="{C9DA2BAF-B7ED-4B83-AABD-1E9CA8D454C0}"/>
+              </a:ext>
+            </a:extLst>
+          </p:cNvPr>
           <p:cNvSpPr>
             <a:spLocks noGrp="1"/>
           </p:cNvSpPr>
@@ -2953,7 +2476,7 @@
     </p:spTree>
     <p:extLst>
       <p:ext uri="{BB962C8B-B14F-4D97-AF65-F5344CB8AC3E}">
-        <p14:creationId xmlns:p14="http://schemas.microsoft.com/office/powerpoint/2010/main" val="270323052"/>
+        <p14:creationId xmlns:p14="http://schemas.microsoft.com/office/powerpoint/2010/main" val="2870463940"/>
       </p:ext>
     </p:extLst>
   </p:cSld>
@@ -2964,7 +2487,7 @@
 </file>
 
 <file path=ppt/slideLayouts/slideLayout9.xml><?xml version="1.0" encoding="utf-8"?>
-<p:sldLayout xmlns:a="http://schemas.openxmlformats.org/drawingml/2006/main" xmlns:r="http://schemas.openxmlformats.org/officeDocument/2006/relationships" xmlns:p="http://schemas.openxmlformats.org/presentationml/2006/main" showMasterSp="0" type="picTx" preserve="1">
+<p:sldLayout xmlns:a="http://schemas.openxmlformats.org/drawingml/2006/main" xmlns:r="http://schemas.openxmlformats.org/officeDocument/2006/relationships" xmlns:p="http://schemas.openxmlformats.org/presentationml/2006/main" type="picTx" preserve="1">
   <p:cSld name="Рисунок с подписью">
     <p:spTree>
       <p:nvGrpSpPr>
@@ -2982,237 +2505,172 @@
       </p:grpSpPr>
       <p:sp>
         <p:nvSpPr>
-          <p:cNvPr id="11" name="Rectangle 10"/>
-          <p:cNvSpPr/>
-          <p:nvPr/>
+          <p:cNvPr id="2" name="Заголовок 1">
+            <a:extLst>
+              <a:ext uri="{FF2B5EF4-FFF2-40B4-BE49-F238E27FC236}">
+                <a16:creationId xmlns:a16="http://schemas.microsoft.com/office/drawing/2014/main" id="{026D7B72-1BB8-48DF-86DB-39297BCC96EC}"/>
+              </a:ext>
+            </a:extLst>
+          </p:cNvPr>
+          <p:cNvSpPr>
+            <a:spLocks noGrp="1"/>
+          </p:cNvSpPr>
+          <p:nvPr>
+            <p:ph type="title"/>
+          </p:nvPr>
         </p:nvSpPr>
         <p:spPr>
           <a:xfrm>
-            <a:off x="6227806" y="1"/>
-            <a:ext cx="2916194" cy="6857999"/>
+            <a:off x="629841" y="457200"/>
+            <a:ext cx="2949178" cy="1600200"/>
           </a:xfrm>
-          <a:prstGeom prst="rect">
-            <a:avLst/>
-          </a:prstGeom>
-          <a:blipFill dpi="0" rotWithShape="1">
-            <a:blip r:embed="rId2">
-              <a:alphaModFix amt="60000"/>
-              <a:lum bright="70000" contrast="-70000"/>
-              <a:extLst>
-                <a:ext uri="{BEBA8EAE-BF5A-486C-A8C5-ECC9F3942E4B}">
-                  <a14:imgProps xmlns:a14="http://schemas.microsoft.com/office/drawing/2010/main">
-                    <a14:imgLayer r:embed="rId3">
-                      <a14:imgEffect>
-                        <a14:sharpenSoften amount="61000"/>
-                      </a14:imgEffect>
-                    </a14:imgLayer>
-                  </a14:imgProps>
-                </a:ext>
-                <a:ext uri="{28A0092B-C50C-407E-A947-70E740481C1C}">
-                  <a14:useLocalDpi xmlns:a14="http://schemas.microsoft.com/office/drawing/2010/main" val="0"/>
-                </a:ext>
-              </a:extLst>
-            </a:blip>
-            <a:srcRect/>
-            <a:tile tx="0" ty="-704850" sx="92000" sy="89000" flip="xy" algn="ctr"/>
-          </a:blipFill>
-          <a:ln>
-            <a:noFill/>
-          </a:ln>
         </p:spPr>
-        <p:style>
-          <a:lnRef idx="2">
-            <a:schemeClr val="accent1">
-              <a:shade val="50000"/>
-            </a:schemeClr>
-          </a:lnRef>
-          <a:fillRef idx="1">
-            <a:schemeClr val="accent1"/>
-          </a:fillRef>
-          <a:effectRef idx="0">
-            <a:schemeClr val="accent1"/>
-          </a:effectRef>
-          <a:fontRef idx="minor">
-            <a:schemeClr val="lt1"/>
-          </a:fontRef>
-        </p:style>
-      </p:sp>
-      <p:sp>
-        <p:nvSpPr>
-          <p:cNvPr id="2" name="Title 1"/>
-          <p:cNvSpPr>
-            <a:spLocks noGrp="1"/>
-          </p:cNvSpPr>
-          <p:nvPr>
-            <p:ph type="title"/>
+        <p:txBody>
+          <a:bodyPr anchor="b"/>
+          <a:lstStyle>
+            <a:lvl1pPr>
+              <a:defRPr sz="2400"/>
+            </a:lvl1pPr>
+          </a:lstStyle>
+          <a:p>
+            <a:r>
+              <a:rPr lang="ru-RU"/>
+              <a:t>Образец заголовка</a:t>
+            </a:r>
+            <a:endParaRPr lang="en-US"/>
+          </a:p>
+        </p:txBody>
+      </p:sp>
+      <p:sp>
+        <p:nvSpPr>
+          <p:cNvPr id="3" name="Рисунок 2">
+            <a:extLst>
+              <a:ext uri="{FF2B5EF4-FFF2-40B4-BE49-F238E27FC236}">
+                <a16:creationId xmlns:a16="http://schemas.microsoft.com/office/drawing/2014/main" id="{A6FE122B-8DCD-42AD-AA94-051730C8CBE2}"/>
+              </a:ext>
+            </a:extLst>
+          </p:cNvPr>
+          <p:cNvSpPr>
+            <a:spLocks noGrp="1"/>
+          </p:cNvSpPr>
+          <p:nvPr>
+            <p:ph type="pic" idx="1"/>
           </p:nvPr>
         </p:nvSpPr>
         <p:spPr>
           <a:xfrm>
-            <a:off x="6412230" y="685800"/>
-            <a:ext cx="2400300" cy="1737360"/>
+            <a:off x="3887391" y="987426"/>
+            <a:ext cx="4629150" cy="4873625"/>
           </a:xfrm>
         </p:spPr>
         <p:txBody>
-          <a:bodyPr anchor="b">
-            <a:normAutofit/>
-          </a:bodyPr>
+          <a:bodyPr/>
           <a:lstStyle>
-            <a:lvl1pPr>
-              <a:defRPr sz="2800" b="0"/>
+            <a:lvl1pPr marL="0" indent="0">
+              <a:buNone/>
+              <a:defRPr sz="2400"/>
             </a:lvl1pPr>
+            <a:lvl2pPr marL="342900" indent="0">
+              <a:buNone/>
+              <a:defRPr sz="2100"/>
+            </a:lvl2pPr>
+            <a:lvl3pPr marL="685800" indent="0">
+              <a:buNone/>
+              <a:defRPr sz="1800"/>
+            </a:lvl3pPr>
+            <a:lvl4pPr marL="1028700" indent="0">
+              <a:buNone/>
+              <a:defRPr sz="1500"/>
+            </a:lvl4pPr>
+            <a:lvl5pPr marL="1371600" indent="0">
+              <a:buNone/>
+              <a:defRPr sz="1500"/>
+            </a:lvl5pPr>
+            <a:lvl6pPr marL="1714500" indent="0">
+              <a:buNone/>
+              <a:defRPr sz="1500"/>
+            </a:lvl6pPr>
+            <a:lvl7pPr marL="2057400" indent="0">
+              <a:buNone/>
+              <a:defRPr sz="1500"/>
+            </a:lvl7pPr>
+            <a:lvl8pPr marL="2400300" indent="0">
+              <a:buNone/>
+              <a:defRPr sz="1500"/>
+            </a:lvl8pPr>
+            <a:lvl9pPr marL="2743200" indent="0">
+              <a:buNone/>
+              <a:defRPr sz="1500"/>
+            </a:lvl9pPr>
           </a:lstStyle>
           <a:p>
-            <a:r>
-              <a:rPr lang="ru-RU"/>
-              <a:t>Образец заголовка</a:t>
-            </a:r>
-            <a:endParaRPr lang="en-US" dirty="0"/>
-          </a:p>
-        </p:txBody>
-      </p:sp>
-      <p:sp>
-        <p:nvSpPr>
-          <p:cNvPr id="3" name="Picture Placeholder 2"/>
-          <p:cNvSpPr>
-            <a:spLocks noGrp="1" noChangeAspect="1"/>
-          </p:cNvSpPr>
-          <p:nvPr>
-            <p:ph type="pic" idx="1"/>
+            <a:endParaRPr lang="en-US"/>
+          </a:p>
+        </p:txBody>
+      </p:sp>
+      <p:sp>
+        <p:nvSpPr>
+          <p:cNvPr id="4" name="Текст 3">
+            <a:extLst>
+              <a:ext uri="{FF2B5EF4-FFF2-40B4-BE49-F238E27FC236}">
+                <a16:creationId xmlns:a16="http://schemas.microsoft.com/office/drawing/2014/main" id="{817AA520-C1DB-4DB8-9FB8-1D6038C41743}"/>
+              </a:ext>
+            </a:extLst>
+          </p:cNvPr>
+          <p:cNvSpPr>
+            <a:spLocks noGrp="1"/>
+          </p:cNvSpPr>
+          <p:nvPr>
+            <p:ph type="body" sz="half" idx="2"/>
           </p:nvPr>
         </p:nvSpPr>
         <p:spPr>
           <a:xfrm>
-            <a:off x="0" y="0"/>
-            <a:ext cx="6227805" cy="6858000"/>
+            <a:off x="629841" y="2057400"/>
+            <a:ext cx="2949178" cy="3811588"/>
           </a:xfrm>
-          <a:solidFill>
-            <a:schemeClr val="tx2">
-              <a:lumMod val="20000"/>
-              <a:lumOff val="80000"/>
-            </a:schemeClr>
-          </a:solidFill>
         </p:spPr>
         <p:txBody>
-          <a:bodyPr anchor="t"/>
+          <a:bodyPr/>
           <a:lstStyle>
             <a:lvl1pPr marL="0" indent="0">
               <a:buNone/>
-              <a:defRPr sz="3200"/>
+              <a:defRPr sz="1200"/>
             </a:lvl1pPr>
-            <a:lvl2pPr marL="457200" indent="0">
-              <a:buNone/>
-              <a:defRPr sz="2800"/>
+            <a:lvl2pPr marL="342900" indent="0">
+              <a:buNone/>
+              <a:defRPr sz="1050"/>
             </a:lvl2pPr>
-            <a:lvl3pPr marL="914400" indent="0">
-              <a:buNone/>
-              <a:defRPr sz="2400"/>
+            <a:lvl3pPr marL="685800" indent="0">
+              <a:buNone/>
+              <a:defRPr sz="900"/>
             </a:lvl3pPr>
-            <a:lvl4pPr marL="1371600" indent="0">
-              <a:buNone/>
-              <a:defRPr sz="2000"/>
+            <a:lvl4pPr marL="1028700" indent="0">
+              <a:buNone/>
+              <a:defRPr sz="750"/>
             </a:lvl4pPr>
-            <a:lvl5pPr marL="1828800" indent="0">
-              <a:buNone/>
-              <a:defRPr sz="2000"/>
+            <a:lvl5pPr marL="1371600" indent="0">
+              <a:buNone/>
+              <a:defRPr sz="750"/>
             </a:lvl5pPr>
-            <a:lvl6pPr marL="2286000" indent="0">
-              <a:buNone/>
-              <a:defRPr sz="2000"/>
+            <a:lvl6pPr marL="1714500" indent="0">
+              <a:buNone/>
+              <a:defRPr sz="750"/>
             </a:lvl6pPr>
-            <a:lvl7pPr marL="2743200" indent="0">
-              <a:buNone/>
-              <a:defRPr sz="2000"/>
+            <a:lvl7pPr marL="2057400" indent="0">
+              <a:buNone/>
+              <a:defRPr sz="750"/>
             </a:lvl7pPr>
-            <a:lvl8pPr marL="3200400" indent="0">
-              <a:buNone/>
-              <a:defRPr sz="2000"/>
+            <a:lvl8pPr marL="2400300" indent="0">
+              <a:buNone/>
+              <a:defRPr sz="750"/>
             </a:lvl8pPr>
-            <a:lvl9pPr marL="3657600" indent="0">
-              <a:buNone/>
-              <a:defRPr sz="2000"/>
+            <a:lvl9pPr marL="2743200" indent="0">
+              <a:buNone/>
+              <a:defRPr sz="750"/>
             </a:lvl9pPr>
           </a:lstStyle>
           <a:p>
-            <a:r>
-              <a:rPr lang="ru-RU"/>
-              <a:t>Вставка рисунка</a:t>
-            </a:r>
-            <a:endParaRPr lang="en-US" dirty="0"/>
-          </a:p>
-        </p:txBody>
-      </p:sp>
-      <p:sp>
-        <p:nvSpPr>
-          <p:cNvPr id="4" name="Text Placeholder 3"/>
-          <p:cNvSpPr>
-            <a:spLocks noGrp="1"/>
-          </p:cNvSpPr>
-          <p:nvPr>
-            <p:ph type="body" sz="half" idx="2"/>
-          </p:nvPr>
-        </p:nvSpPr>
-        <p:spPr>
-          <a:xfrm>
-            <a:off x="6412230" y="2423160"/>
-            <a:ext cx="2400300" cy="3291840"/>
-          </a:xfrm>
-        </p:spPr>
-        <p:txBody>
-          <a:bodyPr>
-            <a:normAutofit/>
-          </a:bodyPr>
-          <a:lstStyle>
-            <a:lvl1pPr marL="0" indent="0">
-              <a:lnSpc>
-                <a:spcPct val="100000"/>
-              </a:lnSpc>
-              <a:spcBef>
-                <a:spcPts val="1000"/>
-              </a:spcBef>
-              <a:buNone/>
-              <a:defRPr sz="1350">
-                <a:solidFill>
-                  <a:schemeClr val="accent1">
-                    <a:lumMod val="50000"/>
-                  </a:schemeClr>
-                </a:solidFill>
-              </a:defRPr>
-            </a:lvl1pPr>
-            <a:lvl2pPr marL="457200" indent="0">
-              <a:buNone/>
-              <a:defRPr sz="1200"/>
-            </a:lvl2pPr>
-            <a:lvl3pPr marL="914400" indent="0">
-              <a:buNone/>
-              <a:defRPr sz="1000"/>
-            </a:lvl3pPr>
-            <a:lvl4pPr marL="1371600" indent="0">
-              <a:buNone/>
-              <a:defRPr sz="900"/>
-            </a:lvl4pPr>
-            <a:lvl5pPr marL="1828800" indent="0">
-              <a:buNone/>
-              <a:defRPr sz="900"/>
-            </a:lvl5pPr>
-            <a:lvl6pPr marL="2286000" indent="0">
-              <a:buNone/>
-              <a:defRPr sz="900"/>
-            </a:lvl6pPr>
-            <a:lvl7pPr marL="2743200" indent="0">
-              <a:buNone/>
-              <a:defRPr sz="900"/>
-            </a:lvl7pPr>
-            <a:lvl8pPr marL="3200400" indent="0">
-              <a:buNone/>
-              <a:defRPr sz="900"/>
-            </a:lvl8pPr>
-            <a:lvl9pPr marL="3657600" indent="0">
-              <a:buNone/>
-              <a:defRPr sz="900"/>
-            </a:lvl9pPr>
-          </a:lstStyle>
-          <a:p>
             <a:pPr lvl="0"/>
             <a:r>
               <a:rPr lang="ru-RU"/>
@@ -3221,100 +2679,15 @@
           </a:p>
         </p:txBody>
       </p:sp>
-      <p:grpSp>
-        <p:nvGrpSpPr>
-          <p:cNvPr id="12" name="Group 11"/>
-          <p:cNvGrpSpPr/>
-          <p:nvPr/>
-        </p:nvGrpSpPr>
-        <p:grpSpPr>
-          <a:xfrm>
-            <a:off x="8522664" y="6255258"/>
-            <a:ext cx="393192" cy="393192"/>
-            <a:chOff x="8532189" y="5068824"/>
-            <a:chExt cx="393192" cy="393192"/>
-          </a:xfrm>
-        </p:grpSpPr>
-        <p:sp>
-          <p:nvSpPr>
-            <p:cNvPr id="13" name="Oval 12"/>
-            <p:cNvSpPr>
-              <a:spLocks noChangeAspect="1"/>
-            </p:cNvSpPr>
-            <p:nvPr/>
-          </p:nvSpPr>
-          <p:spPr>
-            <a:xfrm>
-              <a:off x="8532189" y="5068824"/>
-              <a:ext cx="393192" cy="393192"/>
-            </a:xfrm>
-            <a:prstGeom prst="ellipse">
-              <a:avLst/>
-            </a:prstGeom>
-            <a:blipFill dpi="0" rotWithShape="1">
-              <a:blip r:embed="rId4">
-                <a:duotone>
-                  <a:schemeClr val="accent1">
-                    <a:shade val="45000"/>
-                    <a:satMod val="135000"/>
-                  </a:schemeClr>
-                  <a:prstClr val="white"/>
-                </a:duotone>
-                <a:extLst>
-                  <a:ext uri="{BEBA8EAE-BF5A-486C-A8C5-ECC9F3942E4B}">
-                    <a14:imgProps xmlns:a14="http://schemas.microsoft.com/office/drawing/2010/main">
-                      <a14:imgLayer r:embed="rId5">
-                        <a14:imgEffect>
-                          <a14:saturation sat="95000"/>
-                        </a14:imgEffect>
-                        <a14:imgEffect>
-                          <a14:brightnessContrast bright="-40000" contrast="20000"/>
-                        </a14:imgEffect>
-                      </a14:imgLayer>
-                    </a14:imgProps>
-                  </a:ext>
-                </a:extLst>
-              </a:blip>
-              <a:srcRect/>
-              <a:tile tx="50800" ty="0" sx="85000" sy="85000" flip="none" algn="tl"/>
-            </a:blipFill>
-            <a:ln w="25400" cap="flat" cmpd="sng" algn="ctr">
-              <a:noFill/>
-              <a:prstDash val="solid"/>
-            </a:ln>
-            <a:effectLst/>
-          </p:spPr>
-        </p:sp>
-        <p:sp>
-          <p:nvSpPr>
-            <p:cNvPr id="14" name="Oval 13"/>
-            <p:cNvSpPr>
-              <a:spLocks noChangeAspect="1"/>
-            </p:cNvSpPr>
-            <p:nvPr/>
-          </p:nvSpPr>
-          <p:spPr>
-            <a:xfrm>
-              <a:off x="8568766" y="5105400"/>
-              <a:ext cx="320039" cy="320040"/>
-            </a:xfrm>
-            <a:prstGeom prst="ellipse">
-              <a:avLst/>
-            </a:prstGeom>
-            <a:noFill/>
-            <a:ln w="12700" cap="flat" cmpd="sng" algn="ctr">
-              <a:solidFill>
-                <a:srgbClr val="FFFFFF"/>
-              </a:solidFill>
-              <a:prstDash val="solid"/>
-            </a:ln>
-            <a:effectLst/>
-          </p:spPr>
-        </p:sp>
-      </p:grpSp>
-      <p:sp>
-        <p:nvSpPr>
-          <p:cNvPr id="8" name="Date Placeholder 7"/>
+      <p:sp>
+        <p:nvSpPr>
+          <p:cNvPr id="5" name="Дата 4">
+            <a:extLst>
+              <a:ext uri="{FF2B5EF4-FFF2-40B4-BE49-F238E27FC236}">
+                <a16:creationId xmlns:a16="http://schemas.microsoft.com/office/drawing/2014/main" id="{2772345F-9F8A-4004-9087-27399B9E2BA8}"/>
+              </a:ext>
+            </a:extLst>
+          </p:cNvPr>
           <p:cNvSpPr>
             <a:spLocks noGrp="1"/>
           </p:cNvSpPr>
@@ -3329,7 +2702,7 @@
           <a:p>
             <a:fld id="{F73F0BFC-2C88-4AAF-B42F-33B416312C7A}" type="datetimeFigureOut">
               <a:rPr lang="en-US" smtClean="0"/>
-              <a:t>1/6/2024</a:t>
+              <a:t>1/7/2024</a:t>
             </a:fld>
             <a:endParaRPr lang="en-US"/>
           </a:p>
@@ -3337,7 +2710,38 @@
       </p:sp>
       <p:sp>
         <p:nvSpPr>
-          <p:cNvPr id="10" name="Slide Number Placeholder 9"/>
+          <p:cNvPr id="6" name="Нижний колонтитул 5">
+            <a:extLst>
+              <a:ext uri="{FF2B5EF4-FFF2-40B4-BE49-F238E27FC236}">
+                <a16:creationId xmlns:a16="http://schemas.microsoft.com/office/drawing/2014/main" id="{C53F51C5-C839-45F2-908C-126817F296C0}"/>
+              </a:ext>
+            </a:extLst>
+          </p:cNvPr>
+          <p:cNvSpPr>
+            <a:spLocks noGrp="1"/>
+          </p:cNvSpPr>
+          <p:nvPr>
+            <p:ph type="ftr" sz="quarter" idx="11"/>
+          </p:nvPr>
+        </p:nvSpPr>
+        <p:spPr/>
+        <p:txBody>
+          <a:bodyPr/>
+          <a:lstStyle/>
+          <a:p>
+            <a:endParaRPr lang="en-US"/>
+          </a:p>
+        </p:txBody>
+      </p:sp>
+      <p:sp>
+        <p:nvSpPr>
+          <p:cNvPr id="7" name="Номер слайда 6">
+            <a:extLst>
+              <a:ext uri="{FF2B5EF4-FFF2-40B4-BE49-F238E27FC236}">
+                <a16:creationId xmlns:a16="http://schemas.microsoft.com/office/drawing/2014/main" id="{3A512BEB-1FC2-4CDB-9F2E-B8569555C66D}"/>
+              </a:ext>
+            </a:extLst>
+          </p:cNvPr>
           <p:cNvSpPr>
             <a:spLocks noGrp="1"/>
           </p:cNvSpPr>
@@ -3361,7 +2765,7 @@
     </p:spTree>
     <p:extLst>
       <p:ext uri="{BB962C8B-B14F-4D97-AF65-F5344CB8AC3E}">
-        <p14:creationId xmlns:p14="http://schemas.microsoft.com/office/powerpoint/2010/main" val="4159374402"/>
+        <p14:creationId xmlns:p14="http://schemas.microsoft.com/office/powerpoint/2010/main" val="4217640304"/>
       </p:ext>
     </p:extLst>
   </p:cSld>
@@ -3375,7 +2779,7 @@
 <p:sldMaster xmlns:a="http://schemas.openxmlformats.org/drawingml/2006/main" xmlns:r="http://schemas.openxmlformats.org/officeDocument/2006/relationships" xmlns:p="http://schemas.openxmlformats.org/presentationml/2006/main">
   <p:cSld>
     <p:bg>
-      <p:bgRef idx="1003">
+      <p:bgRef idx="1001">
         <a:schemeClr val="bg1"/>
       </p:bgRef>
     </p:bg>
@@ -3393,100 +2797,15 @@
           <a:chExt cx="0" cy="0"/>
         </a:xfrm>
       </p:grpSpPr>
-      <p:grpSp>
-        <p:nvGrpSpPr>
-          <p:cNvPr id="12" name="Group 11"/>
-          <p:cNvGrpSpPr/>
-          <p:nvPr/>
-        </p:nvGrpSpPr>
-        <p:grpSpPr>
-          <a:xfrm>
-            <a:off x="8522664" y="6255258"/>
-            <a:ext cx="393192" cy="393192"/>
-            <a:chOff x="8532189" y="5068824"/>
-            <a:chExt cx="393192" cy="393192"/>
-          </a:xfrm>
-        </p:grpSpPr>
-        <p:sp>
-          <p:nvSpPr>
-            <p:cNvPr id="8" name="Oval 7"/>
-            <p:cNvSpPr>
-              <a:spLocks noChangeAspect="1"/>
-            </p:cNvSpPr>
-            <p:nvPr/>
-          </p:nvSpPr>
-          <p:spPr>
-            <a:xfrm>
-              <a:off x="8532189" y="5068824"/>
-              <a:ext cx="393192" cy="393192"/>
-            </a:xfrm>
-            <a:prstGeom prst="ellipse">
-              <a:avLst/>
-            </a:prstGeom>
-            <a:blipFill dpi="0" rotWithShape="1">
-              <a:blip r:embed="rId13">
-                <a:duotone>
-                  <a:schemeClr val="accent1">
-                    <a:shade val="45000"/>
-                    <a:satMod val="135000"/>
-                  </a:schemeClr>
-                  <a:prstClr val="white"/>
-                </a:duotone>
-                <a:extLst>
-                  <a:ext uri="{BEBA8EAE-BF5A-486C-A8C5-ECC9F3942E4B}">
-                    <a14:imgProps xmlns:a14="http://schemas.microsoft.com/office/drawing/2010/main">
-                      <a14:imgLayer r:embed="rId14">
-                        <a14:imgEffect>
-                          <a14:saturation sat="95000"/>
-                        </a14:imgEffect>
-                        <a14:imgEffect>
-                          <a14:brightnessContrast bright="-40000" contrast="20000"/>
-                        </a14:imgEffect>
-                      </a14:imgLayer>
-                    </a14:imgProps>
-                  </a:ext>
-                </a:extLst>
-              </a:blip>
-              <a:srcRect/>
-              <a:tile tx="50800" ty="0" sx="85000" sy="85000" flip="none" algn="tl"/>
-            </a:blipFill>
-            <a:ln w="25400" cap="flat" cmpd="sng" algn="ctr">
-              <a:noFill/>
-              <a:prstDash val="solid"/>
-            </a:ln>
-            <a:effectLst/>
-          </p:spPr>
-        </p:sp>
-        <p:sp>
-          <p:nvSpPr>
-            <p:cNvPr id="9" name="Oval 8"/>
-            <p:cNvSpPr>
-              <a:spLocks noChangeAspect="1"/>
-            </p:cNvSpPr>
-            <p:nvPr/>
-          </p:nvSpPr>
-          <p:spPr>
-            <a:xfrm>
-              <a:off x="8568766" y="5105400"/>
-              <a:ext cx="320039" cy="320040"/>
-            </a:xfrm>
-            <a:prstGeom prst="ellipse">
-              <a:avLst/>
-            </a:prstGeom>
-            <a:noFill/>
-            <a:ln w="12700" cap="flat" cmpd="sng" algn="ctr">
-              <a:solidFill>
-                <a:srgbClr val="FFFFFF"/>
-              </a:solidFill>
-              <a:prstDash val="solid"/>
-            </a:ln>
-            <a:effectLst/>
-          </p:spPr>
-        </p:sp>
-      </p:grpSp>
-      <p:sp>
-        <p:nvSpPr>
-          <p:cNvPr id="2" name="Title Placeholder 1"/>
+      <p:sp>
+        <p:nvSpPr>
+          <p:cNvPr id="2" name="Заголовок 1">
+            <a:extLst>
+              <a:ext uri="{FF2B5EF4-FFF2-40B4-BE49-F238E27FC236}">
+                <a16:creationId xmlns:a16="http://schemas.microsoft.com/office/drawing/2014/main" id="{678B8472-0D4A-44C3-B267-4F824115946E}"/>
+              </a:ext>
+            </a:extLst>
+          </p:cNvPr>
           <p:cNvSpPr>
             <a:spLocks noGrp="1"/>
           </p:cNvSpPr>
@@ -3496,8 +2815,8 @@
         </p:nvSpPr>
         <p:spPr>
           <a:xfrm>
-            <a:off x="685800" y="484632"/>
-            <a:ext cx="7772400" cy="1609344"/>
+            <a:off x="628650" y="365126"/>
+            <a:ext cx="7886700" cy="1325563"/>
           </a:xfrm>
           <a:prstGeom prst="rect">
             <a:avLst/>
@@ -3513,13 +2832,19 @@
               <a:rPr lang="ru-RU"/>
               <a:t>Образец заголовка</a:t>
             </a:r>
-            <a:endParaRPr lang="en-US" dirty="0"/>
-          </a:p>
-        </p:txBody>
-      </p:sp>
-      <p:sp>
-        <p:nvSpPr>
-          <p:cNvPr id="3" name="Text Placeholder 2"/>
+            <a:endParaRPr lang="en-US"/>
+          </a:p>
+        </p:txBody>
+      </p:sp>
+      <p:sp>
+        <p:nvSpPr>
+          <p:cNvPr id="3" name="Текст 2">
+            <a:extLst>
+              <a:ext uri="{FF2B5EF4-FFF2-40B4-BE49-F238E27FC236}">
+                <a16:creationId xmlns:a16="http://schemas.microsoft.com/office/drawing/2014/main" id="{EF1CE9E0-7AE1-4516-AAF5-7461D85D7F23}"/>
+              </a:ext>
+            </a:extLst>
+          </p:cNvPr>
           <p:cNvSpPr>
             <a:spLocks noGrp="1"/>
           </p:cNvSpPr>
@@ -3529,8 +2854,8 @@
         </p:nvSpPr>
         <p:spPr>
           <a:xfrm>
-            <a:off x="685800" y="2121408"/>
-            <a:ext cx="7772400" cy="4050792"/>
+            <a:off x="628650" y="1825625"/>
+            <a:ext cx="7886700" cy="4351338"/>
           </a:xfrm>
           <a:prstGeom prst="rect">
             <a:avLst/>
@@ -3575,13 +2900,19 @@
               <a:rPr lang="ru-RU"/>
               <a:t>Пятый уровень</a:t>
             </a:r>
-            <a:endParaRPr lang="en-US" dirty="0"/>
-          </a:p>
-        </p:txBody>
-      </p:sp>
-      <p:sp>
-        <p:nvSpPr>
-          <p:cNvPr id="4" name="Date Placeholder 3"/>
+            <a:endParaRPr lang="en-US"/>
+          </a:p>
+        </p:txBody>
+      </p:sp>
+      <p:sp>
+        <p:nvSpPr>
+          <p:cNvPr id="4" name="Дата 3">
+            <a:extLst>
+              <a:ext uri="{FF2B5EF4-FFF2-40B4-BE49-F238E27FC236}">
+                <a16:creationId xmlns:a16="http://schemas.microsoft.com/office/drawing/2014/main" id="{C9E35C73-2E2B-4CD8-9309-AD1D57EA7ED4}"/>
+              </a:ext>
+            </a:extLst>
+          </p:cNvPr>
           <p:cNvSpPr>
             <a:spLocks noGrp="1"/>
           </p:cNvSpPr>
@@ -3591,8 +2922,8 @@
         </p:nvSpPr>
         <p:spPr>
           <a:xfrm>
-            <a:off x="5992368" y="6272785"/>
-            <a:ext cx="2455164" cy="365125"/>
+            <a:off x="628650" y="6356351"/>
+            <a:ext cx="2057400" cy="365125"/>
           </a:xfrm>
           <a:prstGeom prst="rect">
             <a:avLst/>
@@ -3601,11 +2932,11 @@
         <p:txBody>
           <a:bodyPr vert="horz" lIns="91440" tIns="45720" rIns="91440" bIns="45720" rtlCol="0" anchor="ctr"/>
           <a:lstStyle>
-            <a:lvl1pPr algn="r">
-              <a:defRPr sz="1000">
+            <a:lvl1pPr algn="l">
+              <a:defRPr sz="900">
                 <a:solidFill>
-                  <a:schemeClr val="accent1">
-                    <a:lumMod val="50000"/>
+                  <a:schemeClr val="tx1">
+                    <a:tint val="75000"/>
                   </a:schemeClr>
                 </a:solidFill>
               </a:defRPr>
@@ -3614,7 +2945,7 @@
           <a:p>
             <a:fld id="{F73F0BFC-2C88-4AAF-B42F-33B416312C7A}" type="datetimeFigureOut">
               <a:rPr lang="en-US" smtClean="0"/>
-              <a:t>1/6/2024</a:t>
+              <a:t>1/7/2024</a:t>
             </a:fld>
             <a:endParaRPr lang="en-US"/>
           </a:p>
@@ -3622,7 +2953,13 @@
       </p:sp>
       <p:sp>
         <p:nvSpPr>
-          <p:cNvPr id="5" name="Footer Placeholder 4"/>
+          <p:cNvPr id="5" name="Нижний колонтитул 4">
+            <a:extLst>
+              <a:ext uri="{FF2B5EF4-FFF2-40B4-BE49-F238E27FC236}">
+                <a16:creationId xmlns:a16="http://schemas.microsoft.com/office/drawing/2014/main" id="{CA9E7DDF-2589-4C18-AD13-58812A3A8E4E}"/>
+              </a:ext>
+            </a:extLst>
+          </p:cNvPr>
           <p:cNvSpPr>
             <a:spLocks noGrp="1"/>
           </p:cNvSpPr>
@@ -3632,8 +2969,8 @@
         </p:nvSpPr>
         <p:spPr>
           <a:xfrm>
-            <a:off x="685800" y="6272785"/>
-            <a:ext cx="4745736" cy="365125"/>
+            <a:off x="3028950" y="6356351"/>
+            <a:ext cx="3086100" cy="365125"/>
           </a:xfrm>
           <a:prstGeom prst="rect">
             <a:avLst/>
@@ -3642,11 +2979,11 @@
         <p:txBody>
           <a:bodyPr vert="horz" lIns="91440" tIns="45720" rIns="91440" bIns="45720" rtlCol="0" anchor="ctr"/>
           <a:lstStyle>
-            <a:lvl1pPr algn="l">
-              <a:defRPr sz="1000">
+            <a:lvl1pPr algn="ctr">
+              <a:defRPr sz="900">
                 <a:solidFill>
-                  <a:schemeClr val="accent1">
-                    <a:lumMod val="50000"/>
+                  <a:schemeClr val="tx1">
+                    <a:tint val="75000"/>
                   </a:schemeClr>
                 </a:solidFill>
               </a:defRPr>
@@ -3659,7 +2996,13 @@
       </p:sp>
       <p:sp>
         <p:nvSpPr>
-          <p:cNvPr id="6" name="Slide Number Placeholder 5"/>
+          <p:cNvPr id="6" name="Номер слайда 5">
+            <a:extLst>
+              <a:ext uri="{FF2B5EF4-FFF2-40B4-BE49-F238E27FC236}">
+                <a16:creationId xmlns:a16="http://schemas.microsoft.com/office/drawing/2014/main" id="{617C2AD1-3C38-422B-83FD-BEB65E43EA2B}"/>
+              </a:ext>
+            </a:extLst>
+          </p:cNvPr>
           <p:cNvSpPr>
             <a:spLocks noGrp="1"/>
           </p:cNvSpPr>
@@ -3669,8 +3012,8 @@
         </p:nvSpPr>
         <p:spPr>
           <a:xfrm>
-            <a:off x="8483346" y="6272785"/>
-            <a:ext cx="480060" cy="365125"/>
+            <a:off x="6457950" y="6356351"/>
+            <a:ext cx="2057400" cy="365125"/>
           </a:xfrm>
           <a:prstGeom prst="rect">
             <a:avLst/>
@@ -3679,12 +3022,13 @@
         <p:txBody>
           <a:bodyPr vert="horz" lIns="91440" tIns="45720" rIns="91440" bIns="45720" rtlCol="0" anchor="ctr"/>
           <a:lstStyle>
-            <a:lvl1pPr algn="ctr">
-              <a:defRPr sz="1100" b="1" spc="-70" baseline="0">
+            <a:lvl1pPr algn="r">
+              <a:defRPr sz="900">
                 <a:solidFill>
-                  <a:srgbClr val="FFFFFF"/>
+                  <a:schemeClr val="tx1">
+                    <a:tint val="75000"/>
+                  </a:schemeClr>
                 </a:solidFill>
-                <a:latin typeface="+mn-lt"/>
               </a:defRPr>
             </a:lvl1pPr>
           </a:lstStyle>
@@ -3700,27 +3044,27 @@
     </p:spTree>
     <p:extLst>
       <p:ext uri="{BB962C8B-B14F-4D97-AF65-F5344CB8AC3E}">
-        <p14:creationId xmlns:p14="http://schemas.microsoft.com/office/powerpoint/2010/main" val="1567683504"/>
+        <p14:creationId xmlns:p14="http://schemas.microsoft.com/office/powerpoint/2010/main" val="3597921467"/>
       </p:ext>
     </p:extLst>
   </p:cSld>
   <p:clrMap bg1="lt1" tx1="dk1" bg2="lt2" tx2="dk2" accent1="accent1" accent2="accent2" accent3="accent3" accent4="accent4" accent5="accent5" accent6="accent6" hlink="hlink" folHlink="folHlink"/>
   <p:sldLayoutIdLst>
-    <p:sldLayoutId id="2147483721" r:id="rId1"/>
-    <p:sldLayoutId id="2147483722" r:id="rId2"/>
-    <p:sldLayoutId id="2147483723" r:id="rId3"/>
-    <p:sldLayoutId id="2147483724" r:id="rId4"/>
-    <p:sldLayoutId id="2147483725" r:id="rId5"/>
-    <p:sldLayoutId id="2147483726" r:id="rId6"/>
-    <p:sldLayoutId id="2147483727" r:id="rId7"/>
-    <p:sldLayoutId id="2147483728" r:id="rId8"/>
-    <p:sldLayoutId id="2147483729" r:id="rId9"/>
-    <p:sldLayoutId id="2147483730" r:id="rId10"/>
-    <p:sldLayoutId id="2147483731" r:id="rId11"/>
+    <p:sldLayoutId id="2147483733" r:id="rId1"/>
+    <p:sldLayoutId id="2147483734" r:id="rId2"/>
+    <p:sldLayoutId id="2147483735" r:id="rId3"/>
+    <p:sldLayoutId id="2147483736" r:id="rId4"/>
+    <p:sldLayoutId id="2147483737" r:id="rId5"/>
+    <p:sldLayoutId id="2147483738" r:id="rId6"/>
+    <p:sldLayoutId id="2147483739" r:id="rId7"/>
+    <p:sldLayoutId id="2147483740" r:id="rId8"/>
+    <p:sldLayoutId id="2147483741" r:id="rId9"/>
+    <p:sldLayoutId id="2147483742" r:id="rId10"/>
+    <p:sldLayoutId id="2147483743" r:id="rId11"/>
   </p:sldLayoutIdLst>
   <p:txStyles>
     <p:titleStyle>
-      <a:lvl1pPr algn="l" defTabSz="914400" rtl="0" eaLnBrk="1" latinLnBrk="0" hangingPunct="1">
+      <a:lvl1pPr algn="l" defTabSz="685800" rtl="0" eaLnBrk="1" latinLnBrk="0" hangingPunct="1">
         <a:lnSpc>
           <a:spcPct val="90000"/>
         </a:lnSpc>
@@ -3728,17 +3072,10 @@
           <a:spcPct val="0"/>
         </a:spcBef>
         <a:buNone/>
-        <a:defRPr sz="4200" b="0" kern="1200" cap="all" baseline="0">
-          <a:blipFill>
-            <a:blip r:embed="rId15">
-              <a:extLst>
-                <a:ext uri="{28A0092B-C50C-407E-A947-70E740481C1C}">
-                  <a14:useLocalDpi xmlns:a14="http://schemas.microsoft.com/office/drawing/2010/main" val="0"/>
-                </a:ext>
-              </a:extLst>
-            </a:blip>
-            <a:tile tx="6350" ty="-127000" sx="65000" sy="64000" flip="none" algn="tl"/>
-          </a:blipFill>
+        <a:defRPr sz="3300" kern="1200">
+          <a:solidFill>
+            <a:schemeClr val="tx1"/>
+          </a:solidFill>
           <a:latin typeface="+mj-lt"/>
           <a:ea typeface="+mj-ea"/>
           <a:cs typeface="+mj-cs"/>
@@ -3746,22 +3083,16 @@
       </a:lvl1pPr>
     </p:titleStyle>
     <p:bodyStyle>
-      <a:lvl1pPr marL="182880" indent="-182880" algn="l" defTabSz="914400" rtl="0" eaLnBrk="1" latinLnBrk="0" hangingPunct="1">
+      <a:lvl1pPr marL="171450" indent="-171450" algn="l" defTabSz="685800" rtl="0" eaLnBrk="1" latinLnBrk="0" hangingPunct="1">
         <a:lnSpc>
           <a:spcPct val="90000"/>
         </a:lnSpc>
         <a:spcBef>
-          <a:spcPts val="1200"/>
+          <a:spcPts val="750"/>
         </a:spcBef>
-        <a:buClr>
-          <a:schemeClr val="accent1">
-            <a:lumMod val="75000"/>
-          </a:schemeClr>
-        </a:buClr>
-        <a:buSzPct val="85000"/>
-        <a:buFont typeface="Wingdings" pitchFamily="2" charset="2"/>
-        <a:buChar char="§"/>
-        <a:defRPr sz="2000" kern="1200">
+        <a:buFont typeface="Arial" panose="020B0604020202020204" pitchFamily="34" charset="0"/>
+        <a:buChar char="•"/>
+        <a:defRPr sz="2100" kern="1200">
           <a:solidFill>
             <a:schemeClr val="tx1"/>
           </a:solidFill>
@@ -3770,24 +3101,15 @@
           <a:cs typeface="+mn-cs"/>
         </a:defRPr>
       </a:lvl1pPr>
-      <a:lvl2pPr marL="457200" indent="-182880" algn="l" defTabSz="914400" rtl="0" eaLnBrk="1" latinLnBrk="0" hangingPunct="1">
+      <a:lvl2pPr marL="514350" indent="-171450" algn="l" defTabSz="685800" rtl="0" eaLnBrk="1" latinLnBrk="0" hangingPunct="1">
         <a:lnSpc>
           <a:spcPct val="90000"/>
         </a:lnSpc>
         <a:spcBef>
-          <a:spcPts val="400"/>
+          <a:spcPts val="375"/>
         </a:spcBef>
-        <a:spcAft>
-          <a:spcPts val="200"/>
-        </a:spcAft>
-        <a:buClr>
-          <a:schemeClr val="accent1">
-            <a:lumMod val="75000"/>
-          </a:schemeClr>
-        </a:buClr>
-        <a:buSzPct val="85000"/>
-        <a:buFont typeface="Wingdings" pitchFamily="2" charset="2"/>
-        <a:buChar char="§"/>
+        <a:buFont typeface="Arial" panose="020B0604020202020204" pitchFamily="34" charset="0"/>
+        <a:buChar char="•"/>
         <a:defRPr sz="1800" kern="1200">
           <a:solidFill>
             <a:schemeClr val="tx1"/>
@@ -3797,25 +3119,16 @@
           <a:cs typeface="+mn-cs"/>
         </a:defRPr>
       </a:lvl2pPr>
-      <a:lvl3pPr marL="731520" indent="-182880" algn="l" defTabSz="914400" rtl="0" eaLnBrk="1" latinLnBrk="0" hangingPunct="1">
+      <a:lvl3pPr marL="857250" indent="-171450" algn="l" defTabSz="685800" rtl="0" eaLnBrk="1" latinLnBrk="0" hangingPunct="1">
         <a:lnSpc>
           <a:spcPct val="90000"/>
         </a:lnSpc>
         <a:spcBef>
-          <a:spcPts val="400"/>
+          <a:spcPts val="375"/>
         </a:spcBef>
-        <a:spcAft>
-          <a:spcPts val="200"/>
-        </a:spcAft>
-        <a:buClr>
-          <a:schemeClr val="accent1">
-            <a:lumMod val="75000"/>
-          </a:schemeClr>
-        </a:buClr>
-        <a:buSzPct val="85000"/>
-        <a:buFont typeface="Wingdings" pitchFamily="2" charset="2"/>
-        <a:buChar char="§"/>
-        <a:defRPr sz="1600" kern="1200">
+        <a:buFont typeface="Arial" panose="020B0604020202020204" pitchFamily="34" charset="0"/>
+        <a:buChar char="•"/>
+        <a:defRPr sz="1500" kern="1200">
           <a:solidFill>
             <a:schemeClr val="tx1"/>
           </a:solidFill>
@@ -3824,25 +3137,16 @@
           <a:cs typeface="+mn-cs"/>
         </a:defRPr>
       </a:lvl3pPr>
-      <a:lvl4pPr marL="1005840" indent="-182880" algn="l" defTabSz="914400" rtl="0" eaLnBrk="1" latinLnBrk="0" hangingPunct="1">
+      <a:lvl4pPr marL="1200150" indent="-171450" algn="l" defTabSz="685800" rtl="0" eaLnBrk="1" latinLnBrk="0" hangingPunct="1">
         <a:lnSpc>
           <a:spcPct val="90000"/>
         </a:lnSpc>
         <a:spcBef>
-          <a:spcPts val="400"/>
+          <a:spcPts val="375"/>
         </a:spcBef>
-        <a:spcAft>
-          <a:spcPts val="200"/>
-        </a:spcAft>
-        <a:buClr>
-          <a:schemeClr val="accent1">
-            <a:lumMod val="75000"/>
-          </a:schemeClr>
-        </a:buClr>
-        <a:buSzPct val="85000"/>
-        <a:buFont typeface="Wingdings" pitchFamily="2" charset="2"/>
-        <a:buChar char="§"/>
-        <a:defRPr sz="1600" kern="1200">
+        <a:buFont typeface="Arial" panose="020B0604020202020204" pitchFamily="34" charset="0"/>
+        <a:buChar char="•"/>
+        <a:defRPr sz="1350" kern="1200">
           <a:solidFill>
             <a:schemeClr val="tx1"/>
           </a:solidFill>
@@ -3851,25 +3155,16 @@
           <a:cs typeface="+mn-cs"/>
         </a:defRPr>
       </a:lvl4pPr>
-      <a:lvl5pPr marL="1280160" indent="-182880" algn="l" defTabSz="914400" rtl="0" eaLnBrk="1" latinLnBrk="0" hangingPunct="1">
+      <a:lvl5pPr marL="1543050" indent="-171450" algn="l" defTabSz="685800" rtl="0" eaLnBrk="1" latinLnBrk="0" hangingPunct="1">
         <a:lnSpc>
           <a:spcPct val="90000"/>
         </a:lnSpc>
         <a:spcBef>
-          <a:spcPts val="400"/>
+          <a:spcPts val="375"/>
         </a:spcBef>
-        <a:spcAft>
-          <a:spcPts val="200"/>
-        </a:spcAft>
-        <a:buClr>
-          <a:schemeClr val="accent1">
-            <a:lumMod val="75000"/>
-          </a:schemeClr>
-        </a:buClr>
-        <a:buSzPct val="85000"/>
-        <a:buFont typeface="Wingdings" pitchFamily="2" charset="2"/>
-        <a:buChar char="§"/>
-        <a:defRPr sz="1600" kern="1200">
+        <a:buFont typeface="Arial" panose="020B0604020202020204" pitchFamily="34" charset="0"/>
+        <a:buChar char="•"/>
+        <a:defRPr sz="1350" kern="1200">
           <a:solidFill>
             <a:schemeClr val="tx1"/>
           </a:solidFill>
@@ -3878,25 +3173,16 @@
           <a:cs typeface="+mn-cs"/>
         </a:defRPr>
       </a:lvl5pPr>
-      <a:lvl6pPr marL="1600000" indent="-228600" algn="l" defTabSz="914400" rtl="0" eaLnBrk="1" latinLnBrk="0" hangingPunct="1">
+      <a:lvl6pPr marL="1885950" indent="-171450" algn="l" defTabSz="685800" rtl="0" eaLnBrk="1" latinLnBrk="0" hangingPunct="1">
         <a:lnSpc>
           <a:spcPct val="90000"/>
         </a:lnSpc>
         <a:spcBef>
-          <a:spcPts val="400"/>
+          <a:spcPts val="375"/>
         </a:spcBef>
-        <a:spcAft>
-          <a:spcPts val="200"/>
-        </a:spcAft>
-        <a:buClr>
-          <a:schemeClr val="accent1">
-            <a:lumMod val="75000"/>
-          </a:schemeClr>
-        </a:buClr>
-        <a:buSzPct val="85000"/>
-        <a:buFont typeface="Wingdings" pitchFamily="2" charset="2"/>
-        <a:buChar char="§"/>
-        <a:defRPr sz="1600" kern="1200">
+        <a:buFont typeface="Arial" panose="020B0604020202020204" pitchFamily="34" charset="0"/>
+        <a:buChar char="•"/>
+        <a:defRPr sz="1350" kern="1200">
           <a:solidFill>
             <a:schemeClr val="tx1"/>
           </a:solidFill>
@@ -3905,25 +3191,16 @@
           <a:cs typeface="+mn-cs"/>
         </a:defRPr>
       </a:lvl6pPr>
-      <a:lvl7pPr marL="1900000" indent="-228600" algn="l" defTabSz="914400" rtl="0" eaLnBrk="1" latinLnBrk="0" hangingPunct="1">
+      <a:lvl7pPr marL="2228850" indent="-171450" algn="l" defTabSz="685800" rtl="0" eaLnBrk="1" latinLnBrk="0" hangingPunct="1">
         <a:lnSpc>
           <a:spcPct val="90000"/>
         </a:lnSpc>
         <a:spcBef>
-          <a:spcPts val="400"/>
+          <a:spcPts val="375"/>
         </a:spcBef>
-        <a:spcAft>
-          <a:spcPts val="200"/>
-        </a:spcAft>
-        <a:buClr>
-          <a:schemeClr val="accent1">
-            <a:lumMod val="75000"/>
-          </a:schemeClr>
-        </a:buClr>
-        <a:buSzPct val="85000"/>
-        <a:buFont typeface="Wingdings" pitchFamily="2" charset="2"/>
-        <a:buChar char="§"/>
-        <a:defRPr sz="1600" kern="1200">
+        <a:buFont typeface="Arial" panose="020B0604020202020204" pitchFamily="34" charset="0"/>
+        <a:buChar char="•"/>
+        <a:defRPr sz="1350" kern="1200">
           <a:solidFill>
             <a:schemeClr val="tx1"/>
           </a:solidFill>
@@ -3932,25 +3209,16 @@
           <a:cs typeface="+mn-cs"/>
         </a:defRPr>
       </a:lvl7pPr>
-      <a:lvl8pPr marL="2200000" indent="-228600" algn="l" defTabSz="914400" rtl="0" eaLnBrk="1" latinLnBrk="0" hangingPunct="1">
+      <a:lvl8pPr marL="2571750" indent="-171450" algn="l" defTabSz="685800" rtl="0" eaLnBrk="1" latinLnBrk="0" hangingPunct="1">
         <a:lnSpc>
           <a:spcPct val="90000"/>
         </a:lnSpc>
         <a:spcBef>
-          <a:spcPts val="400"/>
+          <a:spcPts val="375"/>
         </a:spcBef>
-        <a:spcAft>
-          <a:spcPts val="200"/>
-        </a:spcAft>
-        <a:buClr>
-          <a:schemeClr val="accent1">
-            <a:lumMod val="75000"/>
-          </a:schemeClr>
-        </a:buClr>
-        <a:buSzPct val="85000"/>
-        <a:buFont typeface="Wingdings" pitchFamily="2" charset="2"/>
-        <a:buChar char="§"/>
-        <a:defRPr sz="1600" kern="1200">
+        <a:buFont typeface="Arial" panose="020B0604020202020204" pitchFamily="34" charset="0"/>
+        <a:buChar char="•"/>
+        <a:defRPr sz="1350" kern="1200">
           <a:solidFill>
             <a:schemeClr val="tx1"/>
           </a:solidFill>
@@ -3959,25 +3227,16 @@
           <a:cs typeface="+mn-cs"/>
         </a:defRPr>
       </a:lvl8pPr>
-      <a:lvl9pPr marL="2500000" indent="-228600" algn="l" defTabSz="914400" rtl="0" eaLnBrk="1" latinLnBrk="0" hangingPunct="1">
+      <a:lvl9pPr marL="2914650" indent="-171450" algn="l" defTabSz="685800" rtl="0" eaLnBrk="1" latinLnBrk="0" hangingPunct="1">
         <a:lnSpc>
           <a:spcPct val="90000"/>
         </a:lnSpc>
         <a:spcBef>
-          <a:spcPts val="400"/>
+          <a:spcPts val="375"/>
         </a:spcBef>
-        <a:spcAft>
-          <a:spcPts val="200"/>
-        </a:spcAft>
-        <a:buClr>
-          <a:schemeClr val="accent1">
-            <a:lumMod val="75000"/>
-          </a:schemeClr>
-        </a:buClr>
-        <a:buSzPct val="85000"/>
-        <a:buFont typeface="Wingdings" pitchFamily="2" charset="2"/>
-        <a:buChar char="§"/>
-        <a:defRPr sz="1600" kern="1200">
+        <a:buFont typeface="Arial" panose="020B0604020202020204" pitchFamily="34" charset="0"/>
+        <a:buChar char="•"/>
+        <a:defRPr sz="1350" kern="1200">
           <a:solidFill>
             <a:schemeClr val="tx1"/>
           </a:solidFill>
@@ -3991,8 +3250,8 @@
       <a:defPPr>
         <a:defRPr lang="en-US"/>
       </a:defPPr>
-      <a:lvl1pPr marL="0" algn="l" defTabSz="914400" rtl="0" eaLnBrk="1" latinLnBrk="0" hangingPunct="1">
-        <a:defRPr sz="1800" kern="1200">
+      <a:lvl1pPr marL="0" algn="l" defTabSz="685800" rtl="0" eaLnBrk="1" latinLnBrk="0" hangingPunct="1">
+        <a:defRPr sz="1350" kern="1200">
           <a:solidFill>
             <a:schemeClr val="tx1"/>
           </a:solidFill>
@@ -4001,8 +3260,8 @@
           <a:cs typeface="+mn-cs"/>
         </a:defRPr>
       </a:lvl1pPr>
-      <a:lvl2pPr marL="457200" algn="l" defTabSz="914400" rtl="0" eaLnBrk="1" latinLnBrk="0" hangingPunct="1">
-        <a:defRPr sz="1800" kern="1200">
+      <a:lvl2pPr marL="342900" algn="l" defTabSz="685800" rtl="0" eaLnBrk="1" latinLnBrk="0" hangingPunct="1">
+        <a:defRPr sz="1350" kern="1200">
           <a:solidFill>
             <a:schemeClr val="tx1"/>
           </a:solidFill>
@@ -4011,8 +3270,8 @@
           <a:cs typeface="+mn-cs"/>
         </a:defRPr>
       </a:lvl2pPr>
-      <a:lvl3pPr marL="914400" algn="l" defTabSz="914400" rtl="0" eaLnBrk="1" latinLnBrk="0" hangingPunct="1">
-        <a:defRPr sz="1800" kern="1200">
+      <a:lvl3pPr marL="685800" algn="l" defTabSz="685800" rtl="0" eaLnBrk="1" latinLnBrk="0" hangingPunct="1">
+        <a:defRPr sz="1350" kern="1200">
           <a:solidFill>
             <a:schemeClr val="tx1"/>
           </a:solidFill>
@@ -4021,8 +3280,8 @@
           <a:cs typeface="+mn-cs"/>
         </a:defRPr>
       </a:lvl3pPr>
-      <a:lvl4pPr marL="1371600" algn="l" defTabSz="914400" rtl="0" eaLnBrk="1" latinLnBrk="0" hangingPunct="1">
-        <a:defRPr sz="1800" kern="1200">
+      <a:lvl4pPr marL="1028700" algn="l" defTabSz="685800" rtl="0" eaLnBrk="1" latinLnBrk="0" hangingPunct="1">
+        <a:defRPr sz="1350" kern="1200">
           <a:solidFill>
             <a:schemeClr val="tx1"/>
           </a:solidFill>
@@ -4031,8 +3290,8 @@
           <a:cs typeface="+mn-cs"/>
         </a:defRPr>
       </a:lvl4pPr>
-      <a:lvl5pPr marL="1828800" algn="l" defTabSz="914400" rtl="0" eaLnBrk="1" latinLnBrk="0" hangingPunct="1">
-        <a:defRPr sz="1800" kern="1200">
+      <a:lvl5pPr marL="1371600" algn="l" defTabSz="685800" rtl="0" eaLnBrk="1" latinLnBrk="0" hangingPunct="1">
+        <a:defRPr sz="1350" kern="1200">
           <a:solidFill>
             <a:schemeClr val="tx1"/>
           </a:solidFill>
@@ -4041,8 +3300,8 @@
           <a:cs typeface="+mn-cs"/>
         </a:defRPr>
       </a:lvl5pPr>
-      <a:lvl6pPr marL="2286000" algn="l" defTabSz="914400" rtl="0" eaLnBrk="1" latinLnBrk="0" hangingPunct="1">
-        <a:defRPr sz="1800" kern="1200">
+      <a:lvl6pPr marL="1714500" algn="l" defTabSz="685800" rtl="0" eaLnBrk="1" latinLnBrk="0" hangingPunct="1">
+        <a:defRPr sz="1350" kern="1200">
           <a:solidFill>
             <a:schemeClr val="tx1"/>
           </a:solidFill>
@@ -4051,8 +3310,8 @@
           <a:cs typeface="+mn-cs"/>
         </a:defRPr>
       </a:lvl6pPr>
-      <a:lvl7pPr marL="2743200" algn="l" defTabSz="914400" rtl="0" eaLnBrk="1" latinLnBrk="0" hangingPunct="1">
-        <a:defRPr sz="1800" kern="1200">
+      <a:lvl7pPr marL="2057400" algn="l" defTabSz="685800" rtl="0" eaLnBrk="1" latinLnBrk="0" hangingPunct="1">
+        <a:defRPr sz="1350" kern="1200">
           <a:solidFill>
             <a:schemeClr val="tx1"/>
           </a:solidFill>
@@ -4061,8 +3320,8 @@
           <a:cs typeface="+mn-cs"/>
         </a:defRPr>
       </a:lvl7pPr>
-      <a:lvl8pPr marL="3200400" algn="l" defTabSz="914400" rtl="0" eaLnBrk="1" latinLnBrk="0" hangingPunct="1">
-        <a:defRPr sz="1800" kern="1200">
+      <a:lvl8pPr marL="2400300" algn="l" defTabSz="685800" rtl="0" eaLnBrk="1" latinLnBrk="0" hangingPunct="1">
+        <a:defRPr sz="1350" kern="1200">
           <a:solidFill>
             <a:schemeClr val="tx1"/>
           </a:solidFill>
@@ -4071,8 +3330,8 @@
           <a:cs typeface="+mn-cs"/>
         </a:defRPr>
       </a:lvl8pPr>
-      <a:lvl9pPr marL="3657600" algn="l" defTabSz="914400" rtl="0" eaLnBrk="1" latinLnBrk="0" hangingPunct="1">
-        <a:defRPr sz="1800" kern="1200">
+      <a:lvl9pPr marL="2743200" algn="l" defTabSz="685800" rtl="0" eaLnBrk="1" latinLnBrk="0" hangingPunct="1">
+        <a:defRPr sz="1350" kern="1200">
           <a:solidFill>
             <a:schemeClr val="tx1"/>
           </a:solidFill>
@@ -4087,75 +3346,6 @@
 </file>
 
 <file path=ppt/slides/slide1.xml><?xml version="1.0" encoding="utf-8"?>
-<p:sld xmlns:a="http://schemas.openxmlformats.org/drawingml/2006/main" xmlns:r="http://schemas.openxmlformats.org/officeDocument/2006/relationships" xmlns:p="http://schemas.openxmlformats.org/presentationml/2006/main">
-  <p:cSld>
-    <p:spTree>
-      <p:nvGrpSpPr>
-        <p:cNvPr id="1" name=""/>
-        <p:cNvGrpSpPr/>
-        <p:nvPr/>
-      </p:nvGrpSpPr>
-      <p:grpSpPr>
-        <a:xfrm>
-          <a:off x="0" y="0"/>
-          <a:ext cx="0" cy="0"/>
-          <a:chOff x="0" y="0"/>
-          <a:chExt cx="0" cy="0"/>
-        </a:xfrm>
-      </p:grpSpPr>
-      <p:sp>
-        <p:nvSpPr>
-          <p:cNvPr id="2" name="Title 1"/>
-          <p:cNvSpPr>
-            <a:spLocks noGrp="1"/>
-          </p:cNvSpPr>
-          <p:nvPr>
-            <p:ph type="ctrTitle"/>
-          </p:nvPr>
-        </p:nvSpPr>
-        <p:spPr/>
-        <p:txBody>
-          <a:bodyPr/>
-          <a:lstStyle/>
-          <a:p>
-            <a:r>
-              <a:rPr dirty="0"/>
-              <a:t>Sample PowerPoint File</a:t>
-            </a:r>
-          </a:p>
-        </p:txBody>
-      </p:sp>
-      <p:sp>
-        <p:nvSpPr>
-          <p:cNvPr id="3" name="Subtitle 2"/>
-          <p:cNvSpPr>
-            <a:spLocks noGrp="1"/>
-          </p:cNvSpPr>
-          <p:nvPr>
-            <p:ph type="subTitle" idx="1"/>
-          </p:nvPr>
-        </p:nvSpPr>
-        <p:spPr/>
-        <p:txBody>
-          <a:bodyPr/>
-          <a:lstStyle/>
-          <a:p>
-            <a:r>
-              <a:rPr dirty="0"/>
-              <a:t>St. Cloud Technical College</a:t>
-            </a:r>
-          </a:p>
-        </p:txBody>
-      </p:sp>
-    </p:spTree>
-  </p:cSld>
-  <p:clrMapOvr>
-    <a:masterClrMapping/>
-  </p:clrMapOvr>
-</p:sld>
-</file>
-
-<file path=ppt/slides/slide2.xml><?xml version="1.0" encoding="utf-8"?>
 <p:sld xmlns:a="http://schemas.openxmlformats.org/drawingml/2006/main" xmlns:r="http://schemas.openxmlformats.org/officeDocument/2006/relationships" xmlns:p="http://schemas.openxmlformats.org/presentationml/2006/main">
   <p:cSld>
     <p:spTree>
@@ -4489,7 +3679,7 @@
 </p:sld>
 </file>
 
-<file path=ppt/slides/slide3.xml><?xml version="1.0" encoding="utf-8"?>
+<file path=ppt/slides/slide2.xml><?xml version="1.0" encoding="utf-8"?>
 <p:sld xmlns:a="http://schemas.openxmlformats.org/drawingml/2006/main" xmlns:r="http://schemas.openxmlformats.org/officeDocument/2006/relationships" xmlns:p="http://schemas.openxmlformats.org/presentationml/2006/main">
   <p:cSld>
     <p:spTree>
@@ -4628,9 +3818,9 @@
 </file>
 
 <file path=ppt/theme/theme1.xml><?xml version="1.0" encoding="utf-8"?>
-<a:theme xmlns:a="http://schemas.openxmlformats.org/drawingml/2006/main" name="Дерево">
+<a:theme xmlns:a="http://schemas.openxmlformats.org/drawingml/2006/main" name="Тема Office">
   <a:themeElements>
-    <a:clrScheme name="Дерево">
+    <a:clrScheme name="Стандартная">
       <a:dk1>
         <a:sysClr val="windowText" lastClr="000000"/>
       </a:dk1>
@@ -4638,86 +3828,48 @@
         <a:sysClr val="window" lastClr="FFFFFF"/>
       </a:lt1>
       <a:dk2>
-        <a:srgbClr val="696464"/>
+        <a:srgbClr val="44546A"/>
       </a:dk2>
       <a:lt2>
-        <a:srgbClr val="E9E5DC"/>
+        <a:srgbClr val="E7E6E6"/>
       </a:lt2>
       <a:accent1>
-        <a:srgbClr val="D34817"/>
+        <a:srgbClr val="4472C4"/>
       </a:accent1>
       <a:accent2>
-        <a:srgbClr val="9B2D1F"/>
+        <a:srgbClr val="ED7D31"/>
       </a:accent2>
       <a:accent3>
-        <a:srgbClr val="A28E6A"/>
+        <a:srgbClr val="A5A5A5"/>
       </a:accent3>
       <a:accent4>
-        <a:srgbClr val="956251"/>
+        <a:srgbClr val="FFC000"/>
       </a:accent4>
       <a:accent5>
-        <a:srgbClr val="918485"/>
+        <a:srgbClr val="5B9BD5"/>
       </a:accent5>
       <a:accent6>
-        <a:srgbClr val="855D5D"/>
+        <a:srgbClr val="70AD47"/>
       </a:accent6>
       <a:hlink>
-        <a:srgbClr val="CC9900"/>
+        <a:srgbClr val="0563C1"/>
       </a:hlink>
       <a:folHlink>
-        <a:srgbClr val="96A9A9"/>
+        <a:srgbClr val="954F72"/>
       </a:folHlink>
     </a:clrScheme>
-    <a:fontScheme name="Дерево">
+    <a:fontScheme name="Стандартная">
       <a:majorFont>
-        <a:latin typeface="Rockwell Condensed" panose="02060603050405020104"/>
+        <a:latin typeface="Calibri Light" panose="020F0302020204030204"/>
         <a:ea typeface=""/>
         <a:cs typeface=""/>
-        <a:font script="Grek" typeface="Cambria"/>
-        <a:font script="Cyrl" typeface="Cambria"/>
-        <a:font script="Jpan" typeface="HG明朝B"/>
-        <a:font script="Hang" typeface="바탕"/>
-        <a:font script="Hans" typeface="方正姚体"/>
-        <a:font script="Hant" typeface="微軟正黑體"/>
+        <a:font script="Jpan" typeface="游ゴシック Light"/>
+        <a:font script="Hang" typeface="맑은 고딕"/>
+        <a:font script="Hans" typeface="等线 Light"/>
+        <a:font script="Hant" typeface="新細明體"/>
         <a:font script="Arab" typeface="Times New Roman"/>
-        <a:font script="Hebr" typeface="David"/>
-        <a:font script="Thai" typeface="JasmineUPC"/>
-        <a:font script="Ethi" typeface="Nyala"/>
-        <a:font script="Beng" typeface="Vrinda"/>
-        <a:font script="Gujr" typeface="Shruti"/>
-        <a:font script="Khmr" typeface="MoolBoran"/>
-        <a:font script="Knda" typeface="Tunga"/>
-        <a:font script="Guru" typeface="Raavi"/>
-        <a:font script="Cans" typeface="Euphemia"/>
-        <a:font script="Cher" typeface="Plantagenet Cherokee"/>
-        <a:font script="Yiii" typeface="Microsoft Yi Baiti"/>
-        <a:font script="Tibt" typeface="Microsoft Himalaya"/>
-        <a:font script="Thaa" typeface="MV Boli"/>
-        <a:font script="Deva" typeface="Mangal"/>
-        <a:font script="Telu" typeface="Gautami"/>
-        <a:font script="Taml" typeface="Latha"/>
-        <a:font script="Syrc" typeface="Estrangelo Edessa"/>
-        <a:font script="Orya" typeface="Kalinga"/>
-        <a:font script="Mlym" typeface="Kartika"/>
-        <a:font script="Laoo" typeface="DokChampa"/>
-        <a:font script="Sinh" typeface="Iskoola Pota"/>
-        <a:font script="Mong" typeface="Mongolian Baiti"/>
-        <a:font script="Viet" typeface="Arial"/>
-        <a:font script="Uigh" typeface="Microsoft Uighur"/>
-      </a:majorFont>
-      <a:minorFont>
-        <a:latin typeface="Rockwell" panose="02060603020205020403"/>
-        <a:ea typeface=""/>
-        <a:cs typeface=""/>
-        <a:font script="Grek" typeface="Cambria"/>
-        <a:font script="Cyrl" typeface="Cambria"/>
-        <a:font script="Jpan" typeface="HG明朝B"/>
-        <a:font script="Hang" typeface="바탕"/>
-        <a:font script="Hans" typeface="方正姚体"/>
-        <a:font script="Hant" typeface="標楷體"/>
-        <a:font script="Arab" typeface="Times New Roman"/>
-        <a:font script="Hebr" typeface="David"/>
-        <a:font script="Thai" typeface="JasmineUPC"/>
+        <a:font script="Hebr" typeface="Times New Roman"/>
+        <a:font script="Thai" typeface="Angsana New"/>
         <a:font script="Ethi" typeface="Nyala"/>
         <a:font script="Beng" typeface="Vrinda"/>
         <a:font script="Gujr" typeface="Shruti"/>
@@ -4740,42 +3892,135 @@
         <a:font script="Mong" typeface="Mongolian Baiti"/>
         <a:font script="Viet" typeface="Times New Roman"/>
         <a:font script="Uigh" typeface="Microsoft Uighur"/>
+        <a:font script="Geor" typeface="Sylfaen"/>
+        <a:font script="Armn" typeface="Arial"/>
+        <a:font script="Bugi" typeface="Leelawadee UI"/>
+        <a:font script="Bopo" typeface="Microsoft JhengHei"/>
+        <a:font script="Java" typeface="Javanese Text"/>
+        <a:font script="Lisu" typeface="Segoe UI"/>
+        <a:font script="Mymr" typeface="Myanmar Text"/>
+        <a:font script="Nkoo" typeface="Ebrima"/>
+        <a:font script="Olck" typeface="Nirmala UI"/>
+        <a:font script="Osma" typeface="Ebrima"/>
+        <a:font script="Phag" typeface="Phagspa"/>
+        <a:font script="Syrn" typeface="Estrangelo Edessa"/>
+        <a:font script="Syrj" typeface="Estrangelo Edessa"/>
+        <a:font script="Syre" typeface="Estrangelo Edessa"/>
+        <a:font script="Sora" typeface="Nirmala UI"/>
+        <a:font script="Tale" typeface="Microsoft Tai Le"/>
+        <a:font script="Talu" typeface="Microsoft New Tai Lue"/>
+        <a:font script="Tfng" typeface="Ebrima"/>
+      </a:majorFont>
+      <a:minorFont>
+        <a:latin typeface="Calibri" panose="020F0502020204030204"/>
+        <a:ea typeface=""/>
+        <a:cs typeface=""/>
+        <a:font script="Jpan" typeface="游ゴシック"/>
+        <a:font script="Hang" typeface="맑은 고딕"/>
+        <a:font script="Hans" typeface="等线"/>
+        <a:font script="Hant" typeface="新細明體"/>
+        <a:font script="Arab" typeface="Arial"/>
+        <a:font script="Hebr" typeface="Arial"/>
+        <a:font script="Thai" typeface="Cordia New"/>
+        <a:font script="Ethi" typeface="Nyala"/>
+        <a:font script="Beng" typeface="Vrinda"/>
+        <a:font script="Gujr" typeface="Shruti"/>
+        <a:font script="Khmr" typeface="DaunPenh"/>
+        <a:font script="Knda" typeface="Tunga"/>
+        <a:font script="Guru" typeface="Raavi"/>
+        <a:font script="Cans" typeface="Euphemia"/>
+        <a:font script="Cher" typeface="Plantagenet Cherokee"/>
+        <a:font script="Yiii" typeface="Microsoft Yi Baiti"/>
+        <a:font script="Tibt" typeface="Microsoft Himalaya"/>
+        <a:font script="Thaa" typeface="MV Boli"/>
+        <a:font script="Deva" typeface="Mangal"/>
+        <a:font script="Telu" typeface="Gautami"/>
+        <a:font script="Taml" typeface="Latha"/>
+        <a:font script="Syrc" typeface="Estrangelo Edessa"/>
+        <a:font script="Orya" typeface="Kalinga"/>
+        <a:font script="Mlym" typeface="Kartika"/>
+        <a:font script="Laoo" typeface="DokChampa"/>
+        <a:font script="Sinh" typeface="Iskoola Pota"/>
+        <a:font script="Mong" typeface="Mongolian Baiti"/>
+        <a:font script="Viet" typeface="Arial"/>
+        <a:font script="Uigh" typeface="Microsoft Uighur"/>
+        <a:font script="Geor" typeface="Sylfaen"/>
+        <a:font script="Armn" typeface="Arial"/>
+        <a:font script="Bugi" typeface="Leelawadee UI"/>
+        <a:font script="Bopo" typeface="Microsoft JhengHei"/>
+        <a:font script="Java" typeface="Javanese Text"/>
+        <a:font script="Lisu" typeface="Segoe UI"/>
+        <a:font script="Mymr" typeface="Myanmar Text"/>
+        <a:font script="Nkoo" typeface="Ebrima"/>
+        <a:font script="Olck" typeface="Nirmala UI"/>
+        <a:font script="Osma" typeface="Ebrima"/>
+        <a:font script="Phag" typeface="Phagspa"/>
+        <a:font script="Syrn" typeface="Estrangelo Edessa"/>
+        <a:font script="Syrj" typeface="Estrangelo Edessa"/>
+        <a:font script="Syre" typeface="Estrangelo Edessa"/>
+        <a:font script="Sora" typeface="Nirmala UI"/>
+        <a:font script="Tale" typeface="Microsoft Tai Le"/>
+        <a:font script="Talu" typeface="Microsoft New Tai Lue"/>
+        <a:font script="Tfng" typeface="Ebrima"/>
       </a:minorFont>
     </a:fontScheme>
-    <a:fmtScheme name="Дерево">
+    <a:fmtScheme name="Стандартная">
       <a:fillStyleLst>
         <a:solidFill>
           <a:schemeClr val="phClr"/>
         </a:solidFill>
-        <a:blipFill rotWithShape="1">
-          <a:blip xmlns:r="http://schemas.openxmlformats.org/officeDocument/2006/relationships" r:embed="rId1">
-            <a:duotone>
+        <a:gradFill rotWithShape="1">
+          <a:gsLst>
+            <a:gs pos="0">
               <a:schemeClr val="phClr">
-                <a:tint val="70000"/>
-                <a:shade val="63000"/>
+                <a:lumMod val="110000"/>
+                <a:satMod val="105000"/>
+                <a:tint val="67000"/>
               </a:schemeClr>
+            </a:gs>
+            <a:gs pos="50000">
               <a:schemeClr val="phClr">
-                <a:tint val="10000"/>
-                <a:satMod val="150000"/>
+                <a:lumMod val="105000"/>
+                <a:satMod val="103000"/>
+                <a:tint val="73000"/>
               </a:schemeClr>
-            </a:duotone>
-          </a:blip>
-          <a:tile tx="0" ty="0" sx="60000" sy="59000" flip="none" algn="tl"/>
-        </a:blipFill>
-        <a:blipFill rotWithShape="1">
-          <a:blip xmlns:r="http://schemas.openxmlformats.org/officeDocument/2006/relationships" r:embed="rId1">
-            <a:duotone>
+            </a:gs>
+            <a:gs pos="100000">
               <a:schemeClr val="phClr">
-                <a:shade val="36000"/>
+                <a:lumMod val="105000"/>
+                <a:satMod val="109000"/>
+                <a:tint val="81000"/>
+              </a:schemeClr>
+            </a:gs>
+          </a:gsLst>
+          <a:lin ang="5400000" scaled="0"/>
+        </a:gradFill>
+        <a:gradFill rotWithShape="1">
+          <a:gsLst>
+            <a:gs pos="0">
+              <a:schemeClr val="phClr">
+                <a:satMod val="103000"/>
+                <a:lumMod val="102000"/>
+                <a:tint val="94000"/>
+              </a:schemeClr>
+            </a:gs>
+            <a:gs pos="50000">
+              <a:schemeClr val="phClr">
+                <a:satMod val="110000"/>
+                <a:lumMod val="100000"/>
+                <a:shade val="100000"/>
+              </a:schemeClr>
+            </a:gs>
+            <a:gs pos="100000">
+              <a:schemeClr val="phClr">
+                <a:lumMod val="99000"/>
                 <a:satMod val="120000"/>
+                <a:shade val="78000"/>
               </a:schemeClr>
-              <a:schemeClr val="phClr">
-                <a:tint val="40000"/>
-              </a:schemeClr>
-            </a:duotone>
-          </a:blip>
-          <a:tile tx="0" ty="0" sx="60000" sy="59000" flip="none" algn="tl"/>
-        </a:blipFill>
+            </a:gs>
+          </a:gsLst>
+          <a:lin ang="5400000" scaled="0"/>
+        </a:gradFill>
       </a:fillStyleLst>
       <a:lnStyleLst>
         <a:ln w="6350" cap="flat" cmpd="sng" algn="ctr">
@@ -4783,18 +4028,21 @@
             <a:schemeClr val="phClr"/>
           </a:solidFill>
           <a:prstDash val="solid"/>
+          <a:miter lim="800000"/>
         </a:ln>
         <a:ln w="12700" cap="flat" cmpd="sng" algn="ctr">
           <a:solidFill>
             <a:schemeClr val="phClr"/>
           </a:solidFill>
           <a:prstDash val="solid"/>
+          <a:miter lim="800000"/>
         </a:ln>
         <a:ln w="19050" cap="flat" cmpd="sng" algn="ctr">
           <a:solidFill>
             <a:schemeClr val="phClr"/>
           </a:solidFill>
           <a:prstDash val="solid"/>
+          <a:miter lim="800000"/>
         </a:ln>
       </a:lnStyleLst>
       <a:effectStyleLst>
@@ -4802,18 +4050,15 @@
           <a:effectLst/>
         </a:effectStyle>
         <a:effectStyle>
-          <a:effectLst>
-            <a:softEdge rad="12700"/>
-          </a:effectLst>
+          <a:effectLst/>
         </a:effectStyle>
         <a:effectStyle>
           <a:effectLst>
-            <a:outerShdw blurRad="50800" dist="19050" dir="5400000" algn="tl" rotWithShape="0">
+            <a:outerShdw blurRad="57150" dist="19050" dir="5400000" algn="ctr" rotWithShape="0">
               <a:srgbClr val="000000">
-                <a:alpha val="60000"/>
+                <a:alpha val="63000"/>
               </a:srgbClr>
             </a:outerShdw>
-            <a:softEdge rad="12700"/>
           </a:effectLst>
         </a:effectStyle>
       </a:effectStyleLst>
@@ -4823,26 +4068,37 @@
         </a:solidFill>
         <a:solidFill>
           <a:schemeClr val="phClr">
-            <a:shade val="97000"/>
-            <a:satMod val="150000"/>
+            <a:tint val="95000"/>
+            <a:satMod val="170000"/>
           </a:schemeClr>
         </a:solidFill>
-        <a:blipFill rotWithShape="1">
-          <a:blip xmlns:r="http://schemas.openxmlformats.org/officeDocument/2006/relationships" r:embed="rId1">
-            <a:duotone>
+        <a:gradFill rotWithShape="1">
+          <a:gsLst>
+            <a:gs pos="0">
               <a:schemeClr val="phClr">
-                <a:tint val="75000"/>
-                <a:shade val="58000"/>
+                <a:tint val="93000"/>
+                <a:satMod val="150000"/>
+                <a:shade val="98000"/>
+                <a:lumMod val="102000"/>
+              </a:schemeClr>
+            </a:gs>
+            <a:gs pos="50000">
+              <a:schemeClr val="phClr">
+                <a:tint val="98000"/>
+                <a:satMod val="130000"/>
+                <a:shade val="90000"/>
+                <a:lumMod val="103000"/>
+              </a:schemeClr>
+            </a:gs>
+            <a:gs pos="100000">
+              <a:schemeClr val="phClr">
+                <a:shade val="63000"/>
                 <a:satMod val="120000"/>
               </a:schemeClr>
-              <a:schemeClr val="phClr">
-                <a:tint val="50000"/>
-                <a:shade val="96000"/>
-              </a:schemeClr>
-            </a:duotone>
-          </a:blip>
-          <a:tile tx="0" ty="0" sx="100000" sy="100000" flip="none" algn="tl"/>
-        </a:blipFill>
+            </a:gs>
+          </a:gsLst>
+          <a:lin ang="5400000" scaled="0"/>
+        </a:gradFill>
       </a:bgFillStyleLst>
     </a:fmtScheme>
   </a:themeElements>
@@ -4850,7 +4106,7 @@
   <a:extraClrSchemeLst/>
   <a:extLst>
     <a:ext uri="{05A4C25C-085E-4340-85A3-A5531E510DB2}">
-      <thm15:themeFamily xmlns:thm15="http://schemas.microsoft.com/office/thememl/2012/main" name="Wood Type" id="{7ACABC62-BF99-48CF-A9DC-4DB89C7B13DC}" vid="{142A1326-48AB-42A9-8428-CB14AA30176D}"/>
+      <thm15:themeFamily xmlns:thm15="http://schemas.microsoft.com/office/thememl/2012/main" name="Office Theme" id="{62F939B6-93AF-4DB8-9C6B-D6C7DFDC589F}" vid="{4A3C46E8-61CC-4603-A589-7422A47A8E4A}"/>
     </a:ext>
   </a:extLst>
 </a:theme>
